--- a/Sticky-Notes.pptx
+++ b/Sticky-Notes.pptx
@@ -7,6 +7,12 @@
   <p:sldIdLst>
     <p:sldId id="256" r:id="rId2"/>
     <p:sldId id="257" r:id="rId3"/>
+    <p:sldId id="258" r:id="rId4"/>
+    <p:sldId id="259" r:id="rId5"/>
+    <p:sldId id="260" r:id="rId6"/>
+    <p:sldId id="261" r:id="rId7"/>
+    <p:sldId id="262" r:id="rId8"/>
+    <p:sldId id="263" r:id="rId9"/>
   </p:sldIdLst>
   <p:sldSz cx="12192000" cy="6858000"/>
   <p:notesSz cx="6858000" cy="9144000"/>
@@ -105,6 +111,11 @@
       </a:defRPr>
     </a:lvl9pPr>
   </p:defaultTextStyle>
+  <p:extLst>
+    <p:ext uri="{EFAFB233-063F-42B5-8137-9DF3F51BA10A}">
+      <p15:sldGuideLst xmlns:p15="http://schemas.microsoft.com/office/powerpoint/2012/main"/>
+    </p:ext>
+  </p:extLst>
 </p:presentation>
 </file>
 
@@ -5917,23 +5928,15 @@
             </a:r>
             <a:r>
               <a:rPr lang="en-US" dirty="0" err="1" smtClean="0"/>
-              <a:t>abusamrah</a:t>
+              <a:t>AbuSamrah</a:t>
             </a:r>
             <a:r>
               <a:rPr lang="en-US" dirty="0" smtClean="0"/>
-              <a:t>     abed al-</a:t>
+              <a:t>     Abed Al-Fattah </a:t>
             </a:r>
             <a:r>
               <a:rPr lang="en-US" dirty="0" err="1" smtClean="0"/>
-              <a:t>ftah</a:t>
-            </a:r>
-            <a:r>
-              <a:rPr lang="en-US" dirty="0" smtClean="0"/>
-              <a:t> </a:t>
-            </a:r>
-            <a:r>
-              <a:rPr lang="en-US" dirty="0" err="1" smtClean="0"/>
-              <a:t>hroub</a:t>
+              <a:t>Hroub</a:t>
             </a:r>
             <a:endParaRPr lang="en-US" dirty="0"/>
           </a:p>
@@ -5988,29 +5991,81 @@
         </p:nvSpPr>
         <p:spPr/>
         <p:txBody>
+          <a:bodyPr>
+            <a:normAutofit/>
+          </a:bodyPr>
+          <a:lstStyle/>
+          <a:p>
+            <a:pPr algn="l"/>
+            <a:r>
+              <a:rPr lang="en-US" dirty="0" smtClean="0"/>
+              <a:t>Content :</a:t>
+            </a:r>
+            <a:endParaRPr lang="en-US" dirty="0"/>
+          </a:p>
+        </p:txBody>
+      </p:sp>
+      <p:sp>
+        <p:nvSpPr>
+          <p:cNvPr id="3" name="Content Placeholder 2"/>
+          <p:cNvSpPr>
+            <a:spLocks noGrp="1"/>
+          </p:cNvSpPr>
+          <p:nvPr>
+            <p:ph idx="1"/>
+          </p:nvPr>
+        </p:nvSpPr>
+        <p:spPr/>
+        <p:txBody>
           <a:bodyPr/>
           <a:lstStyle/>
           <a:p>
-            <a:endParaRPr lang="en-US"/>
-          </a:p>
-        </p:txBody>
-      </p:sp>
-      <p:sp>
-        <p:nvSpPr>
-          <p:cNvPr id="3" name="Content Placeholder 2"/>
-          <p:cNvSpPr>
-            <a:spLocks noGrp="1"/>
-          </p:cNvSpPr>
-          <p:nvPr>
-            <p:ph idx="1"/>
-          </p:nvPr>
-        </p:nvSpPr>
-        <p:spPr/>
-        <p:txBody>
-          <a:bodyPr/>
-          <a:lstStyle/>
-          <a:p>
-            <a:endParaRPr lang="en-US"/>
+            <a:r>
+              <a:rPr lang="en-US" dirty="0"/>
+              <a:t>What is </a:t>
+            </a:r>
+            <a:r>
+              <a:rPr lang="en-US" dirty="0" smtClean="0"/>
+              <a:t>Sticky-Notes ?</a:t>
+            </a:r>
+          </a:p>
+          <a:p>
+            <a:r>
+              <a:rPr lang="en-US" dirty="0"/>
+              <a:t> </a:t>
+            </a:r>
+            <a:r>
+              <a:rPr lang="en-US" dirty="0" smtClean="0"/>
+              <a:t>What is operating </a:t>
+            </a:r>
+            <a:r>
+              <a:rPr lang="en-US" dirty="0"/>
+              <a:t>system  </a:t>
+            </a:r>
+            <a:r>
+              <a:rPr lang="en-US" dirty="0" smtClean="0"/>
+              <a:t>run the Sticky-Notes ?</a:t>
+            </a:r>
+          </a:p>
+          <a:p>
+            <a:r>
+              <a:rPr lang="en-US" dirty="0" smtClean="0"/>
+              <a:t>How to use Sticky-Notes ?</a:t>
+            </a:r>
+            <a:endParaRPr lang="ar-MA" dirty="0" smtClean="0"/>
+          </a:p>
+          <a:p>
+            <a:r>
+              <a:rPr lang="en-US" dirty="0"/>
+              <a:t>What is Future </a:t>
+            </a:r>
+            <a:r>
+              <a:rPr lang="en-US" dirty="0" smtClean="0"/>
+              <a:t>Plans ?</a:t>
+            </a:r>
+          </a:p>
+          <a:p>
+            <a:endParaRPr lang="en-US" dirty="0" smtClean="0"/>
           </a:p>
         </p:txBody>
       </p:sp>
@@ -6018,6 +6073,590 @@
     <p:extLst>
       <p:ext uri="{BB962C8B-B14F-4D97-AF65-F5344CB8AC3E}">
         <p14:creationId xmlns:p14="http://schemas.microsoft.com/office/powerpoint/2010/main" val="1362301970"/>
+      </p:ext>
+    </p:extLst>
+  </p:cSld>
+  <p:clrMapOvr>
+    <a:masterClrMapping/>
+  </p:clrMapOvr>
+</p:sld>
+</file>
+
+<file path=ppt/slides/slide3.xml><?xml version="1.0" encoding="utf-8"?>
+<p:sld xmlns:a="http://schemas.openxmlformats.org/drawingml/2006/main" xmlns:r="http://schemas.openxmlformats.org/officeDocument/2006/relationships" xmlns:p="http://schemas.openxmlformats.org/presentationml/2006/main">
+  <p:cSld>
+    <p:spTree>
+      <p:nvGrpSpPr>
+        <p:cNvPr id="1" name=""/>
+        <p:cNvGrpSpPr/>
+        <p:nvPr/>
+      </p:nvGrpSpPr>
+      <p:grpSpPr>
+        <a:xfrm>
+          <a:off x="0" y="0"/>
+          <a:ext cx="0" cy="0"/>
+          <a:chOff x="0" y="0"/>
+          <a:chExt cx="0" cy="0"/>
+        </a:xfrm>
+      </p:grpSpPr>
+      <p:sp>
+        <p:nvSpPr>
+          <p:cNvPr id="2" name="Title 1"/>
+          <p:cNvSpPr>
+            <a:spLocks noGrp="1"/>
+          </p:cNvSpPr>
+          <p:nvPr>
+            <p:ph type="title"/>
+          </p:nvPr>
+        </p:nvSpPr>
+        <p:spPr>
+          <a:xfrm>
+            <a:off x="1295401" y="982132"/>
+            <a:ext cx="9912529" cy="1303867"/>
+          </a:xfrm>
+        </p:spPr>
+        <p:txBody>
+          <a:bodyPr>
+            <a:normAutofit fontScale="90000"/>
+          </a:bodyPr>
+          <a:lstStyle/>
+          <a:p>
+            <a:r>
+              <a:rPr lang="en-US" dirty="0"/>
+              <a:t> What is operating system  run the Sticky-Notes ?</a:t>
+            </a:r>
+            <a:br>
+              <a:rPr lang="en-US" dirty="0"/>
+            </a:br>
+            <a:endParaRPr lang="en-US" dirty="0"/>
+          </a:p>
+        </p:txBody>
+      </p:sp>
+      <p:pic>
+        <p:nvPicPr>
+          <p:cNvPr id="4" name="Content Placeholder 3"/>
+          <p:cNvPicPr>
+            <a:picLocks noGrp="1" noChangeAspect="1"/>
+          </p:cNvPicPr>
+          <p:nvPr>
+            <p:ph idx="1"/>
+          </p:nvPr>
+        </p:nvPicPr>
+        <p:blipFill>
+          <a:blip r:embed="rId2"/>
+          <a:stretch>
+            <a:fillRect/>
+          </a:stretch>
+        </p:blipFill>
+        <p:spPr>
+          <a:xfrm>
+            <a:off x="6309361" y="3269633"/>
+            <a:ext cx="3618411" cy="1007867"/>
+          </a:xfrm>
+          <a:prstGeom prst="rect">
+            <a:avLst/>
+          </a:prstGeom>
+        </p:spPr>
+      </p:pic>
+      <p:pic>
+        <p:nvPicPr>
+          <p:cNvPr id="5" name="Picture 4"/>
+          <p:cNvPicPr>
+            <a:picLocks noChangeAspect="1"/>
+          </p:cNvPicPr>
+          <p:nvPr/>
+        </p:nvPicPr>
+        <p:blipFill>
+          <a:blip r:embed="rId3"/>
+          <a:stretch>
+            <a:fillRect/>
+          </a:stretch>
+        </p:blipFill>
+        <p:spPr>
+          <a:xfrm>
+            <a:off x="2064999" y="3269633"/>
+            <a:ext cx="3369150" cy="1001920"/>
+          </a:xfrm>
+          <a:prstGeom prst="rect">
+            <a:avLst/>
+          </a:prstGeom>
+        </p:spPr>
+      </p:pic>
+      <p:pic>
+        <p:nvPicPr>
+          <p:cNvPr id="6" name="Picture 5"/>
+          <p:cNvPicPr>
+            <a:picLocks noChangeAspect="1"/>
+          </p:cNvPicPr>
+          <p:nvPr/>
+        </p:nvPicPr>
+        <p:blipFill>
+          <a:blip r:embed="rId4"/>
+          <a:stretch>
+            <a:fillRect/>
+          </a:stretch>
+        </p:blipFill>
+        <p:spPr>
+          <a:xfrm>
+            <a:off x="4429376" y="4754227"/>
+            <a:ext cx="2650693" cy="1001920"/>
+          </a:xfrm>
+          <a:prstGeom prst="rect">
+            <a:avLst/>
+          </a:prstGeom>
+        </p:spPr>
+      </p:pic>
+    </p:spTree>
+    <p:extLst>
+      <p:ext uri="{BB962C8B-B14F-4D97-AF65-F5344CB8AC3E}">
+        <p14:creationId xmlns:p14="http://schemas.microsoft.com/office/powerpoint/2010/main" val="3437212954"/>
+      </p:ext>
+    </p:extLst>
+  </p:cSld>
+  <p:clrMapOvr>
+    <a:masterClrMapping/>
+  </p:clrMapOvr>
+  <p:timing>
+    <p:tnLst>
+      <p:par>
+        <p:cTn id="1" dur="indefinite" restart="never" nodeType="tmRoot"/>
+      </p:par>
+    </p:tnLst>
+  </p:timing>
+</p:sld>
+</file>
+
+<file path=ppt/slides/slide4.xml><?xml version="1.0" encoding="utf-8"?>
+<p:sld xmlns:a="http://schemas.openxmlformats.org/drawingml/2006/main" xmlns:r="http://schemas.openxmlformats.org/officeDocument/2006/relationships" xmlns:p="http://schemas.openxmlformats.org/presentationml/2006/main">
+  <p:cSld>
+    <p:spTree>
+      <p:nvGrpSpPr>
+        <p:cNvPr id="1" name=""/>
+        <p:cNvGrpSpPr/>
+        <p:nvPr/>
+      </p:nvGrpSpPr>
+      <p:grpSpPr>
+        <a:xfrm>
+          <a:off x="0" y="0"/>
+          <a:ext cx="0" cy="0"/>
+          <a:chOff x="0" y="0"/>
+          <a:chExt cx="0" cy="0"/>
+        </a:xfrm>
+      </p:grpSpPr>
+      <p:sp>
+        <p:nvSpPr>
+          <p:cNvPr id="2" name="Title 1"/>
+          <p:cNvSpPr>
+            <a:spLocks noGrp="1"/>
+          </p:cNvSpPr>
+          <p:nvPr>
+            <p:ph type="title"/>
+          </p:nvPr>
+        </p:nvSpPr>
+        <p:spPr/>
+        <p:txBody>
+          <a:bodyPr>
+            <a:normAutofit/>
+          </a:bodyPr>
+          <a:lstStyle/>
+          <a:p>
+            <a:r>
+              <a:rPr lang="en-US" dirty="0"/>
+              <a:t>How to use Sticky-Notes </a:t>
+            </a:r>
+            <a:r>
+              <a:rPr lang="en-US" dirty="0" smtClean="0"/>
+              <a:t>?</a:t>
+            </a:r>
+            <a:endParaRPr lang="en-US" dirty="0"/>
+          </a:p>
+        </p:txBody>
+      </p:sp>
+      <p:sp>
+        <p:nvSpPr>
+          <p:cNvPr id="3" name="Content Placeholder 2"/>
+          <p:cNvSpPr>
+            <a:spLocks noGrp="1"/>
+          </p:cNvSpPr>
+          <p:nvPr>
+            <p:ph idx="1"/>
+          </p:nvPr>
+        </p:nvSpPr>
+        <p:spPr/>
+        <p:txBody>
+          <a:bodyPr/>
+          <a:lstStyle/>
+          <a:p>
+            <a:endParaRPr lang="en-US" dirty="0"/>
+          </a:p>
+        </p:txBody>
+      </p:sp>
+      <p:pic>
+        <p:nvPicPr>
+          <p:cNvPr id="4" name="Picture 3"/>
+          <p:cNvPicPr>
+            <a:picLocks noChangeAspect="1"/>
+          </p:cNvPicPr>
+          <p:nvPr/>
+        </p:nvPicPr>
+        <p:blipFill>
+          <a:blip r:embed="rId2"/>
+          <a:stretch>
+            <a:fillRect/>
+          </a:stretch>
+        </p:blipFill>
+        <p:spPr>
+          <a:xfrm>
+            <a:off x="1295400" y="2556932"/>
+            <a:ext cx="7208519" cy="3563210"/>
+          </a:xfrm>
+          <a:prstGeom prst="rect">
+            <a:avLst/>
+          </a:prstGeom>
+        </p:spPr>
+      </p:pic>
+    </p:spTree>
+    <p:extLst>
+      <p:ext uri="{BB962C8B-B14F-4D97-AF65-F5344CB8AC3E}">
+        <p14:creationId xmlns:p14="http://schemas.microsoft.com/office/powerpoint/2010/main" val="522472815"/>
+      </p:ext>
+    </p:extLst>
+  </p:cSld>
+  <p:clrMapOvr>
+    <a:masterClrMapping/>
+  </p:clrMapOvr>
+  <p:timing>
+    <p:tnLst>
+      <p:par>
+        <p:cTn id="1" dur="indefinite" restart="never" nodeType="tmRoot"/>
+      </p:par>
+    </p:tnLst>
+  </p:timing>
+</p:sld>
+</file>
+
+<file path=ppt/slides/slide5.xml><?xml version="1.0" encoding="utf-8"?>
+<p:sld xmlns:a="http://schemas.openxmlformats.org/drawingml/2006/main" xmlns:r="http://schemas.openxmlformats.org/officeDocument/2006/relationships" xmlns:p="http://schemas.openxmlformats.org/presentationml/2006/main">
+  <p:cSld>
+    <p:spTree>
+      <p:nvGrpSpPr>
+        <p:cNvPr id="1" name=""/>
+        <p:cNvGrpSpPr/>
+        <p:nvPr/>
+      </p:nvGrpSpPr>
+      <p:grpSpPr>
+        <a:xfrm>
+          <a:off x="0" y="0"/>
+          <a:ext cx="0" cy="0"/>
+          <a:chOff x="0" y="0"/>
+          <a:chExt cx="0" cy="0"/>
+        </a:xfrm>
+      </p:grpSpPr>
+      <p:sp>
+        <p:nvSpPr>
+          <p:cNvPr id="2" name="Title 1"/>
+          <p:cNvSpPr>
+            <a:spLocks noGrp="1"/>
+          </p:cNvSpPr>
+          <p:nvPr>
+            <p:ph type="title"/>
+          </p:nvPr>
+        </p:nvSpPr>
+        <p:spPr/>
+        <p:txBody>
+          <a:bodyPr/>
+          <a:lstStyle/>
+          <a:p>
+            <a:r>
+              <a:rPr lang="en-US" dirty="0"/>
+              <a:t>Add </a:t>
+            </a:r>
+            <a:r>
+              <a:rPr lang="en-US" dirty="0" smtClean="0"/>
+              <a:t>user name</a:t>
+            </a:r>
+            <a:endParaRPr lang="en-US" dirty="0"/>
+          </a:p>
+        </p:txBody>
+      </p:sp>
+      <p:sp>
+        <p:nvSpPr>
+          <p:cNvPr id="3" name="Content Placeholder 2"/>
+          <p:cNvSpPr>
+            <a:spLocks noGrp="1"/>
+          </p:cNvSpPr>
+          <p:nvPr>
+            <p:ph idx="1"/>
+          </p:nvPr>
+        </p:nvSpPr>
+        <p:spPr/>
+        <p:txBody>
+          <a:bodyPr/>
+          <a:lstStyle/>
+          <a:p>
+            <a:endParaRPr lang="en-US"/>
+          </a:p>
+        </p:txBody>
+      </p:sp>
+      <p:pic>
+        <p:nvPicPr>
+          <p:cNvPr id="5" name="Picture 4"/>
+          <p:cNvPicPr>
+            <a:picLocks noChangeAspect="1"/>
+          </p:cNvPicPr>
+          <p:nvPr/>
+        </p:nvPicPr>
+        <p:blipFill>
+          <a:blip r:embed="rId2"/>
+          <a:stretch>
+            <a:fillRect/>
+          </a:stretch>
+        </p:blipFill>
+        <p:spPr>
+          <a:xfrm>
+            <a:off x="1190897" y="2575372"/>
+            <a:ext cx="7783287" cy="3571429"/>
+          </a:xfrm>
+          <a:prstGeom prst="rect">
+            <a:avLst/>
+          </a:prstGeom>
+        </p:spPr>
+      </p:pic>
+    </p:spTree>
+    <p:extLst>
+      <p:ext uri="{BB962C8B-B14F-4D97-AF65-F5344CB8AC3E}">
+        <p14:creationId xmlns:p14="http://schemas.microsoft.com/office/powerpoint/2010/main" val="3548886476"/>
+      </p:ext>
+    </p:extLst>
+  </p:cSld>
+  <p:clrMapOvr>
+    <a:masterClrMapping/>
+  </p:clrMapOvr>
+  <p:timing>
+    <p:tnLst>
+      <p:par>
+        <p:cTn id="1" dur="indefinite" restart="never" nodeType="tmRoot"/>
+      </p:par>
+    </p:tnLst>
+  </p:timing>
+</p:sld>
+</file>
+
+<file path=ppt/slides/slide6.xml><?xml version="1.0" encoding="utf-8"?>
+<p:sld xmlns:a="http://schemas.openxmlformats.org/drawingml/2006/main" xmlns:r="http://schemas.openxmlformats.org/officeDocument/2006/relationships" xmlns:p="http://schemas.openxmlformats.org/presentationml/2006/main">
+  <p:cSld>
+    <p:spTree>
+      <p:nvGrpSpPr>
+        <p:cNvPr id="1" name=""/>
+        <p:cNvGrpSpPr/>
+        <p:nvPr/>
+      </p:nvGrpSpPr>
+      <p:grpSpPr>
+        <a:xfrm>
+          <a:off x="0" y="0"/>
+          <a:ext cx="0" cy="0"/>
+          <a:chOff x="0" y="0"/>
+          <a:chExt cx="0" cy="0"/>
+        </a:xfrm>
+      </p:grpSpPr>
+      <p:sp>
+        <p:nvSpPr>
+          <p:cNvPr id="2" name="Title 1"/>
+          <p:cNvSpPr>
+            <a:spLocks noGrp="1"/>
+          </p:cNvSpPr>
+          <p:nvPr>
+            <p:ph type="title"/>
+          </p:nvPr>
+        </p:nvSpPr>
+        <p:spPr/>
+        <p:txBody>
+          <a:bodyPr/>
+          <a:lstStyle/>
+          <a:p>
+            <a:r>
+              <a:rPr lang="en-US" dirty="0" smtClean="0"/>
+              <a:t>Add user note</a:t>
+            </a:r>
+            <a:endParaRPr lang="en-US" dirty="0"/>
+          </a:p>
+        </p:txBody>
+      </p:sp>
+      <p:pic>
+        <p:nvPicPr>
+          <p:cNvPr id="6" name="Picture 5"/>
+          <p:cNvPicPr>
+            <a:picLocks noChangeAspect="1"/>
+          </p:cNvPicPr>
+          <p:nvPr/>
+        </p:nvPicPr>
+        <p:blipFill>
+          <a:blip r:embed="rId2"/>
+          <a:stretch>
+            <a:fillRect/>
+          </a:stretch>
+        </p:blipFill>
+        <p:spPr>
+          <a:xfrm>
+            <a:off x="1295401" y="2556933"/>
+            <a:ext cx="8018416" cy="3471706"/>
+          </a:xfrm>
+          <a:prstGeom prst="rect">
+            <a:avLst/>
+          </a:prstGeom>
+        </p:spPr>
+      </p:pic>
+    </p:spTree>
+    <p:extLst>
+      <p:ext uri="{BB962C8B-B14F-4D97-AF65-F5344CB8AC3E}">
+        <p14:creationId xmlns:p14="http://schemas.microsoft.com/office/powerpoint/2010/main" val="3955412658"/>
+      </p:ext>
+    </p:extLst>
+  </p:cSld>
+  <p:clrMapOvr>
+    <a:masterClrMapping/>
+  </p:clrMapOvr>
+  <p:timing>
+    <p:tnLst>
+      <p:par>
+        <p:cTn id="1" dur="indefinite" restart="never" nodeType="tmRoot"/>
+      </p:par>
+    </p:tnLst>
+  </p:timing>
+</p:sld>
+</file>
+
+<file path=ppt/slides/slide7.xml><?xml version="1.0" encoding="utf-8"?>
+<p:sld xmlns:a="http://schemas.openxmlformats.org/drawingml/2006/main" xmlns:r="http://schemas.openxmlformats.org/officeDocument/2006/relationships" xmlns:p="http://schemas.openxmlformats.org/presentationml/2006/main">
+  <p:cSld>
+    <p:spTree>
+      <p:nvGrpSpPr>
+        <p:cNvPr id="1" name=""/>
+        <p:cNvGrpSpPr/>
+        <p:nvPr/>
+      </p:nvGrpSpPr>
+      <p:grpSpPr>
+        <a:xfrm>
+          <a:off x="0" y="0"/>
+          <a:ext cx="0" cy="0"/>
+          <a:chOff x="0" y="0"/>
+          <a:chExt cx="0" cy="0"/>
+        </a:xfrm>
+      </p:grpSpPr>
+      <p:sp>
+        <p:nvSpPr>
+          <p:cNvPr id="2" name="Title 1"/>
+          <p:cNvSpPr>
+            <a:spLocks noGrp="1"/>
+          </p:cNvSpPr>
+          <p:nvPr>
+            <p:ph type="title"/>
+          </p:nvPr>
+        </p:nvSpPr>
+        <p:spPr/>
+        <p:txBody>
+          <a:bodyPr/>
+          <a:lstStyle/>
+          <a:p>
+            <a:r>
+              <a:rPr lang="en-US" dirty="0"/>
+              <a:t>View notes for a specific </a:t>
+            </a:r>
+            <a:r>
+              <a:rPr lang="en-US" dirty="0" smtClean="0"/>
+              <a:t>user</a:t>
+            </a:r>
+            <a:endParaRPr lang="en-US" dirty="0"/>
+          </a:p>
+        </p:txBody>
+      </p:sp>
+      <p:pic>
+        <p:nvPicPr>
+          <p:cNvPr id="3" name="Picture 2"/>
+          <p:cNvPicPr>
+            <a:picLocks noChangeAspect="1"/>
+          </p:cNvPicPr>
+          <p:nvPr/>
+        </p:nvPicPr>
+        <p:blipFill>
+          <a:blip r:embed="rId2"/>
+          <a:stretch>
+            <a:fillRect/>
+          </a:stretch>
+        </p:blipFill>
+        <p:spPr>
+          <a:xfrm>
+            <a:off x="1295402" y="2494947"/>
+            <a:ext cx="8331924" cy="3644596"/>
+          </a:xfrm>
+          <a:prstGeom prst="rect">
+            <a:avLst/>
+          </a:prstGeom>
+        </p:spPr>
+      </p:pic>
+    </p:spTree>
+    <p:extLst>
+      <p:ext uri="{BB962C8B-B14F-4D97-AF65-F5344CB8AC3E}">
+        <p14:creationId xmlns:p14="http://schemas.microsoft.com/office/powerpoint/2010/main" val="1256066120"/>
+      </p:ext>
+    </p:extLst>
+  </p:cSld>
+  <p:clrMapOvr>
+    <a:masterClrMapping/>
+  </p:clrMapOvr>
+</p:sld>
+</file>
+
+<file path=ppt/slides/slide8.xml><?xml version="1.0" encoding="utf-8"?>
+<p:sld xmlns:a="http://schemas.openxmlformats.org/drawingml/2006/main" xmlns:r="http://schemas.openxmlformats.org/officeDocument/2006/relationships" xmlns:p="http://schemas.openxmlformats.org/presentationml/2006/main">
+  <p:cSld>
+    <p:spTree>
+      <p:nvGrpSpPr>
+        <p:cNvPr id="1" name=""/>
+        <p:cNvGrpSpPr/>
+        <p:nvPr/>
+      </p:nvGrpSpPr>
+      <p:grpSpPr>
+        <a:xfrm>
+          <a:off x="0" y="0"/>
+          <a:ext cx="0" cy="0"/>
+          <a:chOff x="0" y="0"/>
+          <a:chExt cx="0" cy="0"/>
+        </a:xfrm>
+      </p:grpSpPr>
+      <p:sp>
+        <p:nvSpPr>
+          <p:cNvPr id="2" name="Title 1"/>
+          <p:cNvSpPr>
+            <a:spLocks noGrp="1"/>
+          </p:cNvSpPr>
+          <p:nvPr>
+            <p:ph type="title"/>
+          </p:nvPr>
+        </p:nvSpPr>
+        <p:spPr/>
+        <p:txBody>
+          <a:bodyPr>
+            <a:normAutofit/>
+          </a:bodyPr>
+          <a:lstStyle/>
+          <a:p>
+            <a:r>
+              <a:rPr lang="en-US" dirty="0"/>
+              <a:t>What is Future Plans </a:t>
+            </a:r>
+            <a:r>
+              <a:rPr lang="en-US" dirty="0" smtClean="0"/>
+              <a:t>?</a:t>
+            </a:r>
+            <a:endParaRPr lang="en-US" dirty="0"/>
+          </a:p>
+        </p:txBody>
+      </p:sp>
+    </p:spTree>
+    <p:extLst>
+      <p:ext uri="{BB962C8B-B14F-4D97-AF65-F5344CB8AC3E}">
+        <p14:creationId xmlns:p14="http://schemas.microsoft.com/office/powerpoint/2010/main" val="1120058601"/>
       </p:ext>
     </p:extLst>
   </p:cSld>

--- a/Sticky-Notes.pptx
+++ b/Sticky-Notes.pptx
@@ -12,7 +12,7 @@
     <p:sldId id="260" r:id="rId6"/>
     <p:sldId id="261" r:id="rId7"/>
     <p:sldId id="262" r:id="rId8"/>
-    <p:sldId id="263" r:id="rId9"/>
+    <p:sldId id="264" r:id="rId9"/>
   </p:sldIdLst>
   <p:sldSz cx="12192000" cy="6858000"/>
   <p:notesSz cx="6858000" cy="9144000"/>
@@ -6636,19 +6636,66 @@
         </p:nvSpPr>
         <p:spPr/>
         <p:txBody>
-          <a:bodyPr>
-            <a:normAutofit/>
-          </a:bodyPr>
+          <a:bodyPr/>
           <a:lstStyle/>
           <a:p>
             <a:r>
               <a:rPr lang="en-US" dirty="0"/>
-              <a:t>What is Future Plans </a:t>
+              <a:t>What is Future Plans ?</a:t>
+            </a:r>
+          </a:p>
+        </p:txBody>
+      </p:sp>
+      <p:sp>
+        <p:nvSpPr>
+          <p:cNvPr id="3" name="Content Placeholder 2"/>
+          <p:cNvSpPr>
+            <a:spLocks noGrp="1"/>
+          </p:cNvSpPr>
+          <p:nvPr>
+            <p:ph idx="1"/>
+          </p:nvPr>
+        </p:nvSpPr>
+        <p:spPr/>
+        <p:txBody>
+          <a:bodyPr/>
+          <a:lstStyle/>
+          <a:p>
+            <a:r>
+              <a:rPr lang="en-US" dirty="0"/>
+              <a:t>Compatible with all </a:t>
             </a:r>
             <a:r>
               <a:rPr lang="en-US" dirty="0" smtClean="0"/>
-              <a:t>?</a:t>
-            </a:r>
+              <a:t>systems</a:t>
+            </a:r>
+            <a:endParaRPr lang="ar-MA" dirty="0" smtClean="0"/>
+          </a:p>
+          <a:p>
+            <a:r>
+              <a:rPr lang="en-US" dirty="0" smtClean="0"/>
+              <a:t>Online</a:t>
+            </a:r>
+          </a:p>
+          <a:p>
+            <a:r>
+              <a:rPr lang="en-US" dirty="0" smtClean="0"/>
+              <a:t>Edit the note and user</a:t>
+            </a:r>
+          </a:p>
+          <a:p>
+            <a:r>
+              <a:rPr lang="en-US" dirty="0" smtClean="0"/>
+              <a:t>Notification</a:t>
+            </a:r>
+          </a:p>
+          <a:p>
+            <a:r>
+              <a:rPr lang="en-US" dirty="0" smtClean="0"/>
+              <a:t>GUI interface</a:t>
+            </a:r>
+          </a:p>
+          <a:p>
             <a:endParaRPr lang="en-US" dirty="0"/>
           </a:p>
         </p:txBody>
@@ -6656,7 +6703,7 @@
     </p:spTree>
     <p:extLst>
       <p:ext uri="{BB962C8B-B14F-4D97-AF65-F5344CB8AC3E}">
-        <p14:creationId xmlns:p14="http://schemas.microsoft.com/office/powerpoint/2010/main" val="1120058601"/>
+        <p14:creationId xmlns:p14="http://schemas.microsoft.com/office/powerpoint/2010/main" val="2835943626"/>
       </p:ext>
     </p:extLst>
   </p:cSld>

--- a/Sticky-Notes.pptx
+++ b/Sticky-Notes.pptx
@@ -7,12 +7,14 @@
   <p:sldIdLst>
     <p:sldId id="256" r:id="rId2"/>
     <p:sldId id="257" r:id="rId3"/>
-    <p:sldId id="258" r:id="rId4"/>
-    <p:sldId id="259" r:id="rId5"/>
-    <p:sldId id="260" r:id="rId6"/>
-    <p:sldId id="261" r:id="rId7"/>
-    <p:sldId id="262" r:id="rId8"/>
-    <p:sldId id="264" r:id="rId9"/>
+    <p:sldId id="266" r:id="rId4"/>
+    <p:sldId id="265" r:id="rId5"/>
+    <p:sldId id="258" r:id="rId6"/>
+    <p:sldId id="259" r:id="rId7"/>
+    <p:sldId id="260" r:id="rId8"/>
+    <p:sldId id="261" r:id="rId9"/>
+    <p:sldId id="262" r:id="rId10"/>
+    <p:sldId id="264" r:id="rId11"/>
   </p:sldIdLst>
   <p:sldSz cx="12192000" cy="6858000"/>
   <p:notesSz cx="6858000" cy="9144000"/>
@@ -302,7 +304,7 @@
           </a:lstStyle>
           <a:p>
             <a:r>
-              <a:rPr lang="en-US" smtClean="0"/>
+              <a:rPr lang="en-US"/>
               <a:t>Click to edit Master title style</a:t>
             </a:r>
             <a:endParaRPr lang="en-US" dirty="0"/>
@@ -421,7 +423,7 @@
           </a:lstStyle>
           <a:p>
             <a:r>
-              <a:rPr lang="en-US" smtClean="0"/>
+              <a:rPr lang="en-US"/>
               <a:t>Click to edit Master subtitle style</a:t>
             </a:r>
             <a:endParaRPr lang="en-US" dirty="0"/>
@@ -595,7 +597,7 @@
           </a:lstStyle>
           <a:p>
             <a:r>
-              <a:rPr lang="en-US" smtClean="0"/>
+              <a:rPr lang="en-US"/>
               <a:t>Click to edit Master title style</a:t>
             </a:r>
             <a:endParaRPr lang="en-US" dirty="0"/>
@@ -683,7 +685,7 @@
           </a:lstStyle>
           <a:p>
             <a:r>
-              <a:rPr lang="en-US" smtClean="0"/>
+              <a:rPr lang="en-US"/>
               <a:t>Click icon to add picture</a:t>
             </a:r>
             <a:endParaRPr lang="en-US" dirty="0"/>
@@ -751,7 +753,7 @@
           <a:p>
             <a:pPr lvl="0"/>
             <a:r>
-              <a:rPr lang="en-US" smtClean="0"/>
+              <a:rPr lang="en-US"/>
               <a:t>Edit Master text styles</a:t>
             </a:r>
           </a:p>
@@ -879,7 +881,7 @@
           </a:lstStyle>
           <a:p>
             <a:r>
-              <a:rPr lang="en-US" smtClean="0"/>
+              <a:rPr lang="en-US"/>
               <a:t>Click to edit Master title style</a:t>
             </a:r>
             <a:endParaRPr lang="en-US" dirty="0"/>
@@ -999,7 +1001,7 @@
           <a:p>
             <a:pPr lvl="0"/>
             <a:r>
-              <a:rPr lang="en-US" smtClean="0"/>
+              <a:rPr lang="en-US"/>
               <a:t>Edit Master text styles</a:t>
             </a:r>
           </a:p>
@@ -1162,7 +1164,7 @@
           </a:lstStyle>
           <a:p>
             <a:r>
-              <a:rPr lang="en-US" smtClean="0"/>
+              <a:rPr lang="en-US"/>
               <a:t>Click to edit Master title style</a:t>
             </a:r>
             <a:endParaRPr lang="en-US" dirty="0"/>
@@ -1219,7 +1221,7 @@
           <a:p>
             <a:pPr lvl="0"/>
             <a:r>
-              <a:rPr lang="en-US" smtClean="0"/>
+              <a:rPr lang="en-US"/>
               <a:t>Edit Master text styles</a:t>
             </a:r>
           </a:p>
@@ -1338,7 +1340,7 @@
           <a:p>
             <a:pPr lvl="0"/>
             <a:r>
-              <a:rPr lang="en-US" smtClean="0"/>
+              <a:rPr lang="en-US"/>
               <a:t>Edit Master text styles</a:t>
             </a:r>
           </a:p>
@@ -1565,7 +1567,7 @@
           </a:lstStyle>
           <a:p>
             <a:r>
-              <a:rPr lang="en-US" smtClean="0"/>
+              <a:rPr lang="en-US"/>
               <a:t>Click to edit Master title style</a:t>
             </a:r>
             <a:endParaRPr lang="en-US" dirty="0"/>
@@ -1685,7 +1687,7 @@
           <a:p>
             <a:pPr lvl="0"/>
             <a:r>
-              <a:rPr lang="en-US" smtClean="0"/>
+              <a:rPr lang="en-US"/>
               <a:t>Edit Master text styles</a:t>
             </a:r>
           </a:p>
@@ -1817,7 +1819,7 @@
           </a:lstStyle>
           <a:p>
             <a:r>
-              <a:rPr lang="en-US" smtClean="0"/>
+              <a:rPr lang="en-US"/>
               <a:t>Click to edit Master title style</a:t>
             </a:r>
             <a:endParaRPr lang="en-US" dirty="0"/>
@@ -1940,7 +1942,7 @@
           <a:p>
             <a:pPr lvl="0"/>
             <a:r>
-              <a:rPr lang="en-US" smtClean="0"/>
+              <a:rPr lang="en-US"/>
               <a:t>Edit Master text styles</a:t>
             </a:r>
           </a:p>
@@ -2059,7 +2061,7 @@
           <a:p>
             <a:pPr lvl="0"/>
             <a:r>
-              <a:rPr lang="en-US" smtClean="0"/>
+              <a:rPr lang="en-US"/>
               <a:t>Edit Master text styles</a:t>
             </a:r>
           </a:p>
@@ -2287,7 +2289,7 @@
           <a:p>
             <a:pPr marL="0" lvl="0"/>
             <a:r>
-              <a:rPr lang="en-US" smtClean="0"/>
+              <a:rPr lang="en-US"/>
               <a:t>Click to edit Master title style</a:t>
             </a:r>
             <a:endParaRPr lang="en-US" dirty="0"/>
@@ -2410,7 +2412,7 @@
           <a:p>
             <a:pPr lvl="0"/>
             <a:r>
-              <a:rPr lang="en-US" smtClean="0"/>
+              <a:rPr lang="en-US"/>
               <a:t>Edit Master text styles</a:t>
             </a:r>
           </a:p>
@@ -2529,7 +2531,7 @@
           <a:p>
             <a:pPr lvl="0"/>
             <a:r>
-              <a:rPr lang="en-US" smtClean="0"/>
+              <a:rPr lang="en-US"/>
               <a:t>Edit Master text styles</a:t>
             </a:r>
           </a:p>
@@ -2681,7 +2683,7 @@
           </a:lstStyle>
           <a:p>
             <a:r>
-              <a:rPr lang="en-US" smtClean="0"/>
+              <a:rPr lang="en-US"/>
               <a:t>Click to edit Master title style</a:t>
             </a:r>
             <a:endParaRPr lang="en-US" dirty="0"/>
@@ -2705,35 +2707,35 @@
           <a:p>
             <a:pPr lvl="0"/>
             <a:r>
-              <a:rPr lang="en-US" smtClean="0"/>
+              <a:rPr lang="en-US"/>
               <a:t>Edit Master text styles</a:t>
             </a:r>
           </a:p>
           <a:p>
             <a:pPr lvl="1"/>
             <a:r>
-              <a:rPr lang="en-US" smtClean="0"/>
+              <a:rPr lang="en-US"/>
               <a:t>Second level</a:t>
             </a:r>
           </a:p>
           <a:p>
             <a:pPr lvl="2"/>
             <a:r>
-              <a:rPr lang="en-US" smtClean="0"/>
+              <a:rPr lang="en-US"/>
               <a:t>Third level</a:t>
             </a:r>
           </a:p>
           <a:p>
             <a:pPr lvl="3"/>
             <a:r>
-              <a:rPr lang="en-US" smtClean="0"/>
+              <a:rPr lang="en-US"/>
               <a:t>Fourth level</a:t>
             </a:r>
           </a:p>
           <a:p>
             <a:pPr lvl="4"/>
             <a:r>
-              <a:rPr lang="en-US" smtClean="0"/>
+              <a:rPr lang="en-US"/>
               <a:t>Fifth level</a:t>
             </a:r>
             <a:endParaRPr lang="en-US" dirty="0"/>
@@ -2887,7 +2889,7 @@
           <a:lstStyle/>
           <a:p>
             <a:r>
-              <a:rPr lang="en-US" smtClean="0"/>
+              <a:rPr lang="en-US"/>
               <a:t>Click to edit Master title style</a:t>
             </a:r>
             <a:endParaRPr lang="en-US" dirty="0"/>
@@ -2916,35 +2918,35 @@
           <a:p>
             <a:pPr lvl="0"/>
             <a:r>
-              <a:rPr lang="en-US" smtClean="0"/>
+              <a:rPr lang="en-US"/>
               <a:t>Edit Master text styles</a:t>
             </a:r>
           </a:p>
           <a:p>
             <a:pPr lvl="1"/>
             <a:r>
-              <a:rPr lang="en-US" smtClean="0"/>
+              <a:rPr lang="en-US"/>
               <a:t>Second level</a:t>
             </a:r>
           </a:p>
           <a:p>
             <a:pPr lvl="2"/>
             <a:r>
-              <a:rPr lang="en-US" smtClean="0"/>
+              <a:rPr lang="en-US"/>
               <a:t>Third level</a:t>
             </a:r>
           </a:p>
           <a:p>
             <a:pPr lvl="3"/>
             <a:r>
-              <a:rPr lang="en-US" smtClean="0"/>
+              <a:rPr lang="en-US"/>
               <a:t>Fourth level</a:t>
             </a:r>
           </a:p>
           <a:p>
             <a:pPr lvl="4"/>
             <a:r>
-              <a:rPr lang="en-US" smtClean="0"/>
+              <a:rPr lang="en-US"/>
               <a:t>Fifth level</a:t>
             </a:r>
             <a:endParaRPr lang="en-US" dirty="0"/>
@@ -3124,7 +3126,7 @@
           <a:lstStyle/>
           <a:p>
             <a:r>
-              <a:rPr lang="en-US" smtClean="0"/>
+              <a:rPr lang="en-US"/>
               <a:t>Click to edit Master title style</a:t>
             </a:r>
             <a:endParaRPr lang="en-US" dirty="0"/>
@@ -3148,35 +3150,35 @@
           <a:p>
             <a:pPr lvl="0"/>
             <a:r>
-              <a:rPr lang="en-US" smtClean="0"/>
+              <a:rPr lang="en-US"/>
               <a:t>Edit Master text styles</a:t>
             </a:r>
           </a:p>
           <a:p>
             <a:pPr lvl="1"/>
             <a:r>
-              <a:rPr lang="en-US" smtClean="0"/>
+              <a:rPr lang="en-US"/>
               <a:t>Second level</a:t>
             </a:r>
           </a:p>
           <a:p>
             <a:pPr lvl="2"/>
             <a:r>
-              <a:rPr lang="en-US" smtClean="0"/>
+              <a:rPr lang="en-US"/>
               <a:t>Third level</a:t>
             </a:r>
           </a:p>
           <a:p>
             <a:pPr lvl="3"/>
             <a:r>
-              <a:rPr lang="en-US" smtClean="0"/>
+              <a:rPr lang="en-US"/>
               <a:t>Fourth level</a:t>
             </a:r>
           </a:p>
           <a:p>
             <a:pPr lvl="4"/>
             <a:r>
-              <a:rPr lang="en-US" smtClean="0"/>
+              <a:rPr lang="en-US"/>
               <a:t>Fifth level</a:t>
             </a:r>
             <a:endParaRPr lang="en-US" dirty="0"/>
@@ -3305,7 +3307,7 @@
           </a:lstStyle>
           <a:p>
             <a:r>
-              <a:rPr lang="en-US" smtClean="0"/>
+              <a:rPr lang="en-US"/>
               <a:t>Click to edit Master title style</a:t>
             </a:r>
             <a:endParaRPr lang="en-US" dirty="0"/>
@@ -3425,7 +3427,7 @@
           <a:p>
             <a:pPr lvl="0"/>
             <a:r>
-              <a:rPr lang="en-US" smtClean="0"/>
+              <a:rPr lang="en-US"/>
               <a:t>Edit Master text styles</a:t>
             </a:r>
           </a:p>
@@ -3604,7 +3606,7 @@
           <a:lstStyle/>
           <a:p>
             <a:r>
-              <a:rPr lang="en-US" smtClean="0"/>
+              <a:rPr lang="en-US"/>
               <a:t>Click to edit Master title style</a:t>
             </a:r>
             <a:endParaRPr lang="en-US" dirty="0"/>
@@ -3635,35 +3637,35 @@
           <a:p>
             <a:pPr lvl="0"/>
             <a:r>
-              <a:rPr lang="en-US" smtClean="0"/>
+              <a:rPr lang="en-US"/>
               <a:t>Edit Master text styles</a:t>
             </a:r>
           </a:p>
           <a:p>
             <a:pPr lvl="1"/>
             <a:r>
-              <a:rPr lang="en-US" smtClean="0"/>
+              <a:rPr lang="en-US"/>
               <a:t>Second level</a:t>
             </a:r>
           </a:p>
           <a:p>
             <a:pPr lvl="2"/>
             <a:r>
-              <a:rPr lang="en-US" smtClean="0"/>
+              <a:rPr lang="en-US"/>
               <a:t>Third level</a:t>
             </a:r>
           </a:p>
           <a:p>
             <a:pPr lvl="3"/>
             <a:r>
-              <a:rPr lang="en-US" smtClean="0"/>
+              <a:rPr lang="en-US"/>
               <a:t>Fourth level</a:t>
             </a:r>
           </a:p>
           <a:p>
             <a:pPr lvl="4"/>
             <a:r>
-              <a:rPr lang="en-US" smtClean="0"/>
+              <a:rPr lang="en-US"/>
               <a:t>Fifth level</a:t>
             </a:r>
             <a:endParaRPr lang="en-US" dirty="0"/>
@@ -3694,35 +3696,35 @@
           <a:p>
             <a:pPr lvl="0"/>
             <a:r>
-              <a:rPr lang="en-US" smtClean="0"/>
+              <a:rPr lang="en-US"/>
               <a:t>Edit Master text styles</a:t>
             </a:r>
           </a:p>
           <a:p>
             <a:pPr lvl="1"/>
             <a:r>
-              <a:rPr lang="en-US" smtClean="0"/>
+              <a:rPr lang="en-US"/>
               <a:t>Second level</a:t>
             </a:r>
           </a:p>
           <a:p>
             <a:pPr lvl="2"/>
             <a:r>
-              <a:rPr lang="en-US" smtClean="0"/>
+              <a:rPr lang="en-US"/>
               <a:t>Third level</a:t>
             </a:r>
           </a:p>
           <a:p>
             <a:pPr lvl="3"/>
             <a:r>
-              <a:rPr lang="en-US" smtClean="0"/>
+              <a:rPr lang="en-US"/>
               <a:t>Fourth level</a:t>
             </a:r>
           </a:p>
           <a:p>
             <a:pPr lvl="4"/>
             <a:r>
-              <a:rPr lang="en-US" smtClean="0"/>
+              <a:rPr lang="en-US"/>
               <a:t>Fifth level</a:t>
             </a:r>
             <a:endParaRPr lang="en-US" dirty="0"/>
@@ -3844,7 +3846,7 @@
           </a:lstStyle>
           <a:p>
             <a:r>
-              <a:rPr lang="en-US" smtClean="0"/>
+              <a:rPr lang="en-US"/>
               <a:t>Click to edit Master title style</a:t>
             </a:r>
             <a:endParaRPr lang="en-US" dirty="0"/>
@@ -3922,7 +3924,7 @@
           <a:p>
             <a:pPr lvl="0"/>
             <a:r>
-              <a:rPr lang="en-US" smtClean="0"/>
+              <a:rPr lang="en-US"/>
               <a:t>Edit Master text styles</a:t>
             </a:r>
           </a:p>
@@ -3952,35 +3954,35 @@
           <a:p>
             <a:pPr lvl="0"/>
             <a:r>
-              <a:rPr lang="en-US" smtClean="0"/>
+              <a:rPr lang="en-US"/>
               <a:t>Edit Master text styles</a:t>
             </a:r>
           </a:p>
           <a:p>
             <a:pPr lvl="1"/>
             <a:r>
-              <a:rPr lang="en-US" smtClean="0"/>
+              <a:rPr lang="en-US"/>
               <a:t>Second level</a:t>
             </a:r>
           </a:p>
           <a:p>
             <a:pPr lvl="2"/>
             <a:r>
-              <a:rPr lang="en-US" smtClean="0"/>
+              <a:rPr lang="en-US"/>
               <a:t>Third level</a:t>
             </a:r>
           </a:p>
           <a:p>
             <a:pPr lvl="3"/>
             <a:r>
-              <a:rPr lang="en-US" smtClean="0"/>
+              <a:rPr lang="en-US"/>
               <a:t>Fourth level</a:t>
             </a:r>
           </a:p>
           <a:p>
             <a:pPr lvl="4"/>
             <a:r>
-              <a:rPr lang="en-US" smtClean="0"/>
+              <a:rPr lang="en-US"/>
               <a:t>Fifth level</a:t>
             </a:r>
             <a:endParaRPr lang="en-US" dirty="0"/>
@@ -4058,7 +4060,7 @@
           <a:p>
             <a:pPr lvl="0"/>
             <a:r>
-              <a:rPr lang="en-US" smtClean="0"/>
+              <a:rPr lang="en-US"/>
               <a:t>Edit Master text styles</a:t>
             </a:r>
           </a:p>
@@ -4088,35 +4090,35 @@
           <a:p>
             <a:pPr lvl="0"/>
             <a:r>
-              <a:rPr lang="en-US" smtClean="0"/>
+              <a:rPr lang="en-US"/>
               <a:t>Edit Master text styles</a:t>
             </a:r>
           </a:p>
           <a:p>
             <a:pPr lvl="1"/>
             <a:r>
-              <a:rPr lang="en-US" smtClean="0"/>
+              <a:rPr lang="en-US"/>
               <a:t>Second level</a:t>
             </a:r>
           </a:p>
           <a:p>
             <a:pPr lvl="2"/>
             <a:r>
-              <a:rPr lang="en-US" smtClean="0"/>
+              <a:rPr lang="en-US"/>
               <a:t>Third level</a:t>
             </a:r>
           </a:p>
           <a:p>
             <a:pPr lvl="3"/>
             <a:r>
-              <a:rPr lang="en-US" smtClean="0"/>
+              <a:rPr lang="en-US"/>
               <a:t>Fourth level</a:t>
             </a:r>
           </a:p>
           <a:p>
             <a:pPr lvl="4"/>
             <a:r>
-              <a:rPr lang="en-US" smtClean="0"/>
+              <a:rPr lang="en-US"/>
               <a:t>Fifth level</a:t>
             </a:r>
             <a:endParaRPr lang="en-US" dirty="0"/>
@@ -4265,7 +4267,7 @@
           <a:lstStyle/>
           <a:p>
             <a:r>
-              <a:rPr lang="en-US" smtClean="0"/>
+              <a:rPr lang="en-US"/>
               <a:t>Click to edit Master title style</a:t>
             </a:r>
             <a:endParaRPr lang="en-US" dirty="0"/>
@@ -4520,7 +4522,7 @@
           </a:lstStyle>
           <a:p>
             <a:r>
-              <a:rPr lang="en-US" smtClean="0"/>
+              <a:rPr lang="en-US"/>
               <a:t>Click to edit Master title style</a:t>
             </a:r>
             <a:endParaRPr lang="en-US" dirty="0"/>
@@ -4551,35 +4553,35 @@
           <a:p>
             <a:pPr lvl="0"/>
             <a:r>
-              <a:rPr lang="en-US" smtClean="0"/>
+              <a:rPr lang="en-US"/>
               <a:t>Edit Master text styles</a:t>
             </a:r>
           </a:p>
           <a:p>
             <a:pPr lvl="1"/>
             <a:r>
-              <a:rPr lang="en-US" smtClean="0"/>
+              <a:rPr lang="en-US"/>
               <a:t>Second level</a:t>
             </a:r>
           </a:p>
           <a:p>
             <a:pPr lvl="2"/>
             <a:r>
-              <a:rPr lang="en-US" smtClean="0"/>
+              <a:rPr lang="en-US"/>
               <a:t>Third level</a:t>
             </a:r>
           </a:p>
           <a:p>
             <a:pPr lvl="3"/>
             <a:r>
-              <a:rPr lang="en-US" smtClean="0"/>
+              <a:rPr lang="en-US"/>
               <a:t>Fourth level</a:t>
             </a:r>
           </a:p>
           <a:p>
             <a:pPr lvl="4"/>
             <a:r>
-              <a:rPr lang="en-US" smtClean="0"/>
+              <a:rPr lang="en-US"/>
               <a:t>Fifth level</a:t>
             </a:r>
             <a:endParaRPr lang="en-US" dirty="0"/>
@@ -4647,7 +4649,7 @@
           <a:p>
             <a:pPr lvl="0"/>
             <a:r>
-              <a:rPr lang="en-US" smtClean="0"/>
+              <a:rPr lang="en-US"/>
               <a:t>Edit Master text styles</a:t>
             </a:r>
           </a:p>
@@ -4806,7 +4808,7 @@
           </a:lstStyle>
           <a:p>
             <a:r>
-              <a:rPr lang="en-US" smtClean="0"/>
+              <a:rPr lang="en-US"/>
               <a:t>Click to edit Master title style</a:t>
             </a:r>
             <a:endParaRPr lang="en-US" dirty="0"/>
@@ -4894,7 +4896,7 @@
           </a:lstStyle>
           <a:p>
             <a:r>
-              <a:rPr lang="en-US" smtClean="0"/>
+              <a:rPr lang="en-US"/>
               <a:t>Click icon to add picture</a:t>
             </a:r>
             <a:endParaRPr lang="en-US" dirty="0"/>
@@ -4962,7 +4964,7 @@
           <a:p>
             <a:pPr lvl="0"/>
             <a:r>
-              <a:rPr lang="en-US" smtClean="0"/>
+              <a:rPr lang="en-US"/>
               <a:t>Edit Master text styles</a:t>
             </a:r>
           </a:p>
@@ -5232,7 +5234,7 @@
           <a:lstStyle/>
           <a:p>
             <a:r>
-              <a:rPr lang="en-US" smtClean="0"/>
+              <a:rPr lang="en-US"/>
               <a:t>Click to edit Master title style</a:t>
             </a:r>
             <a:endParaRPr lang="en-US" dirty="0"/>
@@ -5266,35 +5268,35 @@
           <a:p>
             <a:pPr lvl="0"/>
             <a:r>
-              <a:rPr lang="en-US" smtClean="0"/>
+              <a:rPr lang="en-US"/>
               <a:t>Edit Master text styles</a:t>
             </a:r>
           </a:p>
           <a:p>
             <a:pPr lvl="1"/>
             <a:r>
-              <a:rPr lang="en-US" smtClean="0"/>
+              <a:rPr lang="en-US"/>
               <a:t>Second level</a:t>
             </a:r>
           </a:p>
           <a:p>
             <a:pPr lvl="2"/>
             <a:r>
-              <a:rPr lang="en-US" smtClean="0"/>
+              <a:rPr lang="en-US"/>
               <a:t>Third level</a:t>
             </a:r>
           </a:p>
           <a:p>
             <a:pPr lvl="3"/>
             <a:r>
-              <a:rPr lang="en-US" smtClean="0"/>
+              <a:rPr lang="en-US"/>
               <a:t>Fourth level</a:t>
             </a:r>
           </a:p>
           <a:p>
             <a:pPr lvl="4"/>
             <a:r>
-              <a:rPr lang="en-US" smtClean="0"/>
+              <a:rPr lang="en-US"/>
               <a:t>Fifth level</a:t>
             </a:r>
             <a:endParaRPr lang="en-US" dirty="0"/>
@@ -5917,25 +5919,25 @@
           <a:lstStyle/>
           <a:p>
             <a:r>
-              <a:rPr lang="en-US" dirty="0" smtClean="0"/>
+              <a:rPr lang="en-US" dirty="0"/>
               <a:t>Team : </a:t>
             </a:r>
           </a:p>
           <a:p>
             <a:r>
-              <a:rPr lang="en-US" dirty="0" smtClean="0"/>
+              <a:rPr lang="en-US" dirty="0"/>
               <a:t>Ibrahim </a:t>
             </a:r>
             <a:r>
-              <a:rPr lang="en-US" dirty="0" err="1" smtClean="0"/>
+              <a:rPr lang="en-US" dirty="0" err="1"/>
               <a:t>AbuSamrah</a:t>
             </a:r>
             <a:r>
-              <a:rPr lang="en-US" dirty="0" smtClean="0"/>
+              <a:rPr lang="en-US" dirty="0"/>
               <a:t>     Abed Al-Fattah </a:t>
             </a:r>
             <a:r>
-              <a:rPr lang="en-US" dirty="0" err="1" smtClean="0"/>
+              <a:rPr lang="en-US" dirty="0" err="1"/>
               <a:t>Hroub</a:t>
             </a:r>
             <a:endParaRPr lang="en-US" dirty="0"/>
@@ -5952,13 +5954,108 @@
   <p:clrMapOvr>
     <a:masterClrMapping/>
   </p:clrMapOvr>
-  <p:timing>
-    <p:tnLst>
-      <p:par>
-        <p:cTn id="1" dur="indefinite" restart="never" nodeType="tmRoot"/>
-      </p:par>
-    </p:tnLst>
-  </p:timing>
+</p:sld>
+</file>
+
+<file path=ppt/slides/slide10.xml><?xml version="1.0" encoding="utf-8"?>
+<p:sld xmlns:a="http://schemas.openxmlformats.org/drawingml/2006/main" xmlns:r="http://schemas.openxmlformats.org/officeDocument/2006/relationships" xmlns:p="http://schemas.openxmlformats.org/presentationml/2006/main">
+  <p:cSld>
+    <p:spTree>
+      <p:nvGrpSpPr>
+        <p:cNvPr id="1" name=""/>
+        <p:cNvGrpSpPr/>
+        <p:nvPr/>
+      </p:nvGrpSpPr>
+      <p:grpSpPr>
+        <a:xfrm>
+          <a:off x="0" y="0"/>
+          <a:ext cx="0" cy="0"/>
+          <a:chOff x="0" y="0"/>
+          <a:chExt cx="0" cy="0"/>
+        </a:xfrm>
+      </p:grpSpPr>
+      <p:sp>
+        <p:nvSpPr>
+          <p:cNvPr id="2" name="Title 1"/>
+          <p:cNvSpPr>
+            <a:spLocks noGrp="1"/>
+          </p:cNvSpPr>
+          <p:nvPr>
+            <p:ph type="title"/>
+          </p:nvPr>
+        </p:nvSpPr>
+        <p:spPr/>
+        <p:txBody>
+          <a:bodyPr/>
+          <a:lstStyle/>
+          <a:p>
+            <a:r>
+              <a:rPr lang="en-US" dirty="0"/>
+              <a:t>What is Future Plans ?</a:t>
+            </a:r>
+          </a:p>
+        </p:txBody>
+      </p:sp>
+      <p:sp>
+        <p:nvSpPr>
+          <p:cNvPr id="3" name="Content Placeholder 2"/>
+          <p:cNvSpPr>
+            <a:spLocks noGrp="1"/>
+          </p:cNvSpPr>
+          <p:nvPr>
+            <p:ph idx="1"/>
+          </p:nvPr>
+        </p:nvSpPr>
+        <p:spPr/>
+        <p:txBody>
+          <a:bodyPr/>
+          <a:lstStyle/>
+          <a:p>
+            <a:r>
+              <a:rPr lang="en-US" dirty="0"/>
+              <a:t>Compatible with all systems</a:t>
+            </a:r>
+            <a:endParaRPr lang="ar-MA" dirty="0"/>
+          </a:p>
+          <a:p>
+            <a:r>
+              <a:rPr lang="en-US" dirty="0"/>
+              <a:t>Online</a:t>
+            </a:r>
+          </a:p>
+          <a:p>
+            <a:r>
+              <a:rPr lang="en-US" dirty="0"/>
+              <a:t>Edit the note and user</a:t>
+            </a:r>
+          </a:p>
+          <a:p>
+            <a:r>
+              <a:rPr lang="en-US" dirty="0"/>
+              <a:t>Notification</a:t>
+            </a:r>
+          </a:p>
+          <a:p>
+            <a:r>
+              <a:rPr lang="en-US" dirty="0"/>
+              <a:t>GUI interface</a:t>
+            </a:r>
+          </a:p>
+          <a:p>
+            <a:endParaRPr lang="en-US" dirty="0"/>
+          </a:p>
+        </p:txBody>
+      </p:sp>
+    </p:spTree>
+    <p:extLst>
+      <p:ext uri="{BB962C8B-B14F-4D97-AF65-F5344CB8AC3E}">
+        <p14:creationId xmlns:p14="http://schemas.microsoft.com/office/powerpoint/2010/main" val="2835943626"/>
+      </p:ext>
+    </p:extLst>
+  </p:cSld>
+  <p:clrMapOvr>
+    <a:masterClrMapping/>
+  </p:clrMapOvr>
 </p:sld>
 </file>
 
@@ -5998,74 +6095,53 @@
           <a:p>
             <a:pPr algn="l"/>
             <a:r>
-              <a:rPr lang="en-US" dirty="0" smtClean="0"/>
+              <a:rPr lang="en-US" dirty="0"/>
               <a:t>Content :</a:t>
             </a:r>
+          </a:p>
+        </p:txBody>
+      </p:sp>
+      <p:sp>
+        <p:nvSpPr>
+          <p:cNvPr id="3" name="Content Placeholder 2"/>
+          <p:cNvSpPr>
+            <a:spLocks noGrp="1"/>
+          </p:cNvSpPr>
+          <p:nvPr>
+            <p:ph idx="1"/>
+          </p:nvPr>
+        </p:nvSpPr>
+        <p:spPr/>
+        <p:txBody>
+          <a:bodyPr/>
+          <a:lstStyle/>
+          <a:p>
+            <a:r>
+              <a:rPr lang="en-US" dirty="0"/>
+              <a:t>What is Sticky-Notes ?</a:t>
+            </a:r>
+          </a:p>
+          <a:p>
+            <a:r>
+              <a:rPr lang="en-US" dirty="0"/>
+              <a:t> What is operating system  run the Sticky-Notes ?</a:t>
+            </a:r>
+          </a:p>
+          <a:p>
+            <a:r>
+              <a:rPr lang="en-US" dirty="0"/>
+              <a:t>How to use Sticky-Notes ?</a:t>
+            </a:r>
+            <a:endParaRPr lang="ar-MA" dirty="0"/>
+          </a:p>
+          <a:p>
+            <a:r>
+              <a:rPr lang="en-US" dirty="0"/>
+              <a:t>What is Future Plans ?</a:t>
+            </a:r>
+          </a:p>
+          <a:p>
             <a:endParaRPr lang="en-US" dirty="0"/>
-          </a:p>
-        </p:txBody>
-      </p:sp>
-      <p:sp>
-        <p:nvSpPr>
-          <p:cNvPr id="3" name="Content Placeholder 2"/>
-          <p:cNvSpPr>
-            <a:spLocks noGrp="1"/>
-          </p:cNvSpPr>
-          <p:nvPr>
-            <p:ph idx="1"/>
-          </p:nvPr>
-        </p:nvSpPr>
-        <p:spPr/>
-        <p:txBody>
-          <a:bodyPr/>
-          <a:lstStyle/>
-          <a:p>
-            <a:r>
-              <a:rPr lang="en-US" dirty="0"/>
-              <a:t>What is </a:t>
-            </a:r>
-            <a:r>
-              <a:rPr lang="en-US" dirty="0" smtClean="0"/>
-              <a:t>Sticky-Notes ?</a:t>
-            </a:r>
-          </a:p>
-          <a:p>
-            <a:r>
-              <a:rPr lang="en-US" dirty="0"/>
-              <a:t> </a:t>
-            </a:r>
-            <a:r>
-              <a:rPr lang="en-US" dirty="0" smtClean="0"/>
-              <a:t>What is operating </a:t>
-            </a:r>
-            <a:r>
-              <a:rPr lang="en-US" dirty="0"/>
-              <a:t>system  </a:t>
-            </a:r>
-            <a:r>
-              <a:rPr lang="en-US" dirty="0" smtClean="0"/>
-              <a:t>run the Sticky-Notes ?</a:t>
-            </a:r>
-          </a:p>
-          <a:p>
-            <a:r>
-              <a:rPr lang="en-US" dirty="0" smtClean="0"/>
-              <a:t>How to use Sticky-Notes ?</a:t>
-            </a:r>
-            <a:endParaRPr lang="ar-MA" dirty="0" smtClean="0"/>
-          </a:p>
-          <a:p>
-            <a:r>
-              <a:rPr lang="en-US" dirty="0"/>
-              <a:t>What is Future </a:t>
-            </a:r>
-            <a:r>
-              <a:rPr lang="en-US" dirty="0" smtClean="0"/>
-              <a:t>Plans ?</a:t>
-            </a:r>
-          </a:p>
-          <a:p>
-            <a:endParaRPr lang="en-US" dirty="0" smtClean="0"/>
           </a:p>
         </p:txBody>
       </p:sp>
@@ -6101,7 +6177,13 @@
       </p:grpSpPr>
       <p:sp>
         <p:nvSpPr>
-          <p:cNvPr id="2" name="Title 1"/>
+          <p:cNvPr id="2" name="عنوان 1">
+            <a:extLst>
+              <a:ext uri="{FF2B5EF4-FFF2-40B4-BE49-F238E27FC236}">
+                <a16:creationId xmlns:a16="http://schemas.microsoft.com/office/drawing/2014/main" id="{CD50704E-1440-49DD-9D12-165E95D26AB4}"/>
+              </a:ext>
+            </a:extLst>
+          </p:cNvPr>
           <p:cNvSpPr>
             <a:spLocks noGrp="1"/>
           </p:cNvSpPr>
@@ -6109,9 +6191,205 @@
             <p:ph type="title"/>
           </p:nvPr>
         </p:nvSpPr>
+        <p:spPr/>
+        <p:txBody>
+          <a:bodyPr/>
+          <a:lstStyle/>
+          <a:p>
+            <a:endParaRPr lang="en-US"/>
+          </a:p>
+        </p:txBody>
+      </p:sp>
+      <p:pic>
+        <p:nvPicPr>
+          <p:cNvPr id="5" name="عنصر نائب للمحتوى 4">
+            <a:extLst>
+              <a:ext uri="{FF2B5EF4-FFF2-40B4-BE49-F238E27FC236}">
+                <a16:creationId xmlns:a16="http://schemas.microsoft.com/office/drawing/2014/main" id="{C2363CF1-6829-488F-AFA7-3FC8F34C51B8}"/>
+              </a:ext>
+            </a:extLst>
+          </p:cNvPr>
+          <p:cNvPicPr>
+            <a:picLocks noGrp="1" noChangeAspect="1"/>
+          </p:cNvPicPr>
+          <p:nvPr>
+            <p:ph idx="1"/>
+          </p:nvPr>
+        </p:nvPicPr>
+        <p:blipFill>
+          <a:blip r:embed="rId2">
+            <a:extLst>
+              <a:ext uri="{28A0092B-C50C-407E-A947-70E740481C1C}">
+                <a14:useLocalDpi xmlns:a14="http://schemas.microsoft.com/office/drawing/2010/main" val="0"/>
+              </a:ext>
+            </a:extLst>
+          </a:blip>
+          <a:stretch>
+            <a:fillRect/>
+          </a:stretch>
+        </p:blipFill>
         <p:spPr>
           <a:xfrm>
-            <a:off x="1295401" y="982132"/>
+            <a:off x="1396753" y="1328361"/>
+            <a:ext cx="9499845" cy="4468757"/>
+          </a:xfrm>
+        </p:spPr>
+      </p:pic>
+    </p:spTree>
+    <p:extLst>
+      <p:ext uri="{BB962C8B-B14F-4D97-AF65-F5344CB8AC3E}">
+        <p14:creationId xmlns:p14="http://schemas.microsoft.com/office/powerpoint/2010/main" val="2760900824"/>
+      </p:ext>
+    </p:extLst>
+  </p:cSld>
+  <p:clrMapOvr>
+    <a:masterClrMapping/>
+  </p:clrMapOvr>
+</p:sld>
+</file>
+
+<file path=ppt/slides/slide4.xml><?xml version="1.0" encoding="utf-8"?>
+<p:sld xmlns:a="http://schemas.openxmlformats.org/drawingml/2006/main" xmlns:r="http://schemas.openxmlformats.org/officeDocument/2006/relationships" xmlns:p="http://schemas.openxmlformats.org/presentationml/2006/main">
+  <p:cSld>
+    <p:spTree>
+      <p:nvGrpSpPr>
+        <p:cNvPr id="1" name=""/>
+        <p:cNvGrpSpPr/>
+        <p:nvPr/>
+      </p:nvGrpSpPr>
+      <p:grpSpPr>
+        <a:xfrm>
+          <a:off x="0" y="0"/>
+          <a:ext cx="0" cy="0"/>
+          <a:chOff x="0" y="0"/>
+          <a:chExt cx="0" cy="0"/>
+        </a:xfrm>
+      </p:grpSpPr>
+      <p:sp>
+        <p:nvSpPr>
+          <p:cNvPr id="2" name="عنوان 1">
+            <a:extLst>
+              <a:ext uri="{FF2B5EF4-FFF2-40B4-BE49-F238E27FC236}">
+                <a16:creationId xmlns:a16="http://schemas.microsoft.com/office/drawing/2014/main" id="{C6CE76F1-D796-4E65-A415-09D97D64F11C}"/>
+              </a:ext>
+            </a:extLst>
+          </p:cNvPr>
+          <p:cNvSpPr>
+            <a:spLocks noGrp="1"/>
+          </p:cNvSpPr>
+          <p:nvPr>
+            <p:ph type="title"/>
+          </p:nvPr>
+        </p:nvSpPr>
+        <p:spPr>
+          <a:xfrm>
+            <a:off x="1126726" y="1603569"/>
+            <a:ext cx="9601196" cy="1303867"/>
+          </a:xfrm>
+        </p:spPr>
+        <p:txBody>
+          <a:bodyPr>
+            <a:normAutofit fontScale="90000"/>
+          </a:bodyPr>
+          <a:lstStyle/>
+          <a:p>
+            <a:r>
+              <a:rPr lang="en-US" dirty="0"/>
+              <a:t>What is Sticky-Notes ?</a:t>
+            </a:r>
+            <a:br>
+              <a:rPr lang="en-US" dirty="0"/>
+            </a:br>
+            <a:endParaRPr lang="en-US" dirty="0"/>
+          </a:p>
+        </p:txBody>
+      </p:sp>
+      <p:sp>
+        <p:nvSpPr>
+          <p:cNvPr id="3" name="عنصر نائب للمحتوى 2">
+            <a:extLst>
+              <a:ext uri="{FF2B5EF4-FFF2-40B4-BE49-F238E27FC236}">
+                <a16:creationId xmlns:a16="http://schemas.microsoft.com/office/drawing/2014/main" id="{E02751AD-E32C-459A-8FB2-1790F4B63819}"/>
+              </a:ext>
+            </a:extLst>
+          </p:cNvPr>
+          <p:cNvSpPr>
+            <a:spLocks noGrp="1"/>
+          </p:cNvSpPr>
+          <p:nvPr>
+            <p:ph idx="1"/>
+          </p:nvPr>
+        </p:nvSpPr>
+        <p:spPr/>
+        <p:txBody>
+          <a:bodyPr/>
+          <a:lstStyle/>
+          <a:p>
+            <a:r>
+              <a:rPr lang="en-US" dirty="0"/>
+              <a:t>Is a simple interface that contains several options that help the user store his or her notes in a file that is specific to his / her name .</a:t>
+            </a:r>
+          </a:p>
+          <a:p>
+            <a:r>
+              <a:rPr lang="en-US" dirty="0"/>
+              <a:t>Contains several options including adding a new user And add new notes in addition to displaying all the notes stored with a specific user name</a:t>
+            </a:r>
+          </a:p>
+          <a:p>
+            <a:r>
+              <a:rPr lang="en-US" sz="3600" dirty="0"/>
+              <a:t>Offline </a:t>
+            </a:r>
+          </a:p>
+          <a:p>
+            <a:endParaRPr lang="en-US" dirty="0"/>
+          </a:p>
+        </p:txBody>
+      </p:sp>
+    </p:spTree>
+    <p:extLst>
+      <p:ext uri="{BB962C8B-B14F-4D97-AF65-F5344CB8AC3E}">
+        <p14:creationId xmlns:p14="http://schemas.microsoft.com/office/powerpoint/2010/main" val="2735582088"/>
+      </p:ext>
+    </p:extLst>
+  </p:cSld>
+  <p:clrMapOvr>
+    <a:masterClrMapping/>
+  </p:clrMapOvr>
+</p:sld>
+</file>
+
+<file path=ppt/slides/slide5.xml><?xml version="1.0" encoding="utf-8"?>
+<p:sld xmlns:a="http://schemas.openxmlformats.org/drawingml/2006/main" xmlns:r="http://schemas.openxmlformats.org/officeDocument/2006/relationships" xmlns:p="http://schemas.openxmlformats.org/presentationml/2006/main">
+  <p:cSld>
+    <p:spTree>
+      <p:nvGrpSpPr>
+        <p:cNvPr id="1" name=""/>
+        <p:cNvGrpSpPr/>
+        <p:nvPr/>
+      </p:nvGrpSpPr>
+      <p:grpSpPr>
+        <a:xfrm>
+          <a:off x="0" y="0"/>
+          <a:ext cx="0" cy="0"/>
+          <a:chOff x="0" y="0"/>
+          <a:chExt cx="0" cy="0"/>
+        </a:xfrm>
+      </p:grpSpPr>
+      <p:sp>
+        <p:nvSpPr>
+          <p:cNvPr id="2" name="Title 1"/>
+          <p:cNvSpPr>
+            <a:spLocks noGrp="1"/>
+          </p:cNvSpPr>
+          <p:nvPr>
+            <p:ph type="title"/>
+          </p:nvPr>
+        </p:nvSpPr>
+        <p:spPr>
+          <a:xfrm>
+            <a:off x="1139735" y="1483092"/>
             <a:ext cx="9912529" cy="1303867"/>
           </a:xfrm>
         </p:spPr>
@@ -6216,17 +6494,10 @@
   <p:clrMapOvr>
     <a:masterClrMapping/>
   </p:clrMapOvr>
-  <p:timing>
-    <p:tnLst>
-      <p:par>
-        <p:cTn id="1" dur="indefinite" restart="never" nodeType="tmRoot"/>
-      </p:par>
-    </p:tnLst>
-  </p:timing>
 </p:sld>
 </file>
 
-<file path=ppt/slides/slide4.xml><?xml version="1.0" encoding="utf-8"?>
+<file path=ppt/slides/slide6.xml><?xml version="1.0" encoding="utf-8"?>
 <p:sld xmlns:a="http://schemas.openxmlformats.org/drawingml/2006/main" xmlns:r="http://schemas.openxmlformats.org/officeDocument/2006/relationships" xmlns:p="http://schemas.openxmlformats.org/presentationml/2006/main">
   <p:cSld>
     <p:spTree>
@@ -6262,13 +6533,8 @@
           <a:p>
             <a:r>
               <a:rPr lang="en-US" dirty="0"/>
-              <a:t>How to use Sticky-Notes </a:t>
-            </a:r>
-            <a:r>
-              <a:rPr lang="en-US" dirty="0" smtClean="0"/>
-              <a:t>?</a:t>
-            </a:r>
-            <a:endParaRPr lang="en-US" dirty="0"/>
+              <a:t>How to use Sticky-Notes ?</a:t>
+            </a:r>
           </a:p>
         </p:txBody>
       </p:sp>
@@ -6325,17 +6591,10 @@
   <p:clrMapOvr>
     <a:masterClrMapping/>
   </p:clrMapOvr>
-  <p:timing>
-    <p:tnLst>
-      <p:par>
-        <p:cTn id="1" dur="indefinite" restart="never" nodeType="tmRoot"/>
-      </p:par>
-    </p:tnLst>
-  </p:timing>
 </p:sld>
 </file>
 
-<file path=ppt/slides/slide5.xml><?xml version="1.0" encoding="utf-8"?>
+<file path=ppt/slides/slide7.xml><?xml version="1.0" encoding="utf-8"?>
 <p:sld xmlns:a="http://schemas.openxmlformats.org/drawingml/2006/main" xmlns:r="http://schemas.openxmlformats.org/officeDocument/2006/relationships" xmlns:p="http://schemas.openxmlformats.org/presentationml/2006/main">
   <p:cSld>
     <p:spTree>
@@ -6369,13 +6628,8 @@
           <a:p>
             <a:r>
               <a:rPr lang="en-US" dirty="0"/>
-              <a:t>Add </a:t>
-            </a:r>
-            <a:r>
-              <a:rPr lang="en-US" dirty="0" smtClean="0"/>
-              <a:t>user name</a:t>
-            </a:r>
-            <a:endParaRPr lang="en-US" dirty="0"/>
+              <a:t>Add user name</a:t>
+            </a:r>
           </a:p>
         </p:txBody>
       </p:sp>
@@ -6432,17 +6686,10 @@
   <p:clrMapOvr>
     <a:masterClrMapping/>
   </p:clrMapOvr>
-  <p:timing>
-    <p:tnLst>
-      <p:par>
-        <p:cTn id="1" dur="indefinite" restart="never" nodeType="tmRoot"/>
-      </p:par>
-    </p:tnLst>
-  </p:timing>
 </p:sld>
 </file>
 
-<file path=ppt/slides/slide6.xml><?xml version="1.0" encoding="utf-8"?>
+<file path=ppt/slides/slide8.xml><?xml version="1.0" encoding="utf-8"?>
 <p:sld xmlns:a="http://schemas.openxmlformats.org/drawingml/2006/main" xmlns:r="http://schemas.openxmlformats.org/officeDocument/2006/relationships" xmlns:p="http://schemas.openxmlformats.org/presentationml/2006/main">
   <p:cSld>
     <p:spTree>
@@ -6475,10 +6722,9 @@
           <a:lstStyle/>
           <a:p>
             <a:r>
-              <a:rPr lang="en-US" dirty="0" smtClean="0"/>
+              <a:rPr lang="en-US" dirty="0"/>
               <a:t>Add user note</a:t>
             </a:r>
-            <a:endParaRPr lang="en-US" dirty="0"/>
           </a:p>
         </p:txBody>
       </p:sp>
@@ -6516,17 +6762,10 @@
   <p:clrMapOvr>
     <a:masterClrMapping/>
   </p:clrMapOvr>
-  <p:timing>
-    <p:tnLst>
-      <p:par>
-        <p:cTn id="1" dur="indefinite" restart="never" nodeType="tmRoot"/>
-      </p:par>
-    </p:tnLst>
-  </p:timing>
 </p:sld>
 </file>
 
-<file path=ppt/slides/slide7.xml><?xml version="1.0" encoding="utf-8"?>
+<file path=ppt/slides/slide9.xml><?xml version="1.0" encoding="utf-8"?>
 <p:sld xmlns:a="http://schemas.openxmlformats.org/drawingml/2006/main" xmlns:r="http://schemas.openxmlformats.org/officeDocument/2006/relationships" xmlns:p="http://schemas.openxmlformats.org/presentationml/2006/main">
   <p:cSld>
     <p:spTree>
@@ -6560,13 +6799,8 @@
           <a:p>
             <a:r>
               <a:rPr lang="en-US" dirty="0"/>
-              <a:t>View notes for a specific </a:t>
-            </a:r>
-            <a:r>
-              <a:rPr lang="en-US" dirty="0" smtClean="0"/>
-              <a:t>user</a:t>
-            </a:r>
-            <a:endParaRPr lang="en-US" dirty="0"/>
+              <a:t>View notes for a specific user</a:t>
+            </a:r>
           </a:p>
         </p:txBody>
       </p:sp>
@@ -6598,112 +6832,6 @@
     <p:extLst>
       <p:ext uri="{BB962C8B-B14F-4D97-AF65-F5344CB8AC3E}">
         <p14:creationId xmlns:p14="http://schemas.microsoft.com/office/powerpoint/2010/main" val="1256066120"/>
-      </p:ext>
-    </p:extLst>
-  </p:cSld>
-  <p:clrMapOvr>
-    <a:masterClrMapping/>
-  </p:clrMapOvr>
-</p:sld>
-</file>
-
-<file path=ppt/slides/slide8.xml><?xml version="1.0" encoding="utf-8"?>
-<p:sld xmlns:a="http://schemas.openxmlformats.org/drawingml/2006/main" xmlns:r="http://schemas.openxmlformats.org/officeDocument/2006/relationships" xmlns:p="http://schemas.openxmlformats.org/presentationml/2006/main">
-  <p:cSld>
-    <p:spTree>
-      <p:nvGrpSpPr>
-        <p:cNvPr id="1" name=""/>
-        <p:cNvGrpSpPr/>
-        <p:nvPr/>
-      </p:nvGrpSpPr>
-      <p:grpSpPr>
-        <a:xfrm>
-          <a:off x="0" y="0"/>
-          <a:ext cx="0" cy="0"/>
-          <a:chOff x="0" y="0"/>
-          <a:chExt cx="0" cy="0"/>
-        </a:xfrm>
-      </p:grpSpPr>
-      <p:sp>
-        <p:nvSpPr>
-          <p:cNvPr id="2" name="Title 1"/>
-          <p:cNvSpPr>
-            <a:spLocks noGrp="1"/>
-          </p:cNvSpPr>
-          <p:nvPr>
-            <p:ph type="title"/>
-          </p:nvPr>
-        </p:nvSpPr>
-        <p:spPr/>
-        <p:txBody>
-          <a:bodyPr/>
-          <a:lstStyle/>
-          <a:p>
-            <a:r>
-              <a:rPr lang="en-US" dirty="0"/>
-              <a:t>What is Future Plans ?</a:t>
-            </a:r>
-          </a:p>
-        </p:txBody>
-      </p:sp>
-      <p:sp>
-        <p:nvSpPr>
-          <p:cNvPr id="3" name="Content Placeholder 2"/>
-          <p:cNvSpPr>
-            <a:spLocks noGrp="1"/>
-          </p:cNvSpPr>
-          <p:nvPr>
-            <p:ph idx="1"/>
-          </p:nvPr>
-        </p:nvSpPr>
-        <p:spPr/>
-        <p:txBody>
-          <a:bodyPr/>
-          <a:lstStyle/>
-          <a:p>
-            <a:r>
-              <a:rPr lang="en-US" dirty="0"/>
-              <a:t>Compatible with all </a:t>
-            </a:r>
-            <a:r>
-              <a:rPr lang="en-US" dirty="0" smtClean="0"/>
-              <a:t>systems</a:t>
-            </a:r>
-            <a:endParaRPr lang="ar-MA" dirty="0" smtClean="0"/>
-          </a:p>
-          <a:p>
-            <a:r>
-              <a:rPr lang="en-US" dirty="0" smtClean="0"/>
-              <a:t>Online</a:t>
-            </a:r>
-          </a:p>
-          <a:p>
-            <a:r>
-              <a:rPr lang="en-US" dirty="0" smtClean="0"/>
-              <a:t>Edit the note and user</a:t>
-            </a:r>
-          </a:p>
-          <a:p>
-            <a:r>
-              <a:rPr lang="en-US" dirty="0" smtClean="0"/>
-              <a:t>Notification</a:t>
-            </a:r>
-          </a:p>
-          <a:p>
-            <a:r>
-              <a:rPr lang="en-US" dirty="0" smtClean="0"/>
-              <a:t>GUI interface</a:t>
-            </a:r>
-          </a:p>
-          <a:p>
-            <a:endParaRPr lang="en-US" dirty="0"/>
-          </a:p>
-        </p:txBody>
-      </p:sp>
-    </p:spTree>
-    <p:extLst>
-      <p:ext uri="{BB962C8B-B14F-4D97-AF65-F5344CB8AC3E}">
-        <p14:creationId xmlns:p14="http://schemas.microsoft.com/office/powerpoint/2010/main" val="2835943626"/>
       </p:ext>
     </p:extLst>
   </p:cSld>

--- a/Sticky-Notes.pptx
+++ b/Sticky-Notes.pptx
@@ -10,11 +10,12 @@
     <p:sldId id="266" r:id="rId4"/>
     <p:sldId id="265" r:id="rId5"/>
     <p:sldId id="258" r:id="rId6"/>
-    <p:sldId id="259" r:id="rId7"/>
-    <p:sldId id="260" r:id="rId8"/>
-    <p:sldId id="261" r:id="rId9"/>
-    <p:sldId id="262" r:id="rId10"/>
-    <p:sldId id="264" r:id="rId11"/>
+    <p:sldId id="267" r:id="rId7"/>
+    <p:sldId id="259" r:id="rId8"/>
+    <p:sldId id="260" r:id="rId9"/>
+    <p:sldId id="261" r:id="rId10"/>
+    <p:sldId id="262" r:id="rId11"/>
+    <p:sldId id="264" r:id="rId12"/>
   </p:sldIdLst>
   <p:sldSz cx="12192000" cy="6858000"/>
   <p:notesSz cx="6858000" cy="9144000"/>
@@ -5991,6 +5992,82 @@
           <a:p>
             <a:r>
               <a:rPr lang="en-US" dirty="0"/>
+              <a:t>View notes for a specific user</a:t>
+            </a:r>
+          </a:p>
+        </p:txBody>
+      </p:sp>
+      <p:pic>
+        <p:nvPicPr>
+          <p:cNvPr id="3" name="Picture 2"/>
+          <p:cNvPicPr>
+            <a:picLocks noChangeAspect="1"/>
+          </p:cNvPicPr>
+          <p:nvPr/>
+        </p:nvPicPr>
+        <p:blipFill>
+          <a:blip r:embed="rId2"/>
+          <a:stretch>
+            <a:fillRect/>
+          </a:stretch>
+        </p:blipFill>
+        <p:spPr>
+          <a:xfrm>
+            <a:off x="1295402" y="2494947"/>
+            <a:ext cx="8331924" cy="3644596"/>
+          </a:xfrm>
+          <a:prstGeom prst="rect">
+            <a:avLst/>
+          </a:prstGeom>
+        </p:spPr>
+      </p:pic>
+    </p:spTree>
+    <p:extLst>
+      <p:ext uri="{BB962C8B-B14F-4D97-AF65-F5344CB8AC3E}">
+        <p14:creationId xmlns:p14="http://schemas.microsoft.com/office/powerpoint/2010/main" val="1256066120"/>
+      </p:ext>
+    </p:extLst>
+  </p:cSld>
+  <p:clrMapOvr>
+    <a:masterClrMapping/>
+  </p:clrMapOvr>
+</p:sld>
+</file>
+
+<file path=ppt/slides/slide11.xml><?xml version="1.0" encoding="utf-8"?>
+<p:sld xmlns:a="http://schemas.openxmlformats.org/drawingml/2006/main" xmlns:r="http://schemas.openxmlformats.org/officeDocument/2006/relationships" xmlns:p="http://schemas.openxmlformats.org/presentationml/2006/main">
+  <p:cSld>
+    <p:spTree>
+      <p:nvGrpSpPr>
+        <p:cNvPr id="1" name=""/>
+        <p:cNvGrpSpPr/>
+        <p:nvPr/>
+      </p:nvGrpSpPr>
+      <p:grpSpPr>
+        <a:xfrm>
+          <a:off x="0" y="0"/>
+          <a:ext cx="0" cy="0"/>
+          <a:chOff x="0" y="0"/>
+          <a:chExt cx="0" cy="0"/>
+        </a:xfrm>
+      </p:grpSpPr>
+      <p:sp>
+        <p:nvSpPr>
+          <p:cNvPr id="2" name="Title 1"/>
+          <p:cNvSpPr>
+            <a:spLocks noGrp="1"/>
+          </p:cNvSpPr>
+          <p:nvPr>
+            <p:ph type="title"/>
+          </p:nvPr>
+        </p:nvSpPr>
+        <p:spPr/>
+        <p:txBody>
+          <a:bodyPr/>
+          <a:lstStyle/>
+          <a:p>
+            <a:r>
+              <a:rPr lang="en-US" dirty="0"/>
               <a:t>What is Future Plans ?</a:t>
             </a:r>
           </a:p>
@@ -6124,8 +6201,19 @@
           <a:p>
             <a:r>
               <a:rPr lang="en-US" dirty="0"/>
-              <a:t> What is operating system  run the Sticky-Notes ?</a:t>
-            </a:r>
+              <a:t> What is operating system  run </a:t>
+            </a:r>
+            <a:r>
+              <a:rPr lang="en-US" dirty="0" smtClean="0"/>
+              <a:t>Sticky-Notes ?</a:t>
+            </a:r>
+          </a:p>
+          <a:p>
+            <a:r>
+              <a:rPr lang="en-US" dirty="0" smtClean="0"/>
+              <a:t>How to reach Sticky-Notes ?</a:t>
+            </a:r>
+            <a:endParaRPr lang="en-US" dirty="0"/>
           </a:p>
           <a:p>
             <a:r>
@@ -6533,58 +6621,151 @@
           <a:p>
             <a:r>
               <a:rPr lang="en-US" dirty="0"/>
-              <a:t>How to use Sticky-Notes ?</a:t>
-            </a:r>
-          </a:p>
-        </p:txBody>
-      </p:sp>
-      <p:sp>
-        <p:nvSpPr>
-          <p:cNvPr id="3" name="Content Placeholder 2"/>
-          <p:cNvSpPr>
-            <a:spLocks noGrp="1"/>
-          </p:cNvSpPr>
-          <p:nvPr>
-            <p:ph idx="1"/>
-          </p:nvPr>
-        </p:nvSpPr>
-        <p:spPr/>
-        <p:txBody>
-          <a:bodyPr/>
-          <a:lstStyle/>
-          <a:p>
+              <a:t>How to reach Sticky-Notes </a:t>
+            </a:r>
+            <a:r>
+              <a:rPr lang="en-US" dirty="0" smtClean="0"/>
+              <a:t>?</a:t>
+            </a:r>
             <a:endParaRPr lang="en-US" dirty="0"/>
           </a:p>
         </p:txBody>
       </p:sp>
       <p:pic>
         <p:nvPicPr>
-          <p:cNvPr id="4" name="Picture 3"/>
+          <p:cNvPr id="4" name="Content Placeholder 3"/>
+          <p:cNvPicPr>
+            <a:picLocks noGrp="1" noChangeAspect="1"/>
+          </p:cNvPicPr>
+          <p:nvPr>
+            <p:ph idx="1"/>
+          </p:nvPr>
+        </p:nvPicPr>
+        <p:blipFill>
+          <a:blip r:embed="rId2" cstate="print">
+            <a:extLst>
+              <a:ext uri="{28A0092B-C50C-407E-A947-70E740481C1C}">
+                <a14:useLocalDpi xmlns:a14="http://schemas.microsoft.com/office/drawing/2010/main" val="0"/>
+              </a:ext>
+            </a:extLst>
+          </a:blip>
+          <a:stretch>
+            <a:fillRect/>
+          </a:stretch>
+        </p:blipFill>
+        <p:spPr>
+          <a:xfrm>
+            <a:off x="1693862" y="2597219"/>
+            <a:ext cx="3317875" cy="3317875"/>
+          </a:xfrm>
+        </p:spPr>
+      </p:pic>
+      <p:pic>
+        <p:nvPicPr>
+          <p:cNvPr id="5" name="Picture 4"/>
           <p:cNvPicPr>
             <a:picLocks noChangeAspect="1"/>
           </p:cNvPicPr>
           <p:nvPr/>
         </p:nvPicPr>
         <p:blipFill>
-          <a:blip r:embed="rId2"/>
+          <a:blip r:embed="rId3">
+            <a:extLst>
+              <a:ext uri="{28A0092B-C50C-407E-A947-70E740481C1C}">
+                <a14:useLocalDpi xmlns:a14="http://schemas.microsoft.com/office/drawing/2010/main" val="0"/>
+              </a:ext>
+            </a:extLst>
+          </a:blip>
           <a:stretch>
             <a:fillRect/>
           </a:stretch>
         </p:blipFill>
         <p:spPr>
           <a:xfrm>
-            <a:off x="1295400" y="2556932"/>
-            <a:ext cx="7208519" cy="3563210"/>
+            <a:off x="6065975" y="2776123"/>
+            <a:ext cx="2574442" cy="2574442"/>
           </a:xfrm>
           <a:prstGeom prst="rect">
             <a:avLst/>
           </a:prstGeom>
         </p:spPr>
       </p:pic>
+      <p:sp>
+        <p:nvSpPr>
+          <p:cNvPr id="6" name="TextBox 5"/>
+          <p:cNvSpPr txBox="1"/>
+          <p:nvPr/>
+        </p:nvSpPr>
+        <p:spPr>
+          <a:xfrm>
+            <a:off x="5565913" y="5656023"/>
+            <a:ext cx="3933513" cy="369332"/>
+          </a:xfrm>
+          <a:prstGeom prst="rect">
+            <a:avLst/>
+          </a:prstGeom>
+          <a:noFill/>
+        </p:spPr>
+        <p:txBody>
+          <a:bodyPr wrap="none" rtlCol="0">
+            <a:spAutoFit/>
+          </a:bodyPr>
+          <a:lstStyle/>
+          <a:p>
+            <a:r>
+              <a:rPr lang="en-US" dirty="0">
+                <a:hlinkClick r:id="rId4"/>
+              </a:rPr>
+              <a:t>https://</a:t>
+            </a:r>
+            <a:r>
+              <a:rPr lang="en-US" dirty="0" smtClean="0">
+                <a:hlinkClick r:id="rId4"/>
+              </a:rPr>
+              <a:t>www.facebook.com/</a:t>
+            </a:r>
+            <a:r>
+              <a:rPr lang="en-US" dirty="0" smtClean="0"/>
+              <a:t>Sticky-Notes</a:t>
+            </a:r>
+            <a:endParaRPr lang="en-US" dirty="0"/>
+          </a:p>
+        </p:txBody>
+      </p:sp>
+      <p:sp>
+        <p:nvSpPr>
+          <p:cNvPr id="7" name="TextBox 6"/>
+          <p:cNvSpPr txBox="1"/>
+          <p:nvPr/>
+        </p:nvSpPr>
+        <p:spPr>
+          <a:xfrm>
+            <a:off x="2570922" y="5730428"/>
+            <a:ext cx="1465466" cy="369332"/>
+          </a:xfrm>
+          <a:prstGeom prst="rect">
+            <a:avLst/>
+          </a:prstGeom>
+          <a:noFill/>
+        </p:spPr>
+        <p:txBody>
+          <a:bodyPr wrap="none" rtlCol="0">
+            <a:spAutoFit/>
+          </a:bodyPr>
+          <a:lstStyle/>
+          <a:p>
+            <a:r>
+              <a:rPr lang="en-US" dirty="0" smtClean="0"/>
+              <a:t>Scan QR code</a:t>
+            </a:r>
+            <a:endParaRPr lang="en-US" dirty="0"/>
+          </a:p>
+        </p:txBody>
+      </p:sp>
     </p:spTree>
     <p:extLst>
       <p:ext uri="{BB962C8B-B14F-4D97-AF65-F5344CB8AC3E}">
-        <p14:creationId xmlns:p14="http://schemas.microsoft.com/office/powerpoint/2010/main" val="522472815"/>
+        <p14:creationId xmlns:p14="http://schemas.microsoft.com/office/powerpoint/2010/main" val="1525135425"/>
       </p:ext>
     </p:extLst>
   </p:cSld>
@@ -6623,38 +6804,40 @@
         </p:nvSpPr>
         <p:spPr/>
         <p:txBody>
+          <a:bodyPr>
+            <a:normAutofit/>
+          </a:bodyPr>
+          <a:lstStyle/>
+          <a:p>
+            <a:r>
+              <a:rPr lang="en-US" dirty="0"/>
+              <a:t>How to use Sticky-Notes ?</a:t>
+            </a:r>
+          </a:p>
+        </p:txBody>
+      </p:sp>
+      <p:sp>
+        <p:nvSpPr>
+          <p:cNvPr id="3" name="Content Placeholder 2"/>
+          <p:cNvSpPr>
+            <a:spLocks noGrp="1"/>
+          </p:cNvSpPr>
+          <p:nvPr>
+            <p:ph idx="1"/>
+          </p:nvPr>
+        </p:nvSpPr>
+        <p:spPr/>
+        <p:txBody>
           <a:bodyPr/>
           <a:lstStyle/>
           <a:p>
-            <a:r>
-              <a:rPr lang="en-US" dirty="0"/>
-              <a:t>Add user name</a:t>
-            </a:r>
-          </a:p>
-        </p:txBody>
-      </p:sp>
-      <p:sp>
-        <p:nvSpPr>
-          <p:cNvPr id="3" name="Content Placeholder 2"/>
-          <p:cNvSpPr>
-            <a:spLocks noGrp="1"/>
-          </p:cNvSpPr>
-          <p:nvPr>
-            <p:ph idx="1"/>
-          </p:nvPr>
-        </p:nvSpPr>
-        <p:spPr/>
-        <p:txBody>
-          <a:bodyPr/>
-          <a:lstStyle/>
-          <a:p>
-            <a:endParaRPr lang="en-US"/>
+            <a:endParaRPr lang="en-US" dirty="0"/>
           </a:p>
         </p:txBody>
       </p:sp>
       <p:pic>
         <p:nvPicPr>
-          <p:cNvPr id="5" name="Picture 4"/>
+          <p:cNvPr id="4" name="Picture 3"/>
           <p:cNvPicPr>
             <a:picLocks noChangeAspect="1"/>
           </p:cNvPicPr>
@@ -6668,8 +6851,8 @@
         </p:blipFill>
         <p:spPr>
           <a:xfrm>
-            <a:off x="1190897" y="2575372"/>
-            <a:ext cx="7783287" cy="3571429"/>
+            <a:off x="1295400" y="2556932"/>
+            <a:ext cx="7208519" cy="3563210"/>
           </a:xfrm>
           <a:prstGeom prst="rect">
             <a:avLst/>
@@ -6679,7 +6862,7 @@
     </p:spTree>
     <p:extLst>
       <p:ext uri="{BB962C8B-B14F-4D97-AF65-F5344CB8AC3E}">
-        <p14:creationId xmlns:p14="http://schemas.microsoft.com/office/powerpoint/2010/main" val="3548886476"/>
+        <p14:creationId xmlns:p14="http://schemas.microsoft.com/office/powerpoint/2010/main" val="522472815"/>
       </p:ext>
     </p:extLst>
   </p:cSld>
@@ -6723,14 +6906,33 @@
           <a:p>
             <a:r>
               <a:rPr lang="en-US" dirty="0"/>
-              <a:t>Add user note</a:t>
-            </a:r>
+              <a:t>Add user name</a:t>
+            </a:r>
+          </a:p>
+        </p:txBody>
+      </p:sp>
+      <p:sp>
+        <p:nvSpPr>
+          <p:cNvPr id="3" name="Content Placeholder 2"/>
+          <p:cNvSpPr>
+            <a:spLocks noGrp="1"/>
+          </p:cNvSpPr>
+          <p:nvPr>
+            <p:ph idx="1"/>
+          </p:nvPr>
+        </p:nvSpPr>
+        <p:spPr/>
+        <p:txBody>
+          <a:bodyPr/>
+          <a:lstStyle/>
+          <a:p>
+            <a:endParaRPr lang="en-US"/>
           </a:p>
         </p:txBody>
       </p:sp>
       <p:pic>
         <p:nvPicPr>
-          <p:cNvPr id="6" name="Picture 5"/>
+          <p:cNvPr id="5" name="Picture 4"/>
           <p:cNvPicPr>
             <a:picLocks noChangeAspect="1"/>
           </p:cNvPicPr>
@@ -6744,8 +6946,8 @@
         </p:blipFill>
         <p:spPr>
           <a:xfrm>
-            <a:off x="1295401" y="2556933"/>
-            <a:ext cx="8018416" cy="3471706"/>
+            <a:off x="1190897" y="2575372"/>
+            <a:ext cx="7783287" cy="3571429"/>
           </a:xfrm>
           <a:prstGeom prst="rect">
             <a:avLst/>
@@ -6755,7 +6957,7 @@
     </p:spTree>
     <p:extLst>
       <p:ext uri="{BB962C8B-B14F-4D97-AF65-F5344CB8AC3E}">
-        <p14:creationId xmlns:p14="http://schemas.microsoft.com/office/powerpoint/2010/main" val="3955412658"/>
+        <p14:creationId xmlns:p14="http://schemas.microsoft.com/office/powerpoint/2010/main" val="3548886476"/>
       </p:ext>
     </p:extLst>
   </p:cSld>
@@ -6799,14 +7001,14 @@
           <a:p>
             <a:r>
               <a:rPr lang="en-US" dirty="0"/>
-              <a:t>View notes for a specific user</a:t>
+              <a:t>Add user note</a:t>
             </a:r>
           </a:p>
         </p:txBody>
       </p:sp>
       <p:pic>
         <p:nvPicPr>
-          <p:cNvPr id="3" name="Picture 2"/>
+          <p:cNvPr id="6" name="Picture 5"/>
           <p:cNvPicPr>
             <a:picLocks noChangeAspect="1"/>
           </p:cNvPicPr>
@@ -6820,8 +7022,8 @@
         </p:blipFill>
         <p:spPr>
           <a:xfrm>
-            <a:off x="1295402" y="2494947"/>
-            <a:ext cx="8331924" cy="3644596"/>
+            <a:off x="1295401" y="2556933"/>
+            <a:ext cx="8018416" cy="3471706"/>
           </a:xfrm>
           <a:prstGeom prst="rect">
             <a:avLst/>
@@ -6831,7 +7033,7 @@
     </p:spTree>
     <p:extLst>
       <p:ext uri="{BB962C8B-B14F-4D97-AF65-F5344CB8AC3E}">
-        <p14:creationId xmlns:p14="http://schemas.microsoft.com/office/powerpoint/2010/main" val="1256066120"/>
+        <p14:creationId xmlns:p14="http://schemas.microsoft.com/office/powerpoint/2010/main" val="3955412658"/>
       </p:ext>
     </p:extLst>
   </p:cSld>

--- a/Sticky-Notes.pptx
+++ b/Sticky-Notes.pptx
@@ -5945,6 +5945,182 @@
           </a:p>
         </p:txBody>
       </p:sp>
+      <p:pic>
+        <p:nvPicPr>
+          <p:cNvPr id="4" name="Picture 3"/>
+          <p:cNvPicPr>
+            <a:picLocks noChangeAspect="1"/>
+          </p:cNvPicPr>
+          <p:nvPr/>
+        </p:nvPicPr>
+        <p:blipFill>
+          <a:blip r:embed="rId2">
+            <a:extLst>
+              <a:ext uri="{BEBA8EAE-BF5A-486C-A8C5-ECC9F3942E4B}">
+                <a14:imgProps xmlns:a14="http://schemas.microsoft.com/office/drawing/2010/main">
+                  <a14:imgLayer r:embed="rId3">
+                    <a14:imgEffect>
+                      <a14:backgroundRemoval t="7744" b="100000" l="10562" r="93933">
+                        <a14:foregroundMark x1="49663" y1="18519" x2="51236" y2="10101"/>
+                        <a14:foregroundMark x1="55281" y1="19865" x2="54157" y2="16835"/>
+                        <a14:foregroundMark x1="53933" y1="15825" x2="51461" y2="7071"/>
+                        <a14:foregroundMark x1="10787" y1="92929" x2="14831" y2="93603"/>
+                        <a14:foregroundMark x1="15730" y1="92929" x2="15955" y2="88889"/>
+                        <a14:foregroundMark x1="14831" y1="88552" x2="12584" y2="87542"/>
+                        <a14:foregroundMark x1="11461" y1="84848" x2="12809" y2="83165"/>
+                        <a14:foregroundMark x1="19551" y1="81145" x2="19551" y2="91246"/>
+                        <a14:foregroundMark x1="25393" y1="82828" x2="25393" y2="88215"/>
+                        <a14:foregroundMark x1="25393" y1="78788" x2="25393" y2="78114"/>
+                        <a14:foregroundMark x1="29663" y1="85185" x2="32360" y2="83165"/>
+                        <a14:foregroundMark x1="28989" y1="87205" x2="29663" y2="90909"/>
+                        <a14:foregroundMark x1="38427" y1="90236" x2="38427" y2="82828"/>
+                        <a14:foregroundMark x1="40674" y1="87205" x2="42472" y2="85859"/>
+                        <a14:foregroundMark x1="50787" y1="92593" x2="47865" y2="86869"/>
+                        <a14:foregroundMark x1="48315" y1="99327" x2="49213" y2="96633"/>
+                        <a14:foregroundMark x1="51685" y1="90236" x2="52360" y2="87205"/>
+                        <a14:foregroundMark x1="55506" y1="92593" x2="55506" y2="87542"/>
+                        <a14:foregroundMark x1="55506" y1="86195" x2="55506" y2="83165"/>
+                        <a14:foregroundMark x1="56629" y1="84175" x2="57978" y2="82492"/>
+                        <a14:foregroundMark x1="59326" y1="82492" x2="61348" y2="83165"/>
+                        <a14:foregroundMark x1="61798" y1="84175" x2="62247" y2="88215"/>
+                        <a14:foregroundMark x1="62247" y1="93603" x2="62247" y2="90909"/>
+                        <a14:foregroundMark x1="64944" y1="87542" x2="65169" y2="84848"/>
+                        <a14:foregroundMark x1="66517" y1="83838" x2="67865" y2="82492"/>
+                        <a14:foregroundMark x1="70112" y1="83165" x2="71685" y2="84175"/>
+                        <a14:foregroundMark x1="72360" y1="88552" x2="71910" y2="91582"/>
+                        <a14:foregroundMark x1="71236" y1="93266" x2="68764" y2="94276"/>
+                        <a14:foregroundMark x1="67640" y1="94276" x2="65393" y2="91919"/>
+                        <a14:foregroundMark x1="64944" y1="90572" x2="64719" y2="87879"/>
+                        <a14:foregroundMark x1="68090" y1="82828" x2="69438" y2="82492"/>
+                        <a14:foregroundMark x1="75506" y1="86195" x2="75506" y2="81145"/>
+                        <a14:foregroundMark x1="75955" y1="92929" x2="76404" y2="94276"/>
+                        <a14:foregroundMark x1="78202" y1="93939" x2="76629" y2="93939"/>
+                        <a14:foregroundMark x1="79775" y1="88889" x2="79775" y2="86195"/>
+                        <a14:foregroundMark x1="80225" y1="85185" x2="81798" y2="83165"/>
+                        <a14:foregroundMark x1="83596" y1="82828" x2="84944" y2="82828"/>
+                        <a14:foregroundMark x1="85843" y1="83838" x2="86742" y2="85522"/>
+                        <a14:foregroundMark x1="86966" y1="88215" x2="84719" y2="88215"/>
+                        <a14:foregroundMark x1="80449" y1="88215" x2="83596" y2="87879"/>
+                        <a14:foregroundMark x1="79775" y1="90572" x2="81124" y2="92929"/>
+                        <a14:foregroundMark x1="82022" y1="93939" x2="83596" y2="93939"/>
+                        <a14:foregroundMark x1="84944" y1="93939" x2="86292" y2="92929"/>
+                        <a14:foregroundMark x1="88989" y1="84512" x2="89663" y2="82492"/>
+                        <a14:foregroundMark x1="90562" y1="82492" x2="90562" y2="82492"/>
+                        <a14:foregroundMark x1="90562" y1="82492" x2="91685" y2="82492"/>
+                        <a14:foregroundMark x1="92584" y1="82828" x2="93483" y2="82828"/>
+                        <a14:foregroundMark x1="88989" y1="85522" x2="89663" y2="87205"/>
+                        <a14:foregroundMark x1="90337" y1="87879" x2="92135" y2="88552"/>
+                        <a14:foregroundMark x1="92584" y1="88889" x2="93483" y2="89899"/>
+                        <a14:foregroundMark x1="88989" y1="93603" x2="91236" y2="94276"/>
+                      </a14:backgroundRemoval>
+                    </a14:imgEffect>
+                  </a14:imgLayer>
+                </a14:imgProps>
+              </a:ext>
+            </a:extLst>
+          </a:blip>
+          <a:stretch>
+            <a:fillRect/>
+          </a:stretch>
+        </p:blipFill>
+        <p:spPr>
+          <a:xfrm>
+            <a:off x="8009242" y="1600198"/>
+            <a:ext cx="1683679" cy="1123714"/>
+          </a:xfrm>
+          <a:prstGeom prst="rect">
+            <a:avLst/>
+          </a:prstGeom>
+        </p:spPr>
+      </p:pic>
+      <p:pic>
+        <p:nvPicPr>
+          <p:cNvPr id="5" name="Picture 4"/>
+          <p:cNvPicPr>
+            <a:picLocks noChangeAspect="1"/>
+          </p:cNvPicPr>
+          <p:nvPr/>
+        </p:nvPicPr>
+        <p:blipFill>
+          <a:blip r:embed="rId2">
+            <a:extLst>
+              <a:ext uri="{BEBA8EAE-BF5A-486C-A8C5-ECC9F3942E4B}">
+                <a14:imgProps xmlns:a14="http://schemas.microsoft.com/office/drawing/2010/main">
+                  <a14:imgLayer r:embed="rId3">
+                    <a14:imgEffect>
+                      <a14:backgroundRemoval t="7744" b="100000" l="10562" r="93933">
+                        <a14:foregroundMark x1="49663" y1="18519" x2="51236" y2="10101"/>
+                        <a14:foregroundMark x1="55281" y1="19865" x2="54157" y2="16835"/>
+                        <a14:foregroundMark x1="53933" y1="15825" x2="51461" y2="7071"/>
+                        <a14:foregroundMark x1="10787" y1="92929" x2="14831" y2="93603"/>
+                        <a14:foregroundMark x1="15730" y1="92929" x2="15955" y2="88889"/>
+                        <a14:foregroundMark x1="14831" y1="88552" x2="12584" y2="87542"/>
+                        <a14:foregroundMark x1="11461" y1="84848" x2="12809" y2="83165"/>
+                        <a14:foregroundMark x1="19551" y1="81145" x2="19551" y2="91246"/>
+                        <a14:foregroundMark x1="25393" y1="82828" x2="25393" y2="88215"/>
+                        <a14:foregroundMark x1="25393" y1="78788" x2="25393" y2="78114"/>
+                        <a14:foregroundMark x1="29663" y1="85185" x2="32360" y2="83165"/>
+                        <a14:foregroundMark x1="28989" y1="87205" x2="29663" y2="90909"/>
+                        <a14:foregroundMark x1="38427" y1="90236" x2="38427" y2="82828"/>
+                        <a14:foregroundMark x1="40674" y1="87205" x2="42472" y2="85859"/>
+                        <a14:foregroundMark x1="50787" y1="92593" x2="47865" y2="86869"/>
+                        <a14:foregroundMark x1="48315" y1="99327" x2="49213" y2="96633"/>
+                        <a14:foregroundMark x1="51685" y1="90236" x2="52360" y2="87205"/>
+                        <a14:foregroundMark x1="55506" y1="92593" x2="55506" y2="87542"/>
+                        <a14:foregroundMark x1="55506" y1="86195" x2="55506" y2="83165"/>
+                        <a14:foregroundMark x1="56629" y1="84175" x2="57978" y2="82492"/>
+                        <a14:foregroundMark x1="59326" y1="82492" x2="61348" y2="83165"/>
+                        <a14:foregroundMark x1="61798" y1="84175" x2="62247" y2="88215"/>
+                        <a14:foregroundMark x1="62247" y1="93603" x2="62247" y2="90909"/>
+                        <a14:foregroundMark x1="64944" y1="87542" x2="65169" y2="84848"/>
+                        <a14:foregroundMark x1="66517" y1="83838" x2="67865" y2="82492"/>
+                        <a14:foregroundMark x1="70112" y1="83165" x2="71685" y2="84175"/>
+                        <a14:foregroundMark x1="72360" y1="88552" x2="71910" y2="91582"/>
+                        <a14:foregroundMark x1="71236" y1="93266" x2="68764" y2="94276"/>
+                        <a14:foregroundMark x1="67640" y1="94276" x2="65393" y2="91919"/>
+                        <a14:foregroundMark x1="64944" y1="90572" x2="64719" y2="87879"/>
+                        <a14:foregroundMark x1="68090" y1="82828" x2="69438" y2="82492"/>
+                        <a14:foregroundMark x1="75506" y1="86195" x2="75506" y2="81145"/>
+                        <a14:foregroundMark x1="75955" y1="92929" x2="76404" y2="94276"/>
+                        <a14:foregroundMark x1="78202" y1="93939" x2="76629" y2="93939"/>
+                        <a14:foregroundMark x1="79775" y1="88889" x2="79775" y2="86195"/>
+                        <a14:foregroundMark x1="80225" y1="85185" x2="81798" y2="83165"/>
+                        <a14:foregroundMark x1="83596" y1="82828" x2="84944" y2="82828"/>
+                        <a14:foregroundMark x1="85843" y1="83838" x2="86742" y2="85522"/>
+                        <a14:foregroundMark x1="86966" y1="88215" x2="84719" y2="88215"/>
+                        <a14:foregroundMark x1="80449" y1="88215" x2="83596" y2="87879"/>
+                        <a14:foregroundMark x1="79775" y1="90572" x2="81124" y2="92929"/>
+                        <a14:foregroundMark x1="82022" y1="93939" x2="83596" y2="93939"/>
+                        <a14:foregroundMark x1="84944" y1="93939" x2="86292" y2="92929"/>
+                        <a14:foregroundMark x1="88989" y1="84512" x2="89663" y2="82492"/>
+                        <a14:foregroundMark x1="90562" y1="82492" x2="90562" y2="82492"/>
+                        <a14:foregroundMark x1="90562" y1="82492" x2="91685" y2="82492"/>
+                        <a14:foregroundMark x1="92584" y1="82828" x2="93483" y2="82828"/>
+                        <a14:foregroundMark x1="88989" y1="85522" x2="89663" y2="87205"/>
+                        <a14:foregroundMark x1="90337" y1="87879" x2="92135" y2="88552"/>
+                        <a14:foregroundMark x1="92584" y1="88889" x2="93483" y2="89899"/>
+                        <a14:foregroundMark x1="88989" y1="93603" x2="91236" y2="94276"/>
+                      </a14:backgroundRemoval>
+                    </a14:imgEffect>
+                  </a14:imgLayer>
+                </a14:imgProps>
+              </a:ext>
+            </a:extLst>
+          </a:blip>
+          <a:stretch>
+            <a:fillRect/>
+          </a:stretch>
+        </p:blipFill>
+        <p:spPr>
+          <a:xfrm>
+            <a:off x="2507544" y="1600198"/>
+            <a:ext cx="1683679" cy="1123714"/>
+          </a:xfrm>
+          <a:prstGeom prst="rect">
+            <a:avLst/>
+          </a:prstGeom>
+        </p:spPr>
+      </p:pic>
     </p:spTree>
     <p:extLst>
       <p:ext uri="{BB962C8B-B14F-4D97-AF65-F5344CB8AC3E}">
@@ -6015,6 +6191,94 @@
           <a:xfrm>
             <a:off x="1295402" y="2494947"/>
             <a:ext cx="8331924" cy="3644596"/>
+          </a:xfrm>
+          <a:prstGeom prst="rect">
+            <a:avLst/>
+          </a:prstGeom>
+        </p:spPr>
+      </p:pic>
+      <p:pic>
+        <p:nvPicPr>
+          <p:cNvPr id="4" name="Picture 3"/>
+          <p:cNvPicPr>
+            <a:picLocks noChangeAspect="1"/>
+          </p:cNvPicPr>
+          <p:nvPr/>
+        </p:nvPicPr>
+        <p:blipFill>
+          <a:blip r:embed="rId3">
+            <a:extLst>
+              <a:ext uri="{BEBA8EAE-BF5A-486C-A8C5-ECC9F3942E4B}">
+                <a14:imgProps xmlns:a14="http://schemas.microsoft.com/office/drawing/2010/main">
+                  <a14:imgLayer r:embed="rId4">
+                    <a14:imgEffect>
+                      <a14:backgroundRemoval t="7744" b="100000" l="10562" r="93933">
+                        <a14:foregroundMark x1="49663" y1="18519" x2="51236" y2="10101"/>
+                        <a14:foregroundMark x1="55281" y1="19865" x2="54157" y2="16835"/>
+                        <a14:foregroundMark x1="53933" y1="15825" x2="51461" y2="7071"/>
+                        <a14:foregroundMark x1="10787" y1="92929" x2="14831" y2="93603"/>
+                        <a14:foregroundMark x1="15730" y1="92929" x2="15955" y2="88889"/>
+                        <a14:foregroundMark x1="14831" y1="88552" x2="12584" y2="87542"/>
+                        <a14:foregroundMark x1="11461" y1="84848" x2="12809" y2="83165"/>
+                        <a14:foregroundMark x1="19551" y1="81145" x2="19551" y2="91246"/>
+                        <a14:foregroundMark x1="25393" y1="82828" x2="25393" y2="88215"/>
+                        <a14:foregroundMark x1="25393" y1="78788" x2="25393" y2="78114"/>
+                        <a14:foregroundMark x1="29663" y1="85185" x2="32360" y2="83165"/>
+                        <a14:foregroundMark x1="28989" y1="87205" x2="29663" y2="90909"/>
+                        <a14:foregroundMark x1="38427" y1="90236" x2="38427" y2="82828"/>
+                        <a14:foregroundMark x1="40674" y1="87205" x2="42472" y2="85859"/>
+                        <a14:foregroundMark x1="50787" y1="92593" x2="47865" y2="86869"/>
+                        <a14:foregroundMark x1="48315" y1="99327" x2="49213" y2="96633"/>
+                        <a14:foregroundMark x1="51685" y1="90236" x2="52360" y2="87205"/>
+                        <a14:foregroundMark x1="55506" y1="92593" x2="55506" y2="87542"/>
+                        <a14:foregroundMark x1="55506" y1="86195" x2="55506" y2="83165"/>
+                        <a14:foregroundMark x1="56629" y1="84175" x2="57978" y2="82492"/>
+                        <a14:foregroundMark x1="59326" y1="82492" x2="61348" y2="83165"/>
+                        <a14:foregroundMark x1="61798" y1="84175" x2="62247" y2="88215"/>
+                        <a14:foregroundMark x1="62247" y1="93603" x2="62247" y2="90909"/>
+                        <a14:foregroundMark x1="64944" y1="87542" x2="65169" y2="84848"/>
+                        <a14:foregroundMark x1="66517" y1="83838" x2="67865" y2="82492"/>
+                        <a14:foregroundMark x1="70112" y1="83165" x2="71685" y2="84175"/>
+                        <a14:foregroundMark x1="72360" y1="88552" x2="71910" y2="91582"/>
+                        <a14:foregroundMark x1="71236" y1="93266" x2="68764" y2="94276"/>
+                        <a14:foregroundMark x1="67640" y1="94276" x2="65393" y2="91919"/>
+                        <a14:foregroundMark x1="64944" y1="90572" x2="64719" y2="87879"/>
+                        <a14:foregroundMark x1="68090" y1="82828" x2="69438" y2="82492"/>
+                        <a14:foregroundMark x1="75506" y1="86195" x2="75506" y2="81145"/>
+                        <a14:foregroundMark x1="75955" y1="92929" x2="76404" y2="94276"/>
+                        <a14:foregroundMark x1="78202" y1="93939" x2="76629" y2="93939"/>
+                        <a14:foregroundMark x1="79775" y1="88889" x2="79775" y2="86195"/>
+                        <a14:foregroundMark x1="80225" y1="85185" x2="81798" y2="83165"/>
+                        <a14:foregroundMark x1="83596" y1="82828" x2="84944" y2="82828"/>
+                        <a14:foregroundMark x1="85843" y1="83838" x2="86742" y2="85522"/>
+                        <a14:foregroundMark x1="86966" y1="88215" x2="84719" y2="88215"/>
+                        <a14:foregroundMark x1="80449" y1="88215" x2="83596" y2="87879"/>
+                        <a14:foregroundMark x1="79775" y1="90572" x2="81124" y2="92929"/>
+                        <a14:foregroundMark x1="82022" y1="93939" x2="83596" y2="93939"/>
+                        <a14:foregroundMark x1="84944" y1="93939" x2="86292" y2="92929"/>
+                        <a14:foregroundMark x1="88989" y1="84512" x2="89663" y2="82492"/>
+                        <a14:foregroundMark x1="90562" y1="82492" x2="90562" y2="82492"/>
+                        <a14:foregroundMark x1="90562" y1="82492" x2="91685" y2="82492"/>
+                        <a14:foregroundMark x1="92584" y1="82828" x2="93483" y2="82828"/>
+                        <a14:foregroundMark x1="88989" y1="85522" x2="89663" y2="87205"/>
+                        <a14:foregroundMark x1="90337" y1="87879" x2="92135" y2="88552"/>
+                        <a14:foregroundMark x1="92584" y1="88889" x2="93483" y2="89899"/>
+                        <a14:foregroundMark x1="88989" y1="93603" x2="91236" y2="94276"/>
+                      </a14:backgroundRemoval>
+                    </a14:imgEffect>
+                  </a14:imgLayer>
+                </a14:imgProps>
+              </a:ext>
+            </a:extLst>
+          </a:blip>
+          <a:stretch>
+            <a:fillRect/>
+          </a:stretch>
+        </p:blipFill>
+        <p:spPr>
+          <a:xfrm>
+            <a:off x="10325100" y="735895"/>
+            <a:ext cx="1101371" cy="735072"/>
           </a:xfrm>
           <a:prstGeom prst="rect">
             <a:avLst/>
@@ -6123,6 +6387,94 @@
           </a:p>
         </p:txBody>
       </p:sp>
+      <p:pic>
+        <p:nvPicPr>
+          <p:cNvPr id="4" name="Picture 3"/>
+          <p:cNvPicPr>
+            <a:picLocks noChangeAspect="1"/>
+          </p:cNvPicPr>
+          <p:nvPr/>
+        </p:nvPicPr>
+        <p:blipFill>
+          <a:blip r:embed="rId2">
+            <a:extLst>
+              <a:ext uri="{BEBA8EAE-BF5A-486C-A8C5-ECC9F3942E4B}">
+                <a14:imgProps xmlns:a14="http://schemas.microsoft.com/office/drawing/2010/main">
+                  <a14:imgLayer r:embed="rId3">
+                    <a14:imgEffect>
+                      <a14:backgroundRemoval t="7744" b="100000" l="10562" r="93933">
+                        <a14:foregroundMark x1="49663" y1="18519" x2="51236" y2="10101"/>
+                        <a14:foregroundMark x1="55281" y1="19865" x2="54157" y2="16835"/>
+                        <a14:foregroundMark x1="53933" y1="15825" x2="51461" y2="7071"/>
+                        <a14:foregroundMark x1="10787" y1="92929" x2="14831" y2="93603"/>
+                        <a14:foregroundMark x1="15730" y1="92929" x2="15955" y2="88889"/>
+                        <a14:foregroundMark x1="14831" y1="88552" x2="12584" y2="87542"/>
+                        <a14:foregroundMark x1="11461" y1="84848" x2="12809" y2="83165"/>
+                        <a14:foregroundMark x1="19551" y1="81145" x2="19551" y2="91246"/>
+                        <a14:foregroundMark x1="25393" y1="82828" x2="25393" y2="88215"/>
+                        <a14:foregroundMark x1="25393" y1="78788" x2="25393" y2="78114"/>
+                        <a14:foregroundMark x1="29663" y1="85185" x2="32360" y2="83165"/>
+                        <a14:foregroundMark x1="28989" y1="87205" x2="29663" y2="90909"/>
+                        <a14:foregroundMark x1="38427" y1="90236" x2="38427" y2="82828"/>
+                        <a14:foregroundMark x1="40674" y1="87205" x2="42472" y2="85859"/>
+                        <a14:foregroundMark x1="50787" y1="92593" x2="47865" y2="86869"/>
+                        <a14:foregroundMark x1="48315" y1="99327" x2="49213" y2="96633"/>
+                        <a14:foregroundMark x1="51685" y1="90236" x2="52360" y2="87205"/>
+                        <a14:foregroundMark x1="55506" y1="92593" x2="55506" y2="87542"/>
+                        <a14:foregroundMark x1="55506" y1="86195" x2="55506" y2="83165"/>
+                        <a14:foregroundMark x1="56629" y1="84175" x2="57978" y2="82492"/>
+                        <a14:foregroundMark x1="59326" y1="82492" x2="61348" y2="83165"/>
+                        <a14:foregroundMark x1="61798" y1="84175" x2="62247" y2="88215"/>
+                        <a14:foregroundMark x1="62247" y1="93603" x2="62247" y2="90909"/>
+                        <a14:foregroundMark x1="64944" y1="87542" x2="65169" y2="84848"/>
+                        <a14:foregroundMark x1="66517" y1="83838" x2="67865" y2="82492"/>
+                        <a14:foregroundMark x1="70112" y1="83165" x2="71685" y2="84175"/>
+                        <a14:foregroundMark x1="72360" y1="88552" x2="71910" y2="91582"/>
+                        <a14:foregroundMark x1="71236" y1="93266" x2="68764" y2="94276"/>
+                        <a14:foregroundMark x1="67640" y1="94276" x2="65393" y2="91919"/>
+                        <a14:foregroundMark x1="64944" y1="90572" x2="64719" y2="87879"/>
+                        <a14:foregroundMark x1="68090" y1="82828" x2="69438" y2="82492"/>
+                        <a14:foregroundMark x1="75506" y1="86195" x2="75506" y2="81145"/>
+                        <a14:foregroundMark x1="75955" y1="92929" x2="76404" y2="94276"/>
+                        <a14:foregroundMark x1="78202" y1="93939" x2="76629" y2="93939"/>
+                        <a14:foregroundMark x1="79775" y1="88889" x2="79775" y2="86195"/>
+                        <a14:foregroundMark x1="80225" y1="85185" x2="81798" y2="83165"/>
+                        <a14:foregroundMark x1="83596" y1="82828" x2="84944" y2="82828"/>
+                        <a14:foregroundMark x1="85843" y1="83838" x2="86742" y2="85522"/>
+                        <a14:foregroundMark x1="86966" y1="88215" x2="84719" y2="88215"/>
+                        <a14:foregroundMark x1="80449" y1="88215" x2="83596" y2="87879"/>
+                        <a14:foregroundMark x1="79775" y1="90572" x2="81124" y2="92929"/>
+                        <a14:foregroundMark x1="82022" y1="93939" x2="83596" y2="93939"/>
+                        <a14:foregroundMark x1="84944" y1="93939" x2="86292" y2="92929"/>
+                        <a14:foregroundMark x1="88989" y1="84512" x2="89663" y2="82492"/>
+                        <a14:foregroundMark x1="90562" y1="82492" x2="90562" y2="82492"/>
+                        <a14:foregroundMark x1="90562" y1="82492" x2="91685" y2="82492"/>
+                        <a14:foregroundMark x1="92584" y1="82828" x2="93483" y2="82828"/>
+                        <a14:foregroundMark x1="88989" y1="85522" x2="89663" y2="87205"/>
+                        <a14:foregroundMark x1="90337" y1="87879" x2="92135" y2="88552"/>
+                        <a14:foregroundMark x1="92584" y1="88889" x2="93483" y2="89899"/>
+                        <a14:foregroundMark x1="88989" y1="93603" x2="91236" y2="94276"/>
+                      </a14:backgroundRemoval>
+                    </a14:imgEffect>
+                  </a14:imgLayer>
+                </a14:imgProps>
+              </a:ext>
+            </a:extLst>
+          </a:blip>
+          <a:stretch>
+            <a:fillRect/>
+          </a:stretch>
+        </p:blipFill>
+        <p:spPr>
+          <a:xfrm>
+            <a:off x="10325100" y="735895"/>
+            <a:ext cx="1101371" cy="735072"/>
+          </a:xfrm>
+          <a:prstGeom prst="rect">
+            <a:avLst/>
+          </a:prstGeom>
+        </p:spPr>
+      </p:pic>
     </p:spTree>
     <p:extLst>
       <p:ext uri="{BB962C8B-B14F-4D97-AF65-F5344CB8AC3E}">
@@ -6233,6 +6585,94 @@
           </a:p>
         </p:txBody>
       </p:sp>
+      <p:pic>
+        <p:nvPicPr>
+          <p:cNvPr id="6" name="Picture 5"/>
+          <p:cNvPicPr>
+            <a:picLocks noChangeAspect="1"/>
+          </p:cNvPicPr>
+          <p:nvPr/>
+        </p:nvPicPr>
+        <p:blipFill>
+          <a:blip r:embed="rId2">
+            <a:extLst>
+              <a:ext uri="{BEBA8EAE-BF5A-486C-A8C5-ECC9F3942E4B}">
+                <a14:imgProps xmlns:a14="http://schemas.microsoft.com/office/drawing/2010/main">
+                  <a14:imgLayer r:embed="rId3">
+                    <a14:imgEffect>
+                      <a14:backgroundRemoval t="7744" b="100000" l="10562" r="93933">
+                        <a14:foregroundMark x1="49663" y1="18519" x2="51236" y2="10101"/>
+                        <a14:foregroundMark x1="55281" y1="19865" x2="54157" y2="16835"/>
+                        <a14:foregroundMark x1="53933" y1="15825" x2="51461" y2="7071"/>
+                        <a14:foregroundMark x1="10787" y1="92929" x2="14831" y2="93603"/>
+                        <a14:foregroundMark x1="15730" y1="92929" x2="15955" y2="88889"/>
+                        <a14:foregroundMark x1="14831" y1="88552" x2="12584" y2="87542"/>
+                        <a14:foregroundMark x1="11461" y1="84848" x2="12809" y2="83165"/>
+                        <a14:foregroundMark x1="19551" y1="81145" x2="19551" y2="91246"/>
+                        <a14:foregroundMark x1="25393" y1="82828" x2="25393" y2="88215"/>
+                        <a14:foregroundMark x1="25393" y1="78788" x2="25393" y2="78114"/>
+                        <a14:foregroundMark x1="29663" y1="85185" x2="32360" y2="83165"/>
+                        <a14:foregroundMark x1="28989" y1="87205" x2="29663" y2="90909"/>
+                        <a14:foregroundMark x1="38427" y1="90236" x2="38427" y2="82828"/>
+                        <a14:foregroundMark x1="40674" y1="87205" x2="42472" y2="85859"/>
+                        <a14:foregroundMark x1="50787" y1="92593" x2="47865" y2="86869"/>
+                        <a14:foregroundMark x1="48315" y1="99327" x2="49213" y2="96633"/>
+                        <a14:foregroundMark x1="51685" y1="90236" x2="52360" y2="87205"/>
+                        <a14:foregroundMark x1="55506" y1="92593" x2="55506" y2="87542"/>
+                        <a14:foregroundMark x1="55506" y1="86195" x2="55506" y2="83165"/>
+                        <a14:foregroundMark x1="56629" y1="84175" x2="57978" y2="82492"/>
+                        <a14:foregroundMark x1="59326" y1="82492" x2="61348" y2="83165"/>
+                        <a14:foregroundMark x1="61798" y1="84175" x2="62247" y2="88215"/>
+                        <a14:foregroundMark x1="62247" y1="93603" x2="62247" y2="90909"/>
+                        <a14:foregroundMark x1="64944" y1="87542" x2="65169" y2="84848"/>
+                        <a14:foregroundMark x1="66517" y1="83838" x2="67865" y2="82492"/>
+                        <a14:foregroundMark x1="70112" y1="83165" x2="71685" y2="84175"/>
+                        <a14:foregroundMark x1="72360" y1="88552" x2="71910" y2="91582"/>
+                        <a14:foregroundMark x1="71236" y1="93266" x2="68764" y2="94276"/>
+                        <a14:foregroundMark x1="67640" y1="94276" x2="65393" y2="91919"/>
+                        <a14:foregroundMark x1="64944" y1="90572" x2="64719" y2="87879"/>
+                        <a14:foregroundMark x1="68090" y1="82828" x2="69438" y2="82492"/>
+                        <a14:foregroundMark x1="75506" y1="86195" x2="75506" y2="81145"/>
+                        <a14:foregroundMark x1="75955" y1="92929" x2="76404" y2="94276"/>
+                        <a14:foregroundMark x1="78202" y1="93939" x2="76629" y2="93939"/>
+                        <a14:foregroundMark x1="79775" y1="88889" x2="79775" y2="86195"/>
+                        <a14:foregroundMark x1="80225" y1="85185" x2="81798" y2="83165"/>
+                        <a14:foregroundMark x1="83596" y1="82828" x2="84944" y2="82828"/>
+                        <a14:foregroundMark x1="85843" y1="83838" x2="86742" y2="85522"/>
+                        <a14:foregroundMark x1="86966" y1="88215" x2="84719" y2="88215"/>
+                        <a14:foregroundMark x1="80449" y1="88215" x2="83596" y2="87879"/>
+                        <a14:foregroundMark x1="79775" y1="90572" x2="81124" y2="92929"/>
+                        <a14:foregroundMark x1="82022" y1="93939" x2="83596" y2="93939"/>
+                        <a14:foregroundMark x1="84944" y1="93939" x2="86292" y2="92929"/>
+                        <a14:foregroundMark x1="88989" y1="84512" x2="89663" y2="82492"/>
+                        <a14:foregroundMark x1="90562" y1="82492" x2="90562" y2="82492"/>
+                        <a14:foregroundMark x1="90562" y1="82492" x2="91685" y2="82492"/>
+                        <a14:foregroundMark x1="92584" y1="82828" x2="93483" y2="82828"/>
+                        <a14:foregroundMark x1="88989" y1="85522" x2="89663" y2="87205"/>
+                        <a14:foregroundMark x1="90337" y1="87879" x2="92135" y2="88552"/>
+                        <a14:foregroundMark x1="92584" y1="88889" x2="93483" y2="89899"/>
+                        <a14:foregroundMark x1="88989" y1="93603" x2="91236" y2="94276"/>
+                      </a14:backgroundRemoval>
+                    </a14:imgEffect>
+                  </a14:imgLayer>
+                </a14:imgProps>
+              </a:ext>
+            </a:extLst>
+          </a:blip>
+          <a:stretch>
+            <a:fillRect/>
+          </a:stretch>
+        </p:blipFill>
+        <p:spPr>
+          <a:xfrm>
+            <a:off x="10325100" y="735895"/>
+            <a:ext cx="1101371" cy="735072"/>
+          </a:xfrm>
+          <a:prstGeom prst="rect">
+            <a:avLst/>
+          </a:prstGeom>
+        </p:spPr>
+      </p:pic>
     </p:spTree>
     <p:extLst>
       <p:ext uri="{BB962C8B-B14F-4D97-AF65-F5344CB8AC3E}">
@@ -6321,6 +6761,94 @@
             <a:off x="1396753" y="1328361"/>
             <a:ext cx="9499845" cy="4468757"/>
           </a:xfrm>
+        </p:spPr>
+      </p:pic>
+      <p:pic>
+        <p:nvPicPr>
+          <p:cNvPr id="6" name="Picture 5"/>
+          <p:cNvPicPr>
+            <a:picLocks noChangeAspect="1"/>
+          </p:cNvPicPr>
+          <p:nvPr/>
+        </p:nvPicPr>
+        <p:blipFill>
+          <a:blip r:embed="rId3">
+            <a:extLst>
+              <a:ext uri="{BEBA8EAE-BF5A-486C-A8C5-ECC9F3942E4B}">
+                <a14:imgProps xmlns:a14="http://schemas.microsoft.com/office/drawing/2010/main">
+                  <a14:imgLayer r:embed="rId4">
+                    <a14:imgEffect>
+                      <a14:backgroundRemoval t="7744" b="100000" l="10562" r="93933">
+                        <a14:foregroundMark x1="49663" y1="18519" x2="51236" y2="10101"/>
+                        <a14:foregroundMark x1="55281" y1="19865" x2="54157" y2="16835"/>
+                        <a14:foregroundMark x1="53933" y1="15825" x2="51461" y2="7071"/>
+                        <a14:foregroundMark x1="10787" y1="92929" x2="14831" y2="93603"/>
+                        <a14:foregroundMark x1="15730" y1="92929" x2="15955" y2="88889"/>
+                        <a14:foregroundMark x1="14831" y1="88552" x2="12584" y2="87542"/>
+                        <a14:foregroundMark x1="11461" y1="84848" x2="12809" y2="83165"/>
+                        <a14:foregroundMark x1="19551" y1="81145" x2="19551" y2="91246"/>
+                        <a14:foregroundMark x1="25393" y1="82828" x2="25393" y2="88215"/>
+                        <a14:foregroundMark x1="25393" y1="78788" x2="25393" y2="78114"/>
+                        <a14:foregroundMark x1="29663" y1="85185" x2="32360" y2="83165"/>
+                        <a14:foregroundMark x1="28989" y1="87205" x2="29663" y2="90909"/>
+                        <a14:foregroundMark x1="38427" y1="90236" x2="38427" y2="82828"/>
+                        <a14:foregroundMark x1="40674" y1="87205" x2="42472" y2="85859"/>
+                        <a14:foregroundMark x1="50787" y1="92593" x2="47865" y2="86869"/>
+                        <a14:foregroundMark x1="48315" y1="99327" x2="49213" y2="96633"/>
+                        <a14:foregroundMark x1="51685" y1="90236" x2="52360" y2="87205"/>
+                        <a14:foregroundMark x1="55506" y1="92593" x2="55506" y2="87542"/>
+                        <a14:foregroundMark x1="55506" y1="86195" x2="55506" y2="83165"/>
+                        <a14:foregroundMark x1="56629" y1="84175" x2="57978" y2="82492"/>
+                        <a14:foregroundMark x1="59326" y1="82492" x2="61348" y2="83165"/>
+                        <a14:foregroundMark x1="61798" y1="84175" x2="62247" y2="88215"/>
+                        <a14:foregroundMark x1="62247" y1="93603" x2="62247" y2="90909"/>
+                        <a14:foregroundMark x1="64944" y1="87542" x2="65169" y2="84848"/>
+                        <a14:foregroundMark x1="66517" y1="83838" x2="67865" y2="82492"/>
+                        <a14:foregroundMark x1="70112" y1="83165" x2="71685" y2="84175"/>
+                        <a14:foregroundMark x1="72360" y1="88552" x2="71910" y2="91582"/>
+                        <a14:foregroundMark x1="71236" y1="93266" x2="68764" y2="94276"/>
+                        <a14:foregroundMark x1="67640" y1="94276" x2="65393" y2="91919"/>
+                        <a14:foregroundMark x1="64944" y1="90572" x2="64719" y2="87879"/>
+                        <a14:foregroundMark x1="68090" y1="82828" x2="69438" y2="82492"/>
+                        <a14:foregroundMark x1="75506" y1="86195" x2="75506" y2="81145"/>
+                        <a14:foregroundMark x1="75955" y1="92929" x2="76404" y2="94276"/>
+                        <a14:foregroundMark x1="78202" y1="93939" x2="76629" y2="93939"/>
+                        <a14:foregroundMark x1="79775" y1="88889" x2="79775" y2="86195"/>
+                        <a14:foregroundMark x1="80225" y1="85185" x2="81798" y2="83165"/>
+                        <a14:foregroundMark x1="83596" y1="82828" x2="84944" y2="82828"/>
+                        <a14:foregroundMark x1="85843" y1="83838" x2="86742" y2="85522"/>
+                        <a14:foregroundMark x1="86966" y1="88215" x2="84719" y2="88215"/>
+                        <a14:foregroundMark x1="80449" y1="88215" x2="83596" y2="87879"/>
+                        <a14:foregroundMark x1="79775" y1="90572" x2="81124" y2="92929"/>
+                        <a14:foregroundMark x1="82022" y1="93939" x2="83596" y2="93939"/>
+                        <a14:foregroundMark x1="84944" y1="93939" x2="86292" y2="92929"/>
+                        <a14:foregroundMark x1="88989" y1="84512" x2="89663" y2="82492"/>
+                        <a14:foregroundMark x1="90562" y1="82492" x2="90562" y2="82492"/>
+                        <a14:foregroundMark x1="90562" y1="82492" x2="91685" y2="82492"/>
+                        <a14:foregroundMark x1="92584" y1="82828" x2="93483" y2="82828"/>
+                        <a14:foregroundMark x1="88989" y1="85522" x2="89663" y2="87205"/>
+                        <a14:foregroundMark x1="90337" y1="87879" x2="92135" y2="88552"/>
+                        <a14:foregroundMark x1="92584" y1="88889" x2="93483" y2="89899"/>
+                        <a14:foregroundMark x1="88989" y1="93603" x2="91236" y2="94276"/>
+                      </a14:backgroundRemoval>
+                    </a14:imgEffect>
+                  </a14:imgLayer>
+                </a14:imgProps>
+              </a:ext>
+            </a:extLst>
+          </a:blip>
+          <a:stretch>
+            <a:fillRect/>
+          </a:stretch>
+        </p:blipFill>
+        <p:spPr>
+          <a:xfrm>
+            <a:off x="10325100" y="735895"/>
+            <a:ext cx="1101371" cy="735072"/>
+          </a:xfrm>
+          <a:prstGeom prst="rect">
+            <a:avLst/>
+          </a:prstGeom>
         </p:spPr>
       </p:pic>
     </p:spTree>
@@ -6435,6 +6963,94 @@
           </a:p>
         </p:txBody>
       </p:sp>
+      <p:pic>
+        <p:nvPicPr>
+          <p:cNvPr id="4" name="Picture 3"/>
+          <p:cNvPicPr>
+            <a:picLocks noChangeAspect="1"/>
+          </p:cNvPicPr>
+          <p:nvPr/>
+        </p:nvPicPr>
+        <p:blipFill>
+          <a:blip r:embed="rId2">
+            <a:extLst>
+              <a:ext uri="{BEBA8EAE-BF5A-486C-A8C5-ECC9F3942E4B}">
+                <a14:imgProps xmlns:a14="http://schemas.microsoft.com/office/drawing/2010/main">
+                  <a14:imgLayer r:embed="rId3">
+                    <a14:imgEffect>
+                      <a14:backgroundRemoval t="7744" b="100000" l="10562" r="93933">
+                        <a14:foregroundMark x1="49663" y1="18519" x2="51236" y2="10101"/>
+                        <a14:foregroundMark x1="55281" y1="19865" x2="54157" y2="16835"/>
+                        <a14:foregroundMark x1="53933" y1="15825" x2="51461" y2="7071"/>
+                        <a14:foregroundMark x1="10787" y1="92929" x2="14831" y2="93603"/>
+                        <a14:foregroundMark x1="15730" y1="92929" x2="15955" y2="88889"/>
+                        <a14:foregroundMark x1="14831" y1="88552" x2="12584" y2="87542"/>
+                        <a14:foregroundMark x1="11461" y1="84848" x2="12809" y2="83165"/>
+                        <a14:foregroundMark x1="19551" y1="81145" x2="19551" y2="91246"/>
+                        <a14:foregroundMark x1="25393" y1="82828" x2="25393" y2="88215"/>
+                        <a14:foregroundMark x1="25393" y1="78788" x2="25393" y2="78114"/>
+                        <a14:foregroundMark x1="29663" y1="85185" x2="32360" y2="83165"/>
+                        <a14:foregroundMark x1="28989" y1="87205" x2="29663" y2="90909"/>
+                        <a14:foregroundMark x1="38427" y1="90236" x2="38427" y2="82828"/>
+                        <a14:foregroundMark x1="40674" y1="87205" x2="42472" y2="85859"/>
+                        <a14:foregroundMark x1="50787" y1="92593" x2="47865" y2="86869"/>
+                        <a14:foregroundMark x1="48315" y1="99327" x2="49213" y2="96633"/>
+                        <a14:foregroundMark x1="51685" y1="90236" x2="52360" y2="87205"/>
+                        <a14:foregroundMark x1="55506" y1="92593" x2="55506" y2="87542"/>
+                        <a14:foregroundMark x1="55506" y1="86195" x2="55506" y2="83165"/>
+                        <a14:foregroundMark x1="56629" y1="84175" x2="57978" y2="82492"/>
+                        <a14:foregroundMark x1="59326" y1="82492" x2="61348" y2="83165"/>
+                        <a14:foregroundMark x1="61798" y1="84175" x2="62247" y2="88215"/>
+                        <a14:foregroundMark x1="62247" y1="93603" x2="62247" y2="90909"/>
+                        <a14:foregroundMark x1="64944" y1="87542" x2="65169" y2="84848"/>
+                        <a14:foregroundMark x1="66517" y1="83838" x2="67865" y2="82492"/>
+                        <a14:foregroundMark x1="70112" y1="83165" x2="71685" y2="84175"/>
+                        <a14:foregroundMark x1="72360" y1="88552" x2="71910" y2="91582"/>
+                        <a14:foregroundMark x1="71236" y1="93266" x2="68764" y2="94276"/>
+                        <a14:foregroundMark x1="67640" y1="94276" x2="65393" y2="91919"/>
+                        <a14:foregroundMark x1="64944" y1="90572" x2="64719" y2="87879"/>
+                        <a14:foregroundMark x1="68090" y1="82828" x2="69438" y2="82492"/>
+                        <a14:foregroundMark x1="75506" y1="86195" x2="75506" y2="81145"/>
+                        <a14:foregroundMark x1="75955" y1="92929" x2="76404" y2="94276"/>
+                        <a14:foregroundMark x1="78202" y1="93939" x2="76629" y2="93939"/>
+                        <a14:foregroundMark x1="79775" y1="88889" x2="79775" y2="86195"/>
+                        <a14:foregroundMark x1="80225" y1="85185" x2="81798" y2="83165"/>
+                        <a14:foregroundMark x1="83596" y1="82828" x2="84944" y2="82828"/>
+                        <a14:foregroundMark x1="85843" y1="83838" x2="86742" y2="85522"/>
+                        <a14:foregroundMark x1="86966" y1="88215" x2="84719" y2="88215"/>
+                        <a14:foregroundMark x1="80449" y1="88215" x2="83596" y2="87879"/>
+                        <a14:foregroundMark x1="79775" y1="90572" x2="81124" y2="92929"/>
+                        <a14:foregroundMark x1="82022" y1="93939" x2="83596" y2="93939"/>
+                        <a14:foregroundMark x1="84944" y1="93939" x2="86292" y2="92929"/>
+                        <a14:foregroundMark x1="88989" y1="84512" x2="89663" y2="82492"/>
+                        <a14:foregroundMark x1="90562" y1="82492" x2="90562" y2="82492"/>
+                        <a14:foregroundMark x1="90562" y1="82492" x2="91685" y2="82492"/>
+                        <a14:foregroundMark x1="92584" y1="82828" x2="93483" y2="82828"/>
+                        <a14:foregroundMark x1="88989" y1="85522" x2="89663" y2="87205"/>
+                        <a14:foregroundMark x1="90337" y1="87879" x2="92135" y2="88552"/>
+                        <a14:foregroundMark x1="92584" y1="88889" x2="93483" y2="89899"/>
+                        <a14:foregroundMark x1="88989" y1="93603" x2="91236" y2="94276"/>
+                      </a14:backgroundRemoval>
+                    </a14:imgEffect>
+                  </a14:imgLayer>
+                </a14:imgProps>
+              </a:ext>
+            </a:extLst>
+          </a:blip>
+          <a:stretch>
+            <a:fillRect/>
+          </a:stretch>
+        </p:blipFill>
+        <p:spPr>
+          <a:xfrm>
+            <a:off x="9742792" y="735895"/>
+            <a:ext cx="1683679" cy="1123714"/>
+          </a:xfrm>
+          <a:prstGeom prst="rect">
+            <a:avLst/>
+          </a:prstGeom>
+        </p:spPr>
+      </p:pic>
     </p:spTree>
     <p:extLst>
       <p:ext uri="{BB962C8B-B14F-4D97-AF65-F5344CB8AC3E}">
@@ -6566,6 +7182,94 @@
           <a:xfrm>
             <a:off x="4429376" y="4754227"/>
             <a:ext cx="2650693" cy="1001920"/>
+          </a:xfrm>
+          <a:prstGeom prst="rect">
+            <a:avLst/>
+          </a:prstGeom>
+        </p:spPr>
+      </p:pic>
+      <p:pic>
+        <p:nvPicPr>
+          <p:cNvPr id="7" name="Picture 6"/>
+          <p:cNvPicPr>
+            <a:picLocks noChangeAspect="1"/>
+          </p:cNvPicPr>
+          <p:nvPr/>
+        </p:nvPicPr>
+        <p:blipFill>
+          <a:blip r:embed="rId5">
+            <a:extLst>
+              <a:ext uri="{BEBA8EAE-BF5A-486C-A8C5-ECC9F3942E4B}">
+                <a14:imgProps xmlns:a14="http://schemas.microsoft.com/office/drawing/2010/main">
+                  <a14:imgLayer r:embed="rId6">
+                    <a14:imgEffect>
+                      <a14:backgroundRemoval t="7744" b="100000" l="10562" r="93933">
+                        <a14:foregroundMark x1="49663" y1="18519" x2="51236" y2="10101"/>
+                        <a14:foregroundMark x1="55281" y1="19865" x2="54157" y2="16835"/>
+                        <a14:foregroundMark x1="53933" y1="15825" x2="51461" y2="7071"/>
+                        <a14:foregroundMark x1="10787" y1="92929" x2="14831" y2="93603"/>
+                        <a14:foregroundMark x1="15730" y1="92929" x2="15955" y2="88889"/>
+                        <a14:foregroundMark x1="14831" y1="88552" x2="12584" y2="87542"/>
+                        <a14:foregroundMark x1="11461" y1="84848" x2="12809" y2="83165"/>
+                        <a14:foregroundMark x1="19551" y1="81145" x2="19551" y2="91246"/>
+                        <a14:foregroundMark x1="25393" y1="82828" x2="25393" y2="88215"/>
+                        <a14:foregroundMark x1="25393" y1="78788" x2="25393" y2="78114"/>
+                        <a14:foregroundMark x1="29663" y1="85185" x2="32360" y2="83165"/>
+                        <a14:foregroundMark x1="28989" y1="87205" x2="29663" y2="90909"/>
+                        <a14:foregroundMark x1="38427" y1="90236" x2="38427" y2="82828"/>
+                        <a14:foregroundMark x1="40674" y1="87205" x2="42472" y2="85859"/>
+                        <a14:foregroundMark x1="50787" y1="92593" x2="47865" y2="86869"/>
+                        <a14:foregroundMark x1="48315" y1="99327" x2="49213" y2="96633"/>
+                        <a14:foregroundMark x1="51685" y1="90236" x2="52360" y2="87205"/>
+                        <a14:foregroundMark x1="55506" y1="92593" x2="55506" y2="87542"/>
+                        <a14:foregroundMark x1="55506" y1="86195" x2="55506" y2="83165"/>
+                        <a14:foregroundMark x1="56629" y1="84175" x2="57978" y2="82492"/>
+                        <a14:foregroundMark x1="59326" y1="82492" x2="61348" y2="83165"/>
+                        <a14:foregroundMark x1="61798" y1="84175" x2="62247" y2="88215"/>
+                        <a14:foregroundMark x1="62247" y1="93603" x2="62247" y2="90909"/>
+                        <a14:foregroundMark x1="64944" y1="87542" x2="65169" y2="84848"/>
+                        <a14:foregroundMark x1="66517" y1="83838" x2="67865" y2="82492"/>
+                        <a14:foregroundMark x1="70112" y1="83165" x2="71685" y2="84175"/>
+                        <a14:foregroundMark x1="72360" y1="88552" x2="71910" y2="91582"/>
+                        <a14:foregroundMark x1="71236" y1="93266" x2="68764" y2="94276"/>
+                        <a14:foregroundMark x1="67640" y1="94276" x2="65393" y2="91919"/>
+                        <a14:foregroundMark x1="64944" y1="90572" x2="64719" y2="87879"/>
+                        <a14:foregroundMark x1="68090" y1="82828" x2="69438" y2="82492"/>
+                        <a14:foregroundMark x1="75506" y1="86195" x2="75506" y2="81145"/>
+                        <a14:foregroundMark x1="75955" y1="92929" x2="76404" y2="94276"/>
+                        <a14:foregroundMark x1="78202" y1="93939" x2="76629" y2="93939"/>
+                        <a14:foregroundMark x1="79775" y1="88889" x2="79775" y2="86195"/>
+                        <a14:foregroundMark x1="80225" y1="85185" x2="81798" y2="83165"/>
+                        <a14:foregroundMark x1="83596" y1="82828" x2="84944" y2="82828"/>
+                        <a14:foregroundMark x1="85843" y1="83838" x2="86742" y2="85522"/>
+                        <a14:foregroundMark x1="86966" y1="88215" x2="84719" y2="88215"/>
+                        <a14:foregroundMark x1="80449" y1="88215" x2="83596" y2="87879"/>
+                        <a14:foregroundMark x1="79775" y1="90572" x2="81124" y2="92929"/>
+                        <a14:foregroundMark x1="82022" y1="93939" x2="83596" y2="93939"/>
+                        <a14:foregroundMark x1="84944" y1="93939" x2="86292" y2="92929"/>
+                        <a14:foregroundMark x1="88989" y1="84512" x2="89663" y2="82492"/>
+                        <a14:foregroundMark x1="90562" y1="82492" x2="90562" y2="82492"/>
+                        <a14:foregroundMark x1="90562" y1="82492" x2="91685" y2="82492"/>
+                        <a14:foregroundMark x1="92584" y1="82828" x2="93483" y2="82828"/>
+                        <a14:foregroundMark x1="88989" y1="85522" x2="89663" y2="87205"/>
+                        <a14:foregroundMark x1="90337" y1="87879" x2="92135" y2="88552"/>
+                        <a14:foregroundMark x1="92584" y1="88889" x2="93483" y2="89899"/>
+                        <a14:foregroundMark x1="88989" y1="93603" x2="91236" y2="94276"/>
+                      </a14:backgroundRemoval>
+                    </a14:imgEffect>
+                  </a14:imgLayer>
+                </a14:imgProps>
+              </a:ext>
+            </a:extLst>
+          </a:blip>
+          <a:stretch>
+            <a:fillRect/>
+          </a:stretch>
+        </p:blipFill>
+        <p:spPr>
+          <a:xfrm>
+            <a:off x="10325100" y="735895"/>
+            <a:ext cx="1101371" cy="735072"/>
           </a:xfrm>
           <a:prstGeom prst="rect">
             <a:avLst/>
@@ -6762,6 +7466,94 @@
           </a:p>
         </p:txBody>
       </p:sp>
+      <p:pic>
+        <p:nvPicPr>
+          <p:cNvPr id="8" name="Picture 7"/>
+          <p:cNvPicPr>
+            <a:picLocks noChangeAspect="1"/>
+          </p:cNvPicPr>
+          <p:nvPr/>
+        </p:nvPicPr>
+        <p:blipFill>
+          <a:blip r:embed="rId5">
+            <a:extLst>
+              <a:ext uri="{BEBA8EAE-BF5A-486C-A8C5-ECC9F3942E4B}">
+                <a14:imgProps xmlns:a14="http://schemas.microsoft.com/office/drawing/2010/main">
+                  <a14:imgLayer r:embed="rId6">
+                    <a14:imgEffect>
+                      <a14:backgroundRemoval t="7744" b="100000" l="10562" r="93933">
+                        <a14:foregroundMark x1="49663" y1="18519" x2="51236" y2="10101"/>
+                        <a14:foregroundMark x1="55281" y1="19865" x2="54157" y2="16835"/>
+                        <a14:foregroundMark x1="53933" y1="15825" x2="51461" y2="7071"/>
+                        <a14:foregroundMark x1="10787" y1="92929" x2="14831" y2="93603"/>
+                        <a14:foregroundMark x1="15730" y1="92929" x2="15955" y2="88889"/>
+                        <a14:foregroundMark x1="14831" y1="88552" x2="12584" y2="87542"/>
+                        <a14:foregroundMark x1="11461" y1="84848" x2="12809" y2="83165"/>
+                        <a14:foregroundMark x1="19551" y1="81145" x2="19551" y2="91246"/>
+                        <a14:foregroundMark x1="25393" y1="82828" x2="25393" y2="88215"/>
+                        <a14:foregroundMark x1="25393" y1="78788" x2="25393" y2="78114"/>
+                        <a14:foregroundMark x1="29663" y1="85185" x2="32360" y2="83165"/>
+                        <a14:foregroundMark x1="28989" y1="87205" x2="29663" y2="90909"/>
+                        <a14:foregroundMark x1="38427" y1="90236" x2="38427" y2="82828"/>
+                        <a14:foregroundMark x1="40674" y1="87205" x2="42472" y2="85859"/>
+                        <a14:foregroundMark x1="50787" y1="92593" x2="47865" y2="86869"/>
+                        <a14:foregroundMark x1="48315" y1="99327" x2="49213" y2="96633"/>
+                        <a14:foregroundMark x1="51685" y1="90236" x2="52360" y2="87205"/>
+                        <a14:foregroundMark x1="55506" y1="92593" x2="55506" y2="87542"/>
+                        <a14:foregroundMark x1="55506" y1="86195" x2="55506" y2="83165"/>
+                        <a14:foregroundMark x1="56629" y1="84175" x2="57978" y2="82492"/>
+                        <a14:foregroundMark x1="59326" y1="82492" x2="61348" y2="83165"/>
+                        <a14:foregroundMark x1="61798" y1="84175" x2="62247" y2="88215"/>
+                        <a14:foregroundMark x1="62247" y1="93603" x2="62247" y2="90909"/>
+                        <a14:foregroundMark x1="64944" y1="87542" x2="65169" y2="84848"/>
+                        <a14:foregroundMark x1="66517" y1="83838" x2="67865" y2="82492"/>
+                        <a14:foregroundMark x1="70112" y1="83165" x2="71685" y2="84175"/>
+                        <a14:foregroundMark x1="72360" y1="88552" x2="71910" y2="91582"/>
+                        <a14:foregroundMark x1="71236" y1="93266" x2="68764" y2="94276"/>
+                        <a14:foregroundMark x1="67640" y1="94276" x2="65393" y2="91919"/>
+                        <a14:foregroundMark x1="64944" y1="90572" x2="64719" y2="87879"/>
+                        <a14:foregroundMark x1="68090" y1="82828" x2="69438" y2="82492"/>
+                        <a14:foregroundMark x1="75506" y1="86195" x2="75506" y2="81145"/>
+                        <a14:foregroundMark x1="75955" y1="92929" x2="76404" y2="94276"/>
+                        <a14:foregroundMark x1="78202" y1="93939" x2="76629" y2="93939"/>
+                        <a14:foregroundMark x1="79775" y1="88889" x2="79775" y2="86195"/>
+                        <a14:foregroundMark x1="80225" y1="85185" x2="81798" y2="83165"/>
+                        <a14:foregroundMark x1="83596" y1="82828" x2="84944" y2="82828"/>
+                        <a14:foregroundMark x1="85843" y1="83838" x2="86742" y2="85522"/>
+                        <a14:foregroundMark x1="86966" y1="88215" x2="84719" y2="88215"/>
+                        <a14:foregroundMark x1="80449" y1="88215" x2="83596" y2="87879"/>
+                        <a14:foregroundMark x1="79775" y1="90572" x2="81124" y2="92929"/>
+                        <a14:foregroundMark x1="82022" y1="93939" x2="83596" y2="93939"/>
+                        <a14:foregroundMark x1="84944" y1="93939" x2="86292" y2="92929"/>
+                        <a14:foregroundMark x1="88989" y1="84512" x2="89663" y2="82492"/>
+                        <a14:foregroundMark x1="90562" y1="82492" x2="90562" y2="82492"/>
+                        <a14:foregroundMark x1="90562" y1="82492" x2="91685" y2="82492"/>
+                        <a14:foregroundMark x1="92584" y1="82828" x2="93483" y2="82828"/>
+                        <a14:foregroundMark x1="88989" y1="85522" x2="89663" y2="87205"/>
+                        <a14:foregroundMark x1="90337" y1="87879" x2="92135" y2="88552"/>
+                        <a14:foregroundMark x1="92584" y1="88889" x2="93483" y2="89899"/>
+                        <a14:foregroundMark x1="88989" y1="93603" x2="91236" y2="94276"/>
+                      </a14:backgroundRemoval>
+                    </a14:imgEffect>
+                  </a14:imgLayer>
+                </a14:imgProps>
+              </a:ext>
+            </a:extLst>
+          </a:blip>
+          <a:stretch>
+            <a:fillRect/>
+          </a:stretch>
+        </p:blipFill>
+        <p:spPr>
+          <a:xfrm>
+            <a:off x="10325100" y="735895"/>
+            <a:ext cx="1101371" cy="735072"/>
+          </a:xfrm>
+          <a:prstGeom prst="rect">
+            <a:avLst/>
+          </a:prstGeom>
+        </p:spPr>
+      </p:pic>
     </p:spTree>
     <p:extLst>
       <p:ext uri="{BB962C8B-B14F-4D97-AF65-F5344CB8AC3E}">
@@ -6853,6 +7645,94 @@
           <a:xfrm>
             <a:off x="1295400" y="2556932"/>
             <a:ext cx="7208519" cy="3563210"/>
+          </a:xfrm>
+          <a:prstGeom prst="rect">
+            <a:avLst/>
+          </a:prstGeom>
+        </p:spPr>
+      </p:pic>
+      <p:pic>
+        <p:nvPicPr>
+          <p:cNvPr id="5" name="Picture 4"/>
+          <p:cNvPicPr>
+            <a:picLocks noChangeAspect="1"/>
+          </p:cNvPicPr>
+          <p:nvPr/>
+        </p:nvPicPr>
+        <p:blipFill>
+          <a:blip r:embed="rId3">
+            <a:extLst>
+              <a:ext uri="{BEBA8EAE-BF5A-486C-A8C5-ECC9F3942E4B}">
+                <a14:imgProps xmlns:a14="http://schemas.microsoft.com/office/drawing/2010/main">
+                  <a14:imgLayer r:embed="rId4">
+                    <a14:imgEffect>
+                      <a14:backgroundRemoval t="7744" b="100000" l="10562" r="93933">
+                        <a14:foregroundMark x1="49663" y1="18519" x2="51236" y2="10101"/>
+                        <a14:foregroundMark x1="55281" y1="19865" x2="54157" y2="16835"/>
+                        <a14:foregroundMark x1="53933" y1="15825" x2="51461" y2="7071"/>
+                        <a14:foregroundMark x1="10787" y1="92929" x2="14831" y2="93603"/>
+                        <a14:foregroundMark x1="15730" y1="92929" x2="15955" y2="88889"/>
+                        <a14:foregroundMark x1="14831" y1="88552" x2="12584" y2="87542"/>
+                        <a14:foregroundMark x1="11461" y1="84848" x2="12809" y2="83165"/>
+                        <a14:foregroundMark x1="19551" y1="81145" x2="19551" y2="91246"/>
+                        <a14:foregroundMark x1="25393" y1="82828" x2="25393" y2="88215"/>
+                        <a14:foregroundMark x1="25393" y1="78788" x2="25393" y2="78114"/>
+                        <a14:foregroundMark x1="29663" y1="85185" x2="32360" y2="83165"/>
+                        <a14:foregroundMark x1="28989" y1="87205" x2="29663" y2="90909"/>
+                        <a14:foregroundMark x1="38427" y1="90236" x2="38427" y2="82828"/>
+                        <a14:foregroundMark x1="40674" y1="87205" x2="42472" y2="85859"/>
+                        <a14:foregroundMark x1="50787" y1="92593" x2="47865" y2="86869"/>
+                        <a14:foregroundMark x1="48315" y1="99327" x2="49213" y2="96633"/>
+                        <a14:foregroundMark x1="51685" y1="90236" x2="52360" y2="87205"/>
+                        <a14:foregroundMark x1="55506" y1="92593" x2="55506" y2="87542"/>
+                        <a14:foregroundMark x1="55506" y1="86195" x2="55506" y2="83165"/>
+                        <a14:foregroundMark x1="56629" y1="84175" x2="57978" y2="82492"/>
+                        <a14:foregroundMark x1="59326" y1="82492" x2="61348" y2="83165"/>
+                        <a14:foregroundMark x1="61798" y1="84175" x2="62247" y2="88215"/>
+                        <a14:foregroundMark x1="62247" y1="93603" x2="62247" y2="90909"/>
+                        <a14:foregroundMark x1="64944" y1="87542" x2="65169" y2="84848"/>
+                        <a14:foregroundMark x1="66517" y1="83838" x2="67865" y2="82492"/>
+                        <a14:foregroundMark x1="70112" y1="83165" x2="71685" y2="84175"/>
+                        <a14:foregroundMark x1="72360" y1="88552" x2="71910" y2="91582"/>
+                        <a14:foregroundMark x1="71236" y1="93266" x2="68764" y2="94276"/>
+                        <a14:foregroundMark x1="67640" y1="94276" x2="65393" y2="91919"/>
+                        <a14:foregroundMark x1="64944" y1="90572" x2="64719" y2="87879"/>
+                        <a14:foregroundMark x1="68090" y1="82828" x2="69438" y2="82492"/>
+                        <a14:foregroundMark x1="75506" y1="86195" x2="75506" y2="81145"/>
+                        <a14:foregroundMark x1="75955" y1="92929" x2="76404" y2="94276"/>
+                        <a14:foregroundMark x1="78202" y1="93939" x2="76629" y2="93939"/>
+                        <a14:foregroundMark x1="79775" y1="88889" x2="79775" y2="86195"/>
+                        <a14:foregroundMark x1="80225" y1="85185" x2="81798" y2="83165"/>
+                        <a14:foregroundMark x1="83596" y1="82828" x2="84944" y2="82828"/>
+                        <a14:foregroundMark x1="85843" y1="83838" x2="86742" y2="85522"/>
+                        <a14:foregroundMark x1="86966" y1="88215" x2="84719" y2="88215"/>
+                        <a14:foregroundMark x1="80449" y1="88215" x2="83596" y2="87879"/>
+                        <a14:foregroundMark x1="79775" y1="90572" x2="81124" y2="92929"/>
+                        <a14:foregroundMark x1="82022" y1="93939" x2="83596" y2="93939"/>
+                        <a14:foregroundMark x1="84944" y1="93939" x2="86292" y2="92929"/>
+                        <a14:foregroundMark x1="88989" y1="84512" x2="89663" y2="82492"/>
+                        <a14:foregroundMark x1="90562" y1="82492" x2="90562" y2="82492"/>
+                        <a14:foregroundMark x1="90562" y1="82492" x2="91685" y2="82492"/>
+                        <a14:foregroundMark x1="92584" y1="82828" x2="93483" y2="82828"/>
+                        <a14:foregroundMark x1="88989" y1="85522" x2="89663" y2="87205"/>
+                        <a14:foregroundMark x1="90337" y1="87879" x2="92135" y2="88552"/>
+                        <a14:foregroundMark x1="92584" y1="88889" x2="93483" y2="89899"/>
+                        <a14:foregroundMark x1="88989" y1="93603" x2="91236" y2="94276"/>
+                      </a14:backgroundRemoval>
+                    </a14:imgEffect>
+                  </a14:imgLayer>
+                </a14:imgProps>
+              </a:ext>
+            </a:extLst>
+          </a:blip>
+          <a:stretch>
+            <a:fillRect/>
+          </a:stretch>
+        </p:blipFill>
+        <p:spPr>
+          <a:xfrm>
+            <a:off x="10325100" y="735895"/>
+            <a:ext cx="1101371" cy="735072"/>
           </a:xfrm>
           <a:prstGeom prst="rect">
             <a:avLst/>
@@ -6954,6 +7834,94 @@
           </a:prstGeom>
         </p:spPr>
       </p:pic>
+      <p:pic>
+        <p:nvPicPr>
+          <p:cNvPr id="6" name="Picture 5"/>
+          <p:cNvPicPr>
+            <a:picLocks noChangeAspect="1"/>
+          </p:cNvPicPr>
+          <p:nvPr/>
+        </p:nvPicPr>
+        <p:blipFill>
+          <a:blip r:embed="rId3">
+            <a:extLst>
+              <a:ext uri="{BEBA8EAE-BF5A-486C-A8C5-ECC9F3942E4B}">
+                <a14:imgProps xmlns:a14="http://schemas.microsoft.com/office/drawing/2010/main">
+                  <a14:imgLayer r:embed="rId4">
+                    <a14:imgEffect>
+                      <a14:backgroundRemoval t="7744" b="100000" l="10562" r="93933">
+                        <a14:foregroundMark x1="49663" y1="18519" x2="51236" y2="10101"/>
+                        <a14:foregroundMark x1="55281" y1="19865" x2="54157" y2="16835"/>
+                        <a14:foregroundMark x1="53933" y1="15825" x2="51461" y2="7071"/>
+                        <a14:foregroundMark x1="10787" y1="92929" x2="14831" y2="93603"/>
+                        <a14:foregroundMark x1="15730" y1="92929" x2="15955" y2="88889"/>
+                        <a14:foregroundMark x1="14831" y1="88552" x2="12584" y2="87542"/>
+                        <a14:foregroundMark x1="11461" y1="84848" x2="12809" y2="83165"/>
+                        <a14:foregroundMark x1="19551" y1="81145" x2="19551" y2="91246"/>
+                        <a14:foregroundMark x1="25393" y1="82828" x2="25393" y2="88215"/>
+                        <a14:foregroundMark x1="25393" y1="78788" x2="25393" y2="78114"/>
+                        <a14:foregroundMark x1="29663" y1="85185" x2="32360" y2="83165"/>
+                        <a14:foregroundMark x1="28989" y1="87205" x2="29663" y2="90909"/>
+                        <a14:foregroundMark x1="38427" y1="90236" x2="38427" y2="82828"/>
+                        <a14:foregroundMark x1="40674" y1="87205" x2="42472" y2="85859"/>
+                        <a14:foregroundMark x1="50787" y1="92593" x2="47865" y2="86869"/>
+                        <a14:foregroundMark x1="48315" y1="99327" x2="49213" y2="96633"/>
+                        <a14:foregroundMark x1="51685" y1="90236" x2="52360" y2="87205"/>
+                        <a14:foregroundMark x1="55506" y1="92593" x2="55506" y2="87542"/>
+                        <a14:foregroundMark x1="55506" y1="86195" x2="55506" y2="83165"/>
+                        <a14:foregroundMark x1="56629" y1="84175" x2="57978" y2="82492"/>
+                        <a14:foregroundMark x1="59326" y1="82492" x2="61348" y2="83165"/>
+                        <a14:foregroundMark x1="61798" y1="84175" x2="62247" y2="88215"/>
+                        <a14:foregroundMark x1="62247" y1="93603" x2="62247" y2="90909"/>
+                        <a14:foregroundMark x1="64944" y1="87542" x2="65169" y2="84848"/>
+                        <a14:foregroundMark x1="66517" y1="83838" x2="67865" y2="82492"/>
+                        <a14:foregroundMark x1="70112" y1="83165" x2="71685" y2="84175"/>
+                        <a14:foregroundMark x1="72360" y1="88552" x2="71910" y2="91582"/>
+                        <a14:foregroundMark x1="71236" y1="93266" x2="68764" y2="94276"/>
+                        <a14:foregroundMark x1="67640" y1="94276" x2="65393" y2="91919"/>
+                        <a14:foregroundMark x1="64944" y1="90572" x2="64719" y2="87879"/>
+                        <a14:foregroundMark x1="68090" y1="82828" x2="69438" y2="82492"/>
+                        <a14:foregroundMark x1="75506" y1="86195" x2="75506" y2="81145"/>
+                        <a14:foregroundMark x1="75955" y1="92929" x2="76404" y2="94276"/>
+                        <a14:foregroundMark x1="78202" y1="93939" x2="76629" y2="93939"/>
+                        <a14:foregroundMark x1="79775" y1="88889" x2="79775" y2="86195"/>
+                        <a14:foregroundMark x1="80225" y1="85185" x2="81798" y2="83165"/>
+                        <a14:foregroundMark x1="83596" y1="82828" x2="84944" y2="82828"/>
+                        <a14:foregroundMark x1="85843" y1="83838" x2="86742" y2="85522"/>
+                        <a14:foregroundMark x1="86966" y1="88215" x2="84719" y2="88215"/>
+                        <a14:foregroundMark x1="80449" y1="88215" x2="83596" y2="87879"/>
+                        <a14:foregroundMark x1="79775" y1="90572" x2="81124" y2="92929"/>
+                        <a14:foregroundMark x1="82022" y1="93939" x2="83596" y2="93939"/>
+                        <a14:foregroundMark x1="84944" y1="93939" x2="86292" y2="92929"/>
+                        <a14:foregroundMark x1="88989" y1="84512" x2="89663" y2="82492"/>
+                        <a14:foregroundMark x1="90562" y1="82492" x2="90562" y2="82492"/>
+                        <a14:foregroundMark x1="90562" y1="82492" x2="91685" y2="82492"/>
+                        <a14:foregroundMark x1="92584" y1="82828" x2="93483" y2="82828"/>
+                        <a14:foregroundMark x1="88989" y1="85522" x2="89663" y2="87205"/>
+                        <a14:foregroundMark x1="90337" y1="87879" x2="92135" y2="88552"/>
+                        <a14:foregroundMark x1="92584" y1="88889" x2="93483" y2="89899"/>
+                        <a14:foregroundMark x1="88989" y1="93603" x2="91236" y2="94276"/>
+                      </a14:backgroundRemoval>
+                    </a14:imgEffect>
+                  </a14:imgLayer>
+                </a14:imgProps>
+              </a:ext>
+            </a:extLst>
+          </a:blip>
+          <a:stretch>
+            <a:fillRect/>
+          </a:stretch>
+        </p:blipFill>
+        <p:spPr>
+          <a:xfrm>
+            <a:off x="10325100" y="735895"/>
+            <a:ext cx="1101371" cy="735072"/>
+          </a:xfrm>
+          <a:prstGeom prst="rect">
+            <a:avLst/>
+          </a:prstGeom>
+        </p:spPr>
+      </p:pic>
     </p:spTree>
     <p:extLst>
       <p:ext uri="{BB962C8B-B14F-4D97-AF65-F5344CB8AC3E}">
@@ -7024,6 +7992,94 @@
           <a:xfrm>
             <a:off x="1295401" y="2556933"/>
             <a:ext cx="8018416" cy="3471706"/>
+          </a:xfrm>
+          <a:prstGeom prst="rect">
+            <a:avLst/>
+          </a:prstGeom>
+        </p:spPr>
+      </p:pic>
+      <p:pic>
+        <p:nvPicPr>
+          <p:cNvPr id="4" name="Picture 3"/>
+          <p:cNvPicPr>
+            <a:picLocks noChangeAspect="1"/>
+          </p:cNvPicPr>
+          <p:nvPr/>
+        </p:nvPicPr>
+        <p:blipFill>
+          <a:blip r:embed="rId3">
+            <a:extLst>
+              <a:ext uri="{BEBA8EAE-BF5A-486C-A8C5-ECC9F3942E4B}">
+                <a14:imgProps xmlns:a14="http://schemas.microsoft.com/office/drawing/2010/main">
+                  <a14:imgLayer r:embed="rId4">
+                    <a14:imgEffect>
+                      <a14:backgroundRemoval t="7744" b="100000" l="10562" r="93933">
+                        <a14:foregroundMark x1="49663" y1="18519" x2="51236" y2="10101"/>
+                        <a14:foregroundMark x1="55281" y1="19865" x2="54157" y2="16835"/>
+                        <a14:foregroundMark x1="53933" y1="15825" x2="51461" y2="7071"/>
+                        <a14:foregroundMark x1="10787" y1="92929" x2="14831" y2="93603"/>
+                        <a14:foregroundMark x1="15730" y1="92929" x2="15955" y2="88889"/>
+                        <a14:foregroundMark x1="14831" y1="88552" x2="12584" y2="87542"/>
+                        <a14:foregroundMark x1="11461" y1="84848" x2="12809" y2="83165"/>
+                        <a14:foregroundMark x1="19551" y1="81145" x2="19551" y2="91246"/>
+                        <a14:foregroundMark x1="25393" y1="82828" x2="25393" y2="88215"/>
+                        <a14:foregroundMark x1="25393" y1="78788" x2="25393" y2="78114"/>
+                        <a14:foregroundMark x1="29663" y1="85185" x2="32360" y2="83165"/>
+                        <a14:foregroundMark x1="28989" y1="87205" x2="29663" y2="90909"/>
+                        <a14:foregroundMark x1="38427" y1="90236" x2="38427" y2="82828"/>
+                        <a14:foregroundMark x1="40674" y1="87205" x2="42472" y2="85859"/>
+                        <a14:foregroundMark x1="50787" y1="92593" x2="47865" y2="86869"/>
+                        <a14:foregroundMark x1="48315" y1="99327" x2="49213" y2="96633"/>
+                        <a14:foregroundMark x1="51685" y1="90236" x2="52360" y2="87205"/>
+                        <a14:foregroundMark x1="55506" y1="92593" x2="55506" y2="87542"/>
+                        <a14:foregroundMark x1="55506" y1="86195" x2="55506" y2="83165"/>
+                        <a14:foregroundMark x1="56629" y1="84175" x2="57978" y2="82492"/>
+                        <a14:foregroundMark x1="59326" y1="82492" x2="61348" y2="83165"/>
+                        <a14:foregroundMark x1="61798" y1="84175" x2="62247" y2="88215"/>
+                        <a14:foregroundMark x1="62247" y1="93603" x2="62247" y2="90909"/>
+                        <a14:foregroundMark x1="64944" y1="87542" x2="65169" y2="84848"/>
+                        <a14:foregroundMark x1="66517" y1="83838" x2="67865" y2="82492"/>
+                        <a14:foregroundMark x1="70112" y1="83165" x2="71685" y2="84175"/>
+                        <a14:foregroundMark x1="72360" y1="88552" x2="71910" y2="91582"/>
+                        <a14:foregroundMark x1="71236" y1="93266" x2="68764" y2="94276"/>
+                        <a14:foregroundMark x1="67640" y1="94276" x2="65393" y2="91919"/>
+                        <a14:foregroundMark x1="64944" y1="90572" x2="64719" y2="87879"/>
+                        <a14:foregroundMark x1="68090" y1="82828" x2="69438" y2="82492"/>
+                        <a14:foregroundMark x1="75506" y1="86195" x2="75506" y2="81145"/>
+                        <a14:foregroundMark x1="75955" y1="92929" x2="76404" y2="94276"/>
+                        <a14:foregroundMark x1="78202" y1="93939" x2="76629" y2="93939"/>
+                        <a14:foregroundMark x1="79775" y1="88889" x2="79775" y2="86195"/>
+                        <a14:foregroundMark x1="80225" y1="85185" x2="81798" y2="83165"/>
+                        <a14:foregroundMark x1="83596" y1="82828" x2="84944" y2="82828"/>
+                        <a14:foregroundMark x1="85843" y1="83838" x2="86742" y2="85522"/>
+                        <a14:foregroundMark x1="86966" y1="88215" x2="84719" y2="88215"/>
+                        <a14:foregroundMark x1="80449" y1="88215" x2="83596" y2="87879"/>
+                        <a14:foregroundMark x1="79775" y1="90572" x2="81124" y2="92929"/>
+                        <a14:foregroundMark x1="82022" y1="93939" x2="83596" y2="93939"/>
+                        <a14:foregroundMark x1="84944" y1="93939" x2="86292" y2="92929"/>
+                        <a14:foregroundMark x1="88989" y1="84512" x2="89663" y2="82492"/>
+                        <a14:foregroundMark x1="90562" y1="82492" x2="90562" y2="82492"/>
+                        <a14:foregroundMark x1="90562" y1="82492" x2="91685" y2="82492"/>
+                        <a14:foregroundMark x1="92584" y1="82828" x2="93483" y2="82828"/>
+                        <a14:foregroundMark x1="88989" y1="85522" x2="89663" y2="87205"/>
+                        <a14:foregroundMark x1="90337" y1="87879" x2="92135" y2="88552"/>
+                        <a14:foregroundMark x1="92584" y1="88889" x2="93483" y2="89899"/>
+                        <a14:foregroundMark x1="88989" y1="93603" x2="91236" y2="94276"/>
+                      </a14:backgroundRemoval>
+                    </a14:imgEffect>
+                  </a14:imgLayer>
+                </a14:imgProps>
+              </a:ext>
+            </a:extLst>
+          </a:blip>
+          <a:stretch>
+            <a:fillRect/>
+          </a:stretch>
+        </p:blipFill>
+        <p:spPr>
+          <a:xfrm>
+            <a:off x="10325100" y="735895"/>
+            <a:ext cx="1101371" cy="735072"/>
           </a:xfrm>
           <a:prstGeom prst="rect">
             <a:avLst/>

--- a/Sticky-Notes.pptx
+++ b/Sticky-Notes.pptx
@@ -15,7 +15,9 @@
     <p:sldId id="260" r:id="rId9"/>
     <p:sldId id="261" r:id="rId10"/>
     <p:sldId id="262" r:id="rId11"/>
-    <p:sldId id="264" r:id="rId12"/>
+    <p:sldId id="268" r:id="rId12"/>
+    <p:sldId id="269" r:id="rId13"/>
+    <p:sldId id="264" r:id="rId14"/>
   </p:sldIdLst>
   <p:sldSz cx="12192000" cy="6858000"/>
   <p:notesSz cx="6858000" cy="9144000"/>
@@ -6317,6 +6319,875 @@
       </p:grpSpPr>
       <p:sp>
         <p:nvSpPr>
+          <p:cNvPr id="2" name="عنوان 1">
+            <a:extLst>
+              <a:ext uri="{FF2B5EF4-FFF2-40B4-BE49-F238E27FC236}">
+                <a16:creationId xmlns:a16="http://schemas.microsoft.com/office/drawing/2014/main" id="{E7A5001A-9D93-4599-A74A-99821B67C087}"/>
+              </a:ext>
+            </a:extLst>
+          </p:cNvPr>
+          <p:cNvSpPr>
+            <a:spLocks noGrp="1"/>
+          </p:cNvSpPr>
+          <p:nvPr>
+            <p:ph type="title"/>
+          </p:nvPr>
+        </p:nvSpPr>
+        <p:spPr/>
+        <p:txBody>
+          <a:bodyPr/>
+          <a:lstStyle/>
+          <a:p>
+            <a:endParaRPr lang="en-US"/>
+          </a:p>
+        </p:txBody>
+      </p:sp>
+      <p:pic>
+        <p:nvPicPr>
+          <p:cNvPr id="4" name="صورة 3">
+            <a:extLst>
+              <a:ext uri="{FF2B5EF4-FFF2-40B4-BE49-F238E27FC236}">
+                <a16:creationId xmlns:a16="http://schemas.microsoft.com/office/drawing/2014/main" id="{89CD7E00-EBD6-4D17-A177-94E324B56382}"/>
+              </a:ext>
+            </a:extLst>
+          </p:cNvPr>
+          <p:cNvPicPr>
+            <a:picLocks noChangeAspect="1"/>
+          </p:cNvPicPr>
+          <p:nvPr/>
+        </p:nvPicPr>
+        <p:blipFill>
+          <a:blip r:embed="rId2">
+            <a:extLst>
+              <a:ext uri="{28A0092B-C50C-407E-A947-70E740481C1C}">
+                <a14:useLocalDpi xmlns:a14="http://schemas.microsoft.com/office/drawing/2010/main" val="0"/>
+              </a:ext>
+            </a:extLst>
+          </a:blip>
+          <a:stretch>
+            <a:fillRect/>
+          </a:stretch>
+        </p:blipFill>
+        <p:spPr>
+          <a:xfrm>
+            <a:off x="1332762" y="975394"/>
+            <a:ext cx="9601195" cy="4900474"/>
+          </a:xfrm>
+          <a:prstGeom prst="rect">
+            <a:avLst/>
+          </a:prstGeom>
+        </p:spPr>
+      </p:pic>
+      <p:pic>
+        <p:nvPicPr>
+          <p:cNvPr id="5" name="Picture 5">
+            <a:extLst>
+              <a:ext uri="{FF2B5EF4-FFF2-40B4-BE49-F238E27FC236}">
+                <a16:creationId xmlns:a16="http://schemas.microsoft.com/office/drawing/2014/main" id="{23C92B1D-AB8C-4EB9-9F66-47655D4E09ED}"/>
+              </a:ext>
+            </a:extLst>
+          </p:cNvPr>
+          <p:cNvPicPr>
+            <a:picLocks noChangeAspect="1"/>
+          </p:cNvPicPr>
+          <p:nvPr/>
+        </p:nvPicPr>
+        <p:blipFill>
+          <a:blip r:embed="rId3">
+            <a:extLst>
+              <a:ext uri="{BEBA8EAE-BF5A-486C-A8C5-ECC9F3942E4B}">
+                <a14:imgProps xmlns:a14="http://schemas.microsoft.com/office/drawing/2010/main">
+                  <a14:imgLayer r:embed="rId4">
+                    <a14:imgEffect>
+                      <a14:backgroundRemoval t="7744" b="100000" l="10562" r="93933">
+                        <a14:foregroundMark x1="49663" y1="18519" x2="51236" y2="10101"/>
+                        <a14:foregroundMark x1="55281" y1="19865" x2="54157" y2="16835"/>
+                        <a14:foregroundMark x1="53933" y1="15825" x2="51461" y2="7071"/>
+                        <a14:foregroundMark x1="10787" y1="92929" x2="14831" y2="93603"/>
+                        <a14:foregroundMark x1="15730" y1="92929" x2="15955" y2="88889"/>
+                        <a14:foregroundMark x1="14831" y1="88552" x2="12584" y2="87542"/>
+                        <a14:foregroundMark x1="11461" y1="84848" x2="12809" y2="83165"/>
+                        <a14:foregroundMark x1="19551" y1="81145" x2="19551" y2="91246"/>
+                        <a14:foregroundMark x1="25393" y1="82828" x2="25393" y2="88215"/>
+                        <a14:foregroundMark x1="25393" y1="78788" x2="25393" y2="78114"/>
+                        <a14:foregroundMark x1="29663" y1="85185" x2="32360" y2="83165"/>
+                        <a14:foregroundMark x1="28989" y1="87205" x2="29663" y2="90909"/>
+                        <a14:foregroundMark x1="38427" y1="90236" x2="38427" y2="82828"/>
+                        <a14:foregroundMark x1="40674" y1="87205" x2="42472" y2="85859"/>
+                        <a14:foregroundMark x1="50787" y1="92593" x2="47865" y2="86869"/>
+                        <a14:foregroundMark x1="48315" y1="99327" x2="49213" y2="96633"/>
+                        <a14:foregroundMark x1="51685" y1="90236" x2="52360" y2="87205"/>
+                        <a14:foregroundMark x1="55506" y1="92593" x2="55506" y2="87542"/>
+                        <a14:foregroundMark x1="55506" y1="86195" x2="55506" y2="83165"/>
+                        <a14:foregroundMark x1="56629" y1="84175" x2="57978" y2="82492"/>
+                        <a14:foregroundMark x1="59326" y1="82492" x2="61348" y2="83165"/>
+                        <a14:foregroundMark x1="61798" y1="84175" x2="62247" y2="88215"/>
+                        <a14:foregroundMark x1="62247" y1="93603" x2="62247" y2="90909"/>
+                        <a14:foregroundMark x1="64944" y1="87542" x2="65169" y2="84848"/>
+                        <a14:foregroundMark x1="66517" y1="83838" x2="67865" y2="82492"/>
+                        <a14:foregroundMark x1="70112" y1="83165" x2="71685" y2="84175"/>
+                        <a14:foregroundMark x1="72360" y1="88552" x2="71910" y2="91582"/>
+                        <a14:foregroundMark x1="71236" y1="93266" x2="68764" y2="94276"/>
+                        <a14:foregroundMark x1="67640" y1="94276" x2="65393" y2="91919"/>
+                        <a14:foregroundMark x1="64944" y1="90572" x2="64719" y2="87879"/>
+                        <a14:foregroundMark x1="68090" y1="82828" x2="69438" y2="82492"/>
+                        <a14:foregroundMark x1="75506" y1="86195" x2="75506" y2="81145"/>
+                        <a14:foregroundMark x1="75955" y1="92929" x2="76404" y2="94276"/>
+                        <a14:foregroundMark x1="78202" y1="93939" x2="76629" y2="93939"/>
+                        <a14:foregroundMark x1="79775" y1="88889" x2="79775" y2="86195"/>
+                        <a14:foregroundMark x1="80225" y1="85185" x2="81798" y2="83165"/>
+                        <a14:foregroundMark x1="83596" y1="82828" x2="84944" y2="82828"/>
+                        <a14:foregroundMark x1="85843" y1="83838" x2="86742" y2="85522"/>
+                        <a14:foregroundMark x1="86966" y1="88215" x2="84719" y2="88215"/>
+                        <a14:foregroundMark x1="80449" y1="88215" x2="83596" y2="87879"/>
+                        <a14:foregroundMark x1="79775" y1="90572" x2="81124" y2="92929"/>
+                        <a14:foregroundMark x1="82022" y1="93939" x2="83596" y2="93939"/>
+                        <a14:foregroundMark x1="84944" y1="93939" x2="86292" y2="92929"/>
+                        <a14:foregroundMark x1="88989" y1="84512" x2="89663" y2="82492"/>
+                        <a14:foregroundMark x1="90562" y1="82492" x2="90562" y2="82492"/>
+                        <a14:foregroundMark x1="90562" y1="82492" x2="91685" y2="82492"/>
+                        <a14:foregroundMark x1="92584" y1="82828" x2="93483" y2="82828"/>
+                        <a14:foregroundMark x1="88989" y1="85522" x2="89663" y2="87205"/>
+                        <a14:foregroundMark x1="90337" y1="87879" x2="92135" y2="88552"/>
+                        <a14:foregroundMark x1="92584" y1="88889" x2="93483" y2="89899"/>
+                        <a14:foregroundMark x1="88989" y1="93603" x2="91236" y2="94276"/>
+                      </a14:backgroundRemoval>
+                    </a14:imgEffect>
+                  </a14:imgLayer>
+                </a14:imgProps>
+              </a:ext>
+            </a:extLst>
+          </a:blip>
+          <a:stretch>
+            <a:fillRect/>
+          </a:stretch>
+        </p:blipFill>
+        <p:spPr>
+          <a:xfrm>
+            <a:off x="10383272" y="682629"/>
+            <a:ext cx="1101371" cy="735072"/>
+          </a:xfrm>
+          <a:prstGeom prst="rect">
+            <a:avLst/>
+          </a:prstGeom>
+        </p:spPr>
+      </p:pic>
+    </p:spTree>
+    <p:extLst>
+      <p:ext uri="{BB962C8B-B14F-4D97-AF65-F5344CB8AC3E}">
+        <p14:creationId xmlns:p14="http://schemas.microsoft.com/office/powerpoint/2010/main" val="1052286654"/>
+      </p:ext>
+    </p:extLst>
+  </p:cSld>
+  <p:clrMapOvr>
+    <a:masterClrMapping/>
+  </p:clrMapOvr>
+</p:sld>
+</file>
+
+<file path=ppt/slides/slide12.xml><?xml version="1.0" encoding="utf-8"?>
+<p:sld xmlns:a="http://schemas.openxmlformats.org/drawingml/2006/main" xmlns:r="http://schemas.openxmlformats.org/officeDocument/2006/relationships" xmlns:p="http://schemas.openxmlformats.org/presentationml/2006/main">
+  <p:cSld>
+    <p:spTree>
+      <p:nvGrpSpPr>
+        <p:cNvPr id="1" name=""/>
+        <p:cNvGrpSpPr/>
+        <p:nvPr/>
+      </p:nvGrpSpPr>
+      <p:grpSpPr>
+        <a:xfrm>
+          <a:off x="0" y="0"/>
+          <a:ext cx="0" cy="0"/>
+          <a:chOff x="0" y="0"/>
+          <a:chExt cx="0" cy="0"/>
+        </a:xfrm>
+      </p:grpSpPr>
+      <p:graphicFrame>
+        <p:nvGraphicFramePr>
+          <p:cNvPr id="3" name="جدول 2">
+            <a:extLst>
+              <a:ext uri="{FF2B5EF4-FFF2-40B4-BE49-F238E27FC236}">
+                <a16:creationId xmlns:a16="http://schemas.microsoft.com/office/drawing/2014/main" id="{8A82C1C4-1F98-4498-B5D9-A4615FF983C9}"/>
+              </a:ext>
+            </a:extLst>
+          </p:cNvPr>
+          <p:cNvGraphicFramePr>
+            <a:graphicFrameLocks noGrp="1"/>
+          </p:cNvGraphicFramePr>
+          <p:nvPr>
+            <p:extLst>
+              <p:ext uri="{D42A27DB-BD31-4B8C-83A1-F6EECF244321}">
+                <p14:modId xmlns:p14="http://schemas.microsoft.com/office/powerpoint/2010/main" val="1301659697"/>
+              </p:ext>
+            </p:extLst>
+          </p:nvPr>
+        </p:nvGraphicFramePr>
+        <p:xfrm>
+          <a:off x="779679" y="1583338"/>
+          <a:ext cx="10632641" cy="3691324"/>
+        </p:xfrm>
+        <a:graphic>
+          <a:graphicData uri="http://schemas.openxmlformats.org/drawingml/2006/table">
+            <a:tbl>
+              <a:tblPr firstRow="1" bandRow="1">
+                <a:tableStyleId>{5C22544A-7EE6-4342-B048-85BDC9FD1C3A}</a:tableStyleId>
+              </a:tblPr>
+              <a:tblGrid>
+                <a:gridCol w="1667240">
+                  <a:extLst>
+                    <a:ext uri="{9D8B030D-6E8A-4147-A177-3AD203B41FA5}">
+                      <a16:colId xmlns:a16="http://schemas.microsoft.com/office/drawing/2014/main" val="686481008"/>
+                    </a:ext>
+                  </a:extLst>
+                </a:gridCol>
+                <a:gridCol w="1834237">
+                  <a:extLst>
+                    <a:ext uri="{9D8B030D-6E8A-4147-A177-3AD203B41FA5}">
+                      <a16:colId xmlns:a16="http://schemas.microsoft.com/office/drawing/2014/main" val="3754436772"/>
+                    </a:ext>
+                  </a:extLst>
+                </a:gridCol>
+                <a:gridCol w="1492978">
+                  <a:extLst>
+                    <a:ext uri="{9D8B030D-6E8A-4147-A177-3AD203B41FA5}">
+                      <a16:colId xmlns:a16="http://schemas.microsoft.com/office/drawing/2014/main" val="82796486"/>
+                    </a:ext>
+                  </a:extLst>
+                </a:gridCol>
+                <a:gridCol w="2485368">
+                  <a:extLst>
+                    <a:ext uri="{9D8B030D-6E8A-4147-A177-3AD203B41FA5}">
+                      <a16:colId xmlns:a16="http://schemas.microsoft.com/office/drawing/2014/main" val="2471807286"/>
+                    </a:ext>
+                  </a:extLst>
+                </a:gridCol>
+                <a:gridCol w="1378809">
+                  <a:extLst>
+                    <a:ext uri="{9D8B030D-6E8A-4147-A177-3AD203B41FA5}">
+                      <a16:colId xmlns:a16="http://schemas.microsoft.com/office/drawing/2014/main" val="2290599414"/>
+                    </a:ext>
+                  </a:extLst>
+                </a:gridCol>
+                <a:gridCol w="1774009">
+                  <a:extLst>
+                    <a:ext uri="{9D8B030D-6E8A-4147-A177-3AD203B41FA5}">
+                      <a16:colId xmlns:a16="http://schemas.microsoft.com/office/drawing/2014/main" val="2358774479"/>
+                    </a:ext>
+                  </a:extLst>
+                </a:gridCol>
+              </a:tblGrid>
+              <a:tr h="1374806">
+                <a:tc>
+                  <a:txBody>
+                    <a:bodyPr/>
+                    <a:lstStyle/>
+                    <a:p>
+                      <a:endParaRPr lang="en-US" dirty="0"/>
+                    </a:p>
+                  </a:txBody>
+                  <a:tcPr/>
+                </a:tc>
+                <a:tc>
+                  <a:txBody>
+                    <a:bodyPr/>
+                    <a:lstStyle/>
+                    <a:p>
+                      <a:endParaRPr lang="en-US" dirty="0"/>
+                    </a:p>
+                    <a:p>
+                      <a:r>
+                        <a:rPr lang="en-US" sz="2800" strike="noStrike" dirty="0"/>
+                        <a:t>Save and view</a:t>
+                      </a:r>
+                      <a:endParaRPr lang="en-US" sz="1600" strike="noStrike" dirty="0"/>
+                    </a:p>
+                  </a:txBody>
+                  <a:tcPr/>
+                </a:tc>
+                <a:tc>
+                  <a:txBody>
+                    <a:bodyPr/>
+                    <a:lstStyle/>
+                    <a:p>
+                      <a:endParaRPr lang="ar-JO" sz="2400" dirty="0"/>
+                    </a:p>
+                    <a:p>
+                      <a:r>
+                        <a:rPr lang="en-US" sz="2400" dirty="0"/>
+                        <a:t>Multiple users</a:t>
+                      </a:r>
+                    </a:p>
+                  </a:txBody>
+                  <a:tcPr/>
+                </a:tc>
+                <a:tc>
+                  <a:txBody>
+                    <a:bodyPr/>
+                    <a:lstStyle/>
+                    <a:p>
+                      <a:endParaRPr lang="ar-JO" dirty="0"/>
+                    </a:p>
+                    <a:p>
+                      <a:r>
+                        <a:rPr lang="en-US" sz="2400" dirty="0"/>
+                        <a:t>Save the date and time of notes</a:t>
+                      </a:r>
+                    </a:p>
+                  </a:txBody>
+                  <a:tcPr/>
+                </a:tc>
+                <a:tc>
+                  <a:txBody>
+                    <a:bodyPr/>
+                    <a:lstStyle/>
+                    <a:p>
+                      <a:endParaRPr lang="ar-JO" sz="2400" dirty="0"/>
+                    </a:p>
+                    <a:p>
+                      <a:r>
+                        <a:rPr lang="en-US" sz="2400" dirty="0"/>
+                        <a:t>Interface</a:t>
+                      </a:r>
+                    </a:p>
+                  </a:txBody>
+                  <a:tcPr/>
+                </a:tc>
+                <a:tc>
+                  <a:txBody>
+                    <a:bodyPr/>
+                    <a:lstStyle/>
+                    <a:p>
+                      <a:endParaRPr lang="en-US" dirty="0"/>
+                    </a:p>
+                    <a:p>
+                      <a:endParaRPr lang="en-US" sz="2000" dirty="0"/>
+                    </a:p>
+                    <a:p>
+                      <a:r>
+                        <a:rPr lang="en-US" sz="2000" dirty="0"/>
+                        <a:t>On\off line</a:t>
+                      </a:r>
+                    </a:p>
+                  </a:txBody>
+                  <a:tcPr/>
+                </a:tc>
+                <a:extLst>
+                  <a:ext uri="{0D108BD9-81ED-4DB2-BD59-A6C34878D82A}">
+                    <a16:rowId xmlns:a16="http://schemas.microsoft.com/office/drawing/2014/main" val="1876645330"/>
+                  </a:ext>
+                </a:extLst>
+              </a:tr>
+              <a:tr h="1065299">
+                <a:tc>
+                  <a:txBody>
+                    <a:bodyPr/>
+                    <a:lstStyle/>
+                    <a:p>
+                      <a:endParaRPr lang="en-US" sz="2000" dirty="0"/>
+                    </a:p>
+                  </a:txBody>
+                  <a:tcPr/>
+                </a:tc>
+                <a:tc>
+                  <a:txBody>
+                    <a:bodyPr/>
+                    <a:lstStyle/>
+                    <a:p>
+                      <a:endParaRPr lang="en-US" dirty="0"/>
+                    </a:p>
+                  </a:txBody>
+                  <a:tcPr/>
+                </a:tc>
+                <a:tc>
+                  <a:txBody>
+                    <a:bodyPr/>
+                    <a:lstStyle/>
+                    <a:p>
+                      <a:endParaRPr lang="en-US" dirty="0"/>
+                    </a:p>
+                  </a:txBody>
+                  <a:tcPr/>
+                </a:tc>
+                <a:tc>
+                  <a:txBody>
+                    <a:bodyPr/>
+                    <a:lstStyle/>
+                    <a:p>
+                      <a:endParaRPr lang="en-US" dirty="0"/>
+                    </a:p>
+                  </a:txBody>
+                  <a:tcPr/>
+                </a:tc>
+                <a:tc>
+                  <a:txBody>
+                    <a:bodyPr/>
+                    <a:lstStyle/>
+                    <a:p>
+                      <a:endParaRPr lang="en-US" dirty="0"/>
+                    </a:p>
+                  </a:txBody>
+                  <a:tcPr/>
+                </a:tc>
+                <a:tc>
+                  <a:txBody>
+                    <a:bodyPr/>
+                    <a:lstStyle/>
+                    <a:p>
+                      <a:endParaRPr lang="en-US" sz="2400" dirty="0"/>
+                    </a:p>
+                    <a:p>
+                      <a:r>
+                        <a:rPr lang="en-US" sz="2400" dirty="0"/>
+                        <a:t>offline</a:t>
+                      </a:r>
+                    </a:p>
+                  </a:txBody>
+                  <a:tcPr/>
+                </a:tc>
+                <a:extLst>
+                  <a:ext uri="{0D108BD9-81ED-4DB2-BD59-A6C34878D82A}">
+                    <a16:rowId xmlns:a16="http://schemas.microsoft.com/office/drawing/2014/main" val="3193325831"/>
+                  </a:ext>
+                </a:extLst>
+              </a:tr>
+              <a:tr h="1251219">
+                <a:tc>
+                  <a:txBody>
+                    <a:bodyPr/>
+                    <a:lstStyle/>
+                    <a:p>
+                      <a:r>
+                        <a:rPr lang="en-US" sz="2000" dirty="0"/>
+                        <a:t>Windows</a:t>
+                      </a:r>
+                    </a:p>
+                    <a:p>
+                      <a:pPr marL="0" marR="0" lvl="0" indent="0" algn="l" defTabSz="457200" rtl="0" eaLnBrk="1" fontAlgn="auto" latinLnBrk="0" hangingPunct="1">
+                        <a:lnSpc>
+                          <a:spcPct val="100000"/>
+                        </a:lnSpc>
+                        <a:spcBef>
+                          <a:spcPts val="0"/>
+                        </a:spcBef>
+                        <a:spcAft>
+                          <a:spcPts val="0"/>
+                        </a:spcAft>
+                        <a:buClrTx/>
+                        <a:buSzTx/>
+                        <a:buFontTx/>
+                        <a:buNone/>
+                        <a:tabLst/>
+                        <a:defRPr/>
+                      </a:pPr>
+                      <a:r>
+                        <a:rPr lang="en-US" sz="2000" dirty="0"/>
+                        <a:t>Sticky-Notes</a:t>
+                      </a:r>
+                    </a:p>
+                    <a:p>
+                      <a:endParaRPr lang="en-US" dirty="0"/>
+                    </a:p>
+                    <a:p>
+                      <a:endParaRPr lang="en-US" dirty="0"/>
+                    </a:p>
+                  </a:txBody>
+                  <a:tcPr/>
+                </a:tc>
+                <a:tc>
+                  <a:txBody>
+                    <a:bodyPr/>
+                    <a:lstStyle/>
+                    <a:p>
+                      <a:endParaRPr lang="en-US"/>
+                    </a:p>
+                  </a:txBody>
+                  <a:tcPr/>
+                </a:tc>
+                <a:tc>
+                  <a:txBody>
+                    <a:bodyPr/>
+                    <a:lstStyle/>
+                    <a:p>
+                      <a:endParaRPr lang="en-US"/>
+                    </a:p>
+                  </a:txBody>
+                  <a:tcPr/>
+                </a:tc>
+                <a:tc>
+                  <a:txBody>
+                    <a:bodyPr/>
+                    <a:lstStyle/>
+                    <a:p>
+                      <a:endParaRPr lang="en-US"/>
+                    </a:p>
+                  </a:txBody>
+                  <a:tcPr/>
+                </a:tc>
+                <a:tc>
+                  <a:txBody>
+                    <a:bodyPr/>
+                    <a:lstStyle/>
+                    <a:p>
+                      <a:endParaRPr lang="en-US"/>
+                    </a:p>
+                  </a:txBody>
+                  <a:tcPr/>
+                </a:tc>
+                <a:tc>
+                  <a:txBody>
+                    <a:bodyPr/>
+                    <a:lstStyle/>
+                    <a:p>
+                      <a:pPr marL="0" marR="0" lvl="0" indent="0" algn="l" defTabSz="457200" rtl="0" eaLnBrk="1" fontAlgn="auto" latinLnBrk="0" hangingPunct="1">
+                        <a:lnSpc>
+                          <a:spcPct val="100000"/>
+                        </a:lnSpc>
+                        <a:spcBef>
+                          <a:spcPts val="0"/>
+                        </a:spcBef>
+                        <a:spcAft>
+                          <a:spcPts val="0"/>
+                        </a:spcAft>
+                        <a:buClrTx/>
+                        <a:buSzTx/>
+                        <a:buFontTx/>
+                        <a:buNone/>
+                        <a:tabLst/>
+                        <a:defRPr/>
+                      </a:pPr>
+                      <a:endParaRPr lang="en-US" sz="2400" dirty="0"/>
+                    </a:p>
+                    <a:p>
+                      <a:pPr marL="0" marR="0" lvl="0" indent="0" algn="l" defTabSz="457200" rtl="0" eaLnBrk="1" fontAlgn="auto" latinLnBrk="0" hangingPunct="1">
+                        <a:lnSpc>
+                          <a:spcPct val="100000"/>
+                        </a:lnSpc>
+                        <a:spcBef>
+                          <a:spcPts val="0"/>
+                        </a:spcBef>
+                        <a:spcAft>
+                          <a:spcPts val="0"/>
+                        </a:spcAft>
+                        <a:buClrTx/>
+                        <a:buSzTx/>
+                        <a:buFontTx/>
+                        <a:buNone/>
+                        <a:tabLst/>
+                        <a:defRPr/>
+                      </a:pPr>
+                      <a:r>
+                        <a:rPr lang="en-US" sz="2400" dirty="0"/>
+                        <a:t>offline</a:t>
+                      </a:r>
+                    </a:p>
+                    <a:p>
+                      <a:endParaRPr lang="en-US" dirty="0"/>
+                    </a:p>
+                  </a:txBody>
+                  <a:tcPr/>
+                </a:tc>
+                <a:extLst>
+                  <a:ext uri="{0D108BD9-81ED-4DB2-BD59-A6C34878D82A}">
+                    <a16:rowId xmlns:a16="http://schemas.microsoft.com/office/drawing/2014/main" val="4059314725"/>
+                  </a:ext>
+                </a:extLst>
+              </a:tr>
+            </a:tbl>
+          </a:graphicData>
+        </a:graphic>
+      </p:graphicFrame>
+      <p:sp>
+        <p:nvSpPr>
+          <p:cNvPr id="4" name="نجمة: 5 نقاط 3">
+            <a:extLst>
+              <a:ext uri="{FF2B5EF4-FFF2-40B4-BE49-F238E27FC236}">
+                <a16:creationId xmlns:a16="http://schemas.microsoft.com/office/drawing/2014/main" id="{1241D093-4507-4826-9198-B268CF244AC1}"/>
+              </a:ext>
+            </a:extLst>
+          </p:cNvPr>
+          <p:cNvSpPr/>
+          <p:nvPr/>
+        </p:nvSpPr>
+        <p:spPr>
+          <a:xfrm>
+            <a:off x="3071674" y="3429000"/>
+            <a:ext cx="417250" cy="326254"/>
+          </a:xfrm>
+          <a:prstGeom prst="star5">
+            <a:avLst/>
+          </a:prstGeom>
+        </p:spPr>
+        <p:style>
+          <a:lnRef idx="2">
+            <a:schemeClr val="accent1">
+              <a:shade val="50000"/>
+            </a:schemeClr>
+          </a:lnRef>
+          <a:fillRef idx="1">
+            <a:schemeClr val="accent1"/>
+          </a:fillRef>
+          <a:effectRef idx="0">
+            <a:schemeClr val="accent1"/>
+          </a:effectRef>
+          <a:fontRef idx="minor">
+            <a:schemeClr val="lt1"/>
+          </a:fontRef>
+        </p:style>
+        <p:txBody>
+          <a:bodyPr rtlCol="0" anchor="ctr"/>
+          <a:lstStyle/>
+          <a:p>
+            <a:pPr algn="ctr"/>
+            <a:endParaRPr lang="en-US"/>
+          </a:p>
+        </p:txBody>
+      </p:sp>
+      <p:pic>
+        <p:nvPicPr>
+          <p:cNvPr id="5" name="صورة 4">
+            <a:extLst>
+              <a:ext uri="{FF2B5EF4-FFF2-40B4-BE49-F238E27FC236}">
+                <a16:creationId xmlns:a16="http://schemas.microsoft.com/office/drawing/2014/main" id="{45D800C2-83AF-4B1B-B7A7-E09DE6333334}"/>
+              </a:ext>
+            </a:extLst>
+          </p:cNvPr>
+          <p:cNvPicPr>
+            <a:picLocks noChangeAspect="1"/>
+          </p:cNvPicPr>
+          <p:nvPr/>
+        </p:nvPicPr>
+        <p:blipFill>
+          <a:blip r:embed="rId2"/>
+          <a:stretch>
+            <a:fillRect/>
+          </a:stretch>
+        </p:blipFill>
+        <p:spPr>
+          <a:xfrm>
+            <a:off x="4727723" y="3343978"/>
+            <a:ext cx="481626" cy="377985"/>
+          </a:xfrm>
+          <a:prstGeom prst="rect">
+            <a:avLst/>
+          </a:prstGeom>
+        </p:spPr>
+      </p:pic>
+      <p:pic>
+        <p:nvPicPr>
+          <p:cNvPr id="6" name="صورة 5">
+            <a:extLst>
+              <a:ext uri="{FF2B5EF4-FFF2-40B4-BE49-F238E27FC236}">
+                <a16:creationId xmlns:a16="http://schemas.microsoft.com/office/drawing/2014/main" id="{EF6783C1-7E79-416B-97AB-D9A0C7735B99}"/>
+              </a:ext>
+            </a:extLst>
+          </p:cNvPr>
+          <p:cNvPicPr>
+            <a:picLocks noChangeAspect="1"/>
+          </p:cNvPicPr>
+          <p:nvPr/>
+        </p:nvPicPr>
+        <p:blipFill>
+          <a:blip r:embed="rId2"/>
+          <a:stretch>
+            <a:fillRect/>
+          </a:stretch>
+        </p:blipFill>
+        <p:spPr>
+          <a:xfrm>
+            <a:off x="6716345" y="3343977"/>
+            <a:ext cx="481626" cy="377985"/>
+          </a:xfrm>
+          <a:prstGeom prst="rect">
+            <a:avLst/>
+          </a:prstGeom>
+        </p:spPr>
+      </p:pic>
+      <p:pic>
+        <p:nvPicPr>
+          <p:cNvPr id="7" name="صورة 6">
+            <a:extLst>
+              <a:ext uri="{FF2B5EF4-FFF2-40B4-BE49-F238E27FC236}">
+                <a16:creationId xmlns:a16="http://schemas.microsoft.com/office/drawing/2014/main" id="{9EE0B5F9-784D-4983-962E-5B89FB1EFBA9}"/>
+              </a:ext>
+            </a:extLst>
+          </p:cNvPr>
+          <p:cNvPicPr>
+            <a:picLocks noChangeAspect="1"/>
+          </p:cNvPicPr>
+          <p:nvPr/>
+        </p:nvPicPr>
+        <p:blipFill>
+          <a:blip r:embed="rId2"/>
+          <a:stretch>
+            <a:fillRect/>
+          </a:stretch>
+        </p:blipFill>
+        <p:spPr>
+          <a:xfrm>
+            <a:off x="8704919" y="4447370"/>
+            <a:ext cx="481626" cy="377985"/>
+          </a:xfrm>
+          <a:prstGeom prst="rect">
+            <a:avLst/>
+          </a:prstGeom>
+        </p:spPr>
+      </p:pic>
+      <p:pic>
+        <p:nvPicPr>
+          <p:cNvPr id="8" name="Picture 5">
+            <a:extLst>
+              <a:ext uri="{FF2B5EF4-FFF2-40B4-BE49-F238E27FC236}">
+                <a16:creationId xmlns:a16="http://schemas.microsoft.com/office/drawing/2014/main" id="{20BEAE4C-0661-4906-870F-B8517423AF3E}"/>
+              </a:ext>
+            </a:extLst>
+          </p:cNvPr>
+          <p:cNvPicPr>
+            <a:picLocks noChangeAspect="1"/>
+          </p:cNvPicPr>
+          <p:nvPr/>
+        </p:nvPicPr>
+        <p:blipFill>
+          <a:blip r:embed="rId3">
+            <a:extLst>
+              <a:ext uri="{BEBA8EAE-BF5A-486C-A8C5-ECC9F3942E4B}">
+                <a14:imgProps xmlns:a14="http://schemas.microsoft.com/office/drawing/2010/main">
+                  <a14:imgLayer r:embed="rId4">
+                    <a14:imgEffect>
+                      <a14:backgroundRemoval t="7744" b="100000" l="10562" r="93933">
+                        <a14:foregroundMark x1="49663" y1="18519" x2="51236" y2="10101"/>
+                        <a14:foregroundMark x1="55281" y1="19865" x2="54157" y2="16835"/>
+                        <a14:foregroundMark x1="53933" y1="15825" x2="51461" y2="7071"/>
+                        <a14:foregroundMark x1="10787" y1="92929" x2="14831" y2="93603"/>
+                        <a14:foregroundMark x1="15730" y1="92929" x2="15955" y2="88889"/>
+                        <a14:foregroundMark x1="14831" y1="88552" x2="12584" y2="87542"/>
+                        <a14:foregroundMark x1="11461" y1="84848" x2="12809" y2="83165"/>
+                        <a14:foregroundMark x1="19551" y1="81145" x2="19551" y2="91246"/>
+                        <a14:foregroundMark x1="25393" y1="82828" x2="25393" y2="88215"/>
+                        <a14:foregroundMark x1="25393" y1="78788" x2="25393" y2="78114"/>
+                        <a14:foregroundMark x1="29663" y1="85185" x2="32360" y2="83165"/>
+                        <a14:foregroundMark x1="28989" y1="87205" x2="29663" y2="90909"/>
+                        <a14:foregroundMark x1="38427" y1="90236" x2="38427" y2="82828"/>
+                        <a14:foregroundMark x1="40674" y1="87205" x2="42472" y2="85859"/>
+                        <a14:foregroundMark x1="50787" y1="92593" x2="47865" y2="86869"/>
+                        <a14:foregroundMark x1="48315" y1="99327" x2="49213" y2="96633"/>
+                        <a14:foregroundMark x1="51685" y1="90236" x2="52360" y2="87205"/>
+                        <a14:foregroundMark x1="55506" y1="92593" x2="55506" y2="87542"/>
+                        <a14:foregroundMark x1="55506" y1="86195" x2="55506" y2="83165"/>
+                        <a14:foregroundMark x1="56629" y1="84175" x2="57978" y2="82492"/>
+                        <a14:foregroundMark x1="59326" y1="82492" x2="61348" y2="83165"/>
+                        <a14:foregroundMark x1="61798" y1="84175" x2="62247" y2="88215"/>
+                        <a14:foregroundMark x1="62247" y1="93603" x2="62247" y2="90909"/>
+                        <a14:foregroundMark x1="64944" y1="87542" x2="65169" y2="84848"/>
+                        <a14:foregroundMark x1="66517" y1="83838" x2="67865" y2="82492"/>
+                        <a14:foregroundMark x1="70112" y1="83165" x2="71685" y2="84175"/>
+                        <a14:foregroundMark x1="72360" y1="88552" x2="71910" y2="91582"/>
+                        <a14:foregroundMark x1="71236" y1="93266" x2="68764" y2="94276"/>
+                        <a14:foregroundMark x1="67640" y1="94276" x2="65393" y2="91919"/>
+                        <a14:foregroundMark x1="64944" y1="90572" x2="64719" y2="87879"/>
+                        <a14:foregroundMark x1="68090" y1="82828" x2="69438" y2="82492"/>
+                        <a14:foregroundMark x1="75506" y1="86195" x2="75506" y2="81145"/>
+                        <a14:foregroundMark x1="75955" y1="92929" x2="76404" y2="94276"/>
+                        <a14:foregroundMark x1="78202" y1="93939" x2="76629" y2="93939"/>
+                        <a14:foregroundMark x1="79775" y1="88889" x2="79775" y2="86195"/>
+                        <a14:foregroundMark x1="80225" y1="85185" x2="81798" y2="83165"/>
+                        <a14:foregroundMark x1="83596" y1="82828" x2="84944" y2="82828"/>
+                        <a14:foregroundMark x1="85843" y1="83838" x2="86742" y2="85522"/>
+                        <a14:foregroundMark x1="86966" y1="88215" x2="84719" y2="88215"/>
+                        <a14:foregroundMark x1="80449" y1="88215" x2="83596" y2="87879"/>
+                        <a14:foregroundMark x1="79775" y1="90572" x2="81124" y2="92929"/>
+                        <a14:foregroundMark x1="82022" y1="93939" x2="83596" y2="93939"/>
+                        <a14:foregroundMark x1="84944" y1="93939" x2="86292" y2="92929"/>
+                        <a14:foregroundMark x1="88989" y1="84512" x2="89663" y2="82492"/>
+                        <a14:foregroundMark x1="90562" y1="82492" x2="90562" y2="82492"/>
+                        <a14:foregroundMark x1="90562" y1="82492" x2="91685" y2="82492"/>
+                        <a14:foregroundMark x1="92584" y1="82828" x2="93483" y2="82828"/>
+                        <a14:foregroundMark x1="88989" y1="85522" x2="89663" y2="87205"/>
+                        <a14:foregroundMark x1="90337" y1="87879" x2="92135" y2="88552"/>
+                        <a14:foregroundMark x1="92584" y1="88889" x2="93483" y2="89899"/>
+                        <a14:foregroundMark x1="88989" y1="93603" x2="91236" y2="94276"/>
+                      </a14:backgroundRemoval>
+                    </a14:imgEffect>
+                  </a14:imgLayer>
+                </a14:imgProps>
+              </a:ext>
+            </a:extLst>
+          </a:blip>
+          <a:stretch>
+            <a:fillRect/>
+          </a:stretch>
+        </p:blipFill>
+        <p:spPr>
+          <a:xfrm>
+            <a:off x="10325100" y="735895"/>
+            <a:ext cx="1101371" cy="735072"/>
+          </a:xfrm>
+          <a:prstGeom prst="rect">
+            <a:avLst/>
+          </a:prstGeom>
+        </p:spPr>
+      </p:pic>
+      <p:pic>
+        <p:nvPicPr>
+          <p:cNvPr id="2" name="صورة 1">
+            <a:extLst>
+              <a:ext uri="{FF2B5EF4-FFF2-40B4-BE49-F238E27FC236}">
+                <a16:creationId xmlns:a16="http://schemas.microsoft.com/office/drawing/2014/main" id="{0824A0A1-402C-40B7-88F4-C21912448B2B}"/>
+              </a:ext>
+            </a:extLst>
+          </p:cNvPr>
+          <p:cNvPicPr>
+            <a:picLocks noChangeAspect="1"/>
+          </p:cNvPicPr>
+          <p:nvPr/>
+        </p:nvPicPr>
+        <p:blipFill>
+          <a:blip r:embed="rId5"/>
+          <a:stretch>
+            <a:fillRect/>
+          </a:stretch>
+        </p:blipFill>
+        <p:spPr>
+          <a:xfrm>
+            <a:off x="1015990" y="3063208"/>
+            <a:ext cx="1097375" cy="731583"/>
+          </a:xfrm>
+          <a:prstGeom prst="rect">
+            <a:avLst/>
+          </a:prstGeom>
+        </p:spPr>
+      </p:pic>
+    </p:spTree>
+    <p:extLst>
+      <p:ext uri="{BB962C8B-B14F-4D97-AF65-F5344CB8AC3E}">
+        <p14:creationId xmlns:p14="http://schemas.microsoft.com/office/powerpoint/2010/main" val="693893502"/>
+      </p:ext>
+    </p:extLst>
+  </p:cSld>
+  <p:clrMapOvr>
+    <a:masterClrMapping/>
+  </p:clrMapOvr>
+</p:sld>
+</file>
+
+<file path=ppt/slides/slide13.xml><?xml version="1.0" encoding="utf-8"?>
+<p:sld xmlns:a="http://schemas.openxmlformats.org/drawingml/2006/main" xmlns:r="http://schemas.openxmlformats.org/officeDocument/2006/relationships" xmlns:p="http://schemas.openxmlformats.org/presentationml/2006/main">
+  <p:cSld>
+    <p:spTree>
+      <p:nvGrpSpPr>
+        <p:cNvPr id="1" name=""/>
+        <p:cNvGrpSpPr/>
+        <p:nvPr/>
+      </p:nvGrpSpPr>
+      <p:grpSpPr>
+        <a:xfrm>
+          <a:off x="0" y="0"/>
+          <a:ext cx="0" cy="0"/>
+          <a:chOff x="0" y="0"/>
+          <a:chExt cx="0" cy="0"/>
+        </a:xfrm>
+      </p:grpSpPr>
+      <p:sp>
+        <p:nvSpPr>
           <p:cNvPr id="2" name="Title 1"/>
           <p:cNvSpPr>
             <a:spLocks noGrp="1"/>
@@ -6553,19 +7424,14 @@
           <a:p>
             <a:r>
               <a:rPr lang="en-US" dirty="0"/>
-              <a:t> What is operating system  run </a:t>
-            </a:r>
-            <a:r>
-              <a:rPr lang="en-US" dirty="0" smtClean="0"/>
-              <a:t>Sticky-Notes ?</a:t>
-            </a:r>
-          </a:p>
-          <a:p>
-            <a:r>
-              <a:rPr lang="en-US" dirty="0" smtClean="0"/>
+              <a:t> What is operating system  run Sticky-Notes ?</a:t>
+            </a:r>
+          </a:p>
+          <a:p>
+            <a:r>
+              <a:rPr lang="en-US" dirty="0"/>
               <a:t>How to reach Sticky-Notes ?</a:t>
             </a:r>
-            <a:endParaRPr lang="en-US" dirty="0"/>
           </a:p>
           <a:p>
             <a:r>
@@ -7325,13 +8191,8 @@
           <a:p>
             <a:r>
               <a:rPr lang="en-US" dirty="0"/>
-              <a:t>How to reach Sticky-Notes </a:t>
-            </a:r>
-            <a:r>
-              <a:rPr lang="en-US" dirty="0" smtClean="0"/>
-              <a:t>?</a:t>
-            </a:r>
-            <a:endParaRPr lang="en-US" dirty="0"/>
+              <a:t>How to reach Sticky-Notes ?</a:t>
+            </a:r>
           </a:p>
         </p:txBody>
       </p:sp>
@@ -7420,19 +8281,12 @@
               <a:rPr lang="en-US" dirty="0">
                 <a:hlinkClick r:id="rId4"/>
               </a:rPr>
-              <a:t>https://</a:t>
-            </a:r>
-            <a:r>
-              <a:rPr lang="en-US" dirty="0" smtClean="0">
-                <a:hlinkClick r:id="rId4"/>
-              </a:rPr>
-              <a:t>www.facebook.com/</a:t>
-            </a:r>
-            <a:r>
-              <a:rPr lang="en-US" dirty="0" smtClean="0"/>
+              <a:t>https://www.facebook.com/</a:t>
+            </a:r>
+            <a:r>
+              <a:rPr lang="en-US" dirty="0"/>
               <a:t>Sticky-Notes</a:t>
             </a:r>
-            <a:endParaRPr lang="en-US" dirty="0"/>
           </a:p>
         </p:txBody>
       </p:sp>
@@ -7459,10 +8313,9 @@
           <a:lstStyle/>
           <a:p>
             <a:r>
-              <a:rPr lang="en-US" dirty="0" smtClean="0"/>
+              <a:rPr lang="en-US" dirty="0"/>
               <a:t>Scan QR code</a:t>
             </a:r>
-            <a:endParaRPr lang="en-US" dirty="0"/>
           </a:p>
         </p:txBody>
       </p:sp>

--- a/Sticky-Notes.pptx
+++ b/Sticky-Notes.pptx
@@ -6371,7 +6371,7 @@
         <p:spPr>
           <a:xfrm>
             <a:off x="1332762" y="975394"/>
-            <a:ext cx="9601195" cy="4900474"/>
+            <a:ext cx="8805151" cy="4900474"/>
           </a:xfrm>
           <a:prstGeom prst="rect">
             <a:avLst/>
@@ -6482,6 +6482,13 @@
   <p:clrMapOvr>
     <a:masterClrMapping/>
   </p:clrMapOvr>
+  <p:timing>
+    <p:tnLst>
+      <p:par>
+        <p:cTn id="1" dur="indefinite" restart="never" nodeType="tmRoot"/>
+      </p:par>
+    </p:tnLst>
+  </p:timing>
 </p:sld>
 </file>
 
@@ -7166,6 +7173,13 @@
   <p:clrMapOvr>
     <a:masterClrMapping/>
   </p:clrMapOvr>
+  <p:timing>
+    <p:tnLst>
+      <p:par>
+        <p:cTn id="1" dur="indefinite" restart="never" nodeType="tmRoot"/>
+      </p:par>
+    </p:tnLst>
+  </p:timing>
 </p:sld>
 </file>
 
